--- a/MT/Lang in 10/Language in 10 Minutes.pptx
+++ b/MT/Lang in 10/Language in 10 Minutes.pptx
@@ -13,14 +13,14 @@
     <p:sldId id="273" r:id="rId7"/>
     <p:sldId id="265" r:id="rId8"/>
     <p:sldId id="259" r:id="rId9"/>
-    <p:sldId id="274" r:id="rId10"/>
-    <p:sldId id="264" r:id="rId11"/>
-    <p:sldId id="263" r:id="rId12"/>
-    <p:sldId id="275" r:id="rId13"/>
-    <p:sldId id="276" r:id="rId14"/>
-    <p:sldId id="267" r:id="rId15"/>
-    <p:sldId id="278" r:id="rId16"/>
-    <p:sldId id="270" r:id="rId17"/>
+    <p:sldId id="264" r:id="rId10"/>
+    <p:sldId id="263" r:id="rId11"/>
+    <p:sldId id="275" r:id="rId12"/>
+    <p:sldId id="276" r:id="rId13"/>
+    <p:sldId id="267" r:id="rId14"/>
+    <p:sldId id="278" r:id="rId15"/>
+    <p:sldId id="270" r:id="rId16"/>
+    <p:sldId id="274" r:id="rId17"/>
     <p:sldId id="279" r:id="rId18"/>
     <p:sldId id="277" r:id="rId19"/>
     <p:sldId id="269" r:id="rId20"/>
@@ -273,7 +273,7 @@
           <a:p>
             <a:fld id="{FF96EE72-D648-4730-BE37-0AB698BC1D81}" type="datetimeFigureOut">
               <a:rPr lang="en-US" smtClean="0"/>
-              <a:t>3/29/2016</a:t>
+              <a:t>4/19/2016</a:t>
             </a:fld>
             <a:endParaRPr lang="en-US"/>
           </a:p>
@@ -443,7 +443,7 @@
           <a:p>
             <a:fld id="{FF96EE72-D648-4730-BE37-0AB698BC1D81}" type="datetimeFigureOut">
               <a:rPr lang="en-US" smtClean="0"/>
-              <a:t>3/29/2016</a:t>
+              <a:t>4/19/2016</a:t>
             </a:fld>
             <a:endParaRPr lang="en-US"/>
           </a:p>
@@ -623,7 +623,7 @@
           <a:p>
             <a:fld id="{FF96EE72-D648-4730-BE37-0AB698BC1D81}" type="datetimeFigureOut">
               <a:rPr lang="en-US" smtClean="0"/>
-              <a:t>3/29/2016</a:t>
+              <a:t>4/19/2016</a:t>
             </a:fld>
             <a:endParaRPr lang="en-US"/>
           </a:p>
@@ -793,7 +793,7 @@
           <a:p>
             <a:fld id="{FF96EE72-D648-4730-BE37-0AB698BC1D81}" type="datetimeFigureOut">
               <a:rPr lang="en-US" smtClean="0"/>
-              <a:t>3/29/2016</a:t>
+              <a:t>4/19/2016</a:t>
             </a:fld>
             <a:endParaRPr lang="en-US"/>
           </a:p>
@@ -1039,7 +1039,7 @@
           <a:p>
             <a:fld id="{FF96EE72-D648-4730-BE37-0AB698BC1D81}" type="datetimeFigureOut">
               <a:rPr lang="en-US" smtClean="0"/>
-              <a:t>3/29/2016</a:t>
+              <a:t>4/19/2016</a:t>
             </a:fld>
             <a:endParaRPr lang="en-US"/>
           </a:p>
@@ -1271,7 +1271,7 @@
           <a:p>
             <a:fld id="{FF96EE72-D648-4730-BE37-0AB698BC1D81}" type="datetimeFigureOut">
               <a:rPr lang="en-US" smtClean="0"/>
-              <a:t>3/29/2016</a:t>
+              <a:t>4/19/2016</a:t>
             </a:fld>
             <a:endParaRPr lang="en-US"/>
           </a:p>
@@ -1638,7 +1638,7 @@
           <a:p>
             <a:fld id="{FF96EE72-D648-4730-BE37-0AB698BC1D81}" type="datetimeFigureOut">
               <a:rPr lang="en-US" smtClean="0"/>
-              <a:t>3/29/2016</a:t>
+              <a:t>4/19/2016</a:t>
             </a:fld>
             <a:endParaRPr lang="en-US"/>
           </a:p>
@@ -1756,7 +1756,7 @@
           <a:p>
             <a:fld id="{FF96EE72-D648-4730-BE37-0AB698BC1D81}" type="datetimeFigureOut">
               <a:rPr lang="en-US" smtClean="0"/>
-              <a:t>3/29/2016</a:t>
+              <a:t>4/19/2016</a:t>
             </a:fld>
             <a:endParaRPr lang="en-US"/>
           </a:p>
@@ -1851,7 +1851,7 @@
           <a:p>
             <a:fld id="{FF96EE72-D648-4730-BE37-0AB698BC1D81}" type="datetimeFigureOut">
               <a:rPr lang="en-US" smtClean="0"/>
-              <a:t>3/29/2016</a:t>
+              <a:t>4/19/2016</a:t>
             </a:fld>
             <a:endParaRPr lang="en-US"/>
           </a:p>
@@ -2128,7 +2128,7 @@
           <a:p>
             <a:fld id="{FF96EE72-D648-4730-BE37-0AB698BC1D81}" type="datetimeFigureOut">
               <a:rPr lang="en-US" smtClean="0"/>
-              <a:t>3/29/2016</a:t>
+              <a:t>4/19/2016</a:t>
             </a:fld>
             <a:endParaRPr lang="en-US"/>
           </a:p>
@@ -2381,7 +2381,7 @@
           <a:p>
             <a:fld id="{FF96EE72-D648-4730-BE37-0AB698BC1D81}" type="datetimeFigureOut">
               <a:rPr lang="en-US" smtClean="0"/>
-              <a:t>3/29/2016</a:t>
+              <a:t>4/19/2016</a:t>
             </a:fld>
             <a:endParaRPr lang="en-US"/>
           </a:p>
@@ -2604,7 +2604,7 @@
           <a:p>
             <a:fld id="{FF96EE72-D648-4730-BE37-0AB698BC1D81}" type="datetimeFigureOut">
               <a:rPr lang="en-US" smtClean="0"/>
-              <a:t>3/29/2016</a:t>
+              <a:t>4/19/2016</a:t>
             </a:fld>
             <a:endParaRPr lang="en-US"/>
           </a:p>
@@ -3119,1801 +3119,6 @@
             <p:ph type="title"/>
           </p:nvPr>
         </p:nvSpPr>
-        <p:spPr/>
-        <p:txBody>
-          <a:bodyPr/>
-          <a:lstStyle/>
-          <a:p>
-            <a:pPr algn="ctr"/>
-            <a:r>
-              <a:rPr lang="en-US" dirty="0" smtClean="0"/>
-              <a:t>Morphology</a:t>
-            </a:r>
-            <a:endParaRPr lang="en-US" dirty="0"/>
-          </a:p>
-        </p:txBody>
-      </p:sp>
-      <p:sp>
-        <p:nvSpPr>
-          <p:cNvPr id="3" name="Content Placeholder 2"/>
-          <p:cNvSpPr>
-            <a:spLocks noGrp="1"/>
-          </p:cNvSpPr>
-          <p:nvPr>
-            <p:ph idx="1"/>
-          </p:nvPr>
-        </p:nvSpPr>
-        <p:spPr/>
-        <p:txBody>
-          <a:bodyPr/>
-          <a:lstStyle/>
-          <a:p>
-            <a:r>
-              <a:rPr lang="en-US" dirty="0" smtClean="0"/>
-              <a:t>Words in Arabic are divided into:</a:t>
-            </a:r>
-          </a:p>
-          <a:p>
-            <a:pPr lvl="1"/>
-            <a:r>
-              <a:rPr lang="ar-AE" dirty="0"/>
-              <a:t> </a:t>
-            </a:r>
-            <a:r>
-              <a:rPr lang="ar-AE" dirty="0" smtClean="0"/>
-              <a:t>اِسْم</a:t>
-            </a:r>
-            <a:r>
-              <a:rPr lang="en-US" dirty="0" smtClean="0"/>
-              <a:t> : includes </a:t>
-            </a:r>
-            <a:r>
-              <a:rPr lang="en-US" dirty="0"/>
-              <a:t>nouns, pronouns, adjectives, adverbs, </a:t>
-            </a:r>
-            <a:r>
-              <a:rPr lang="en-US" dirty="0" err="1" smtClean="0"/>
-              <a:t>etc</a:t>
-            </a:r>
-            <a:endParaRPr lang="en-US" dirty="0" smtClean="0"/>
-          </a:p>
-          <a:p>
-            <a:pPr lvl="1"/>
-            <a:r>
-              <a:rPr lang="ar-AE" dirty="0"/>
-              <a:t> </a:t>
-            </a:r>
-            <a:r>
-              <a:rPr lang="ar-AE" dirty="0" smtClean="0"/>
-              <a:t>فِعْل</a:t>
-            </a:r>
-            <a:r>
-              <a:rPr lang="en-US" dirty="0" smtClean="0"/>
-              <a:t> : verbs</a:t>
-            </a:r>
-          </a:p>
-          <a:p>
-            <a:pPr lvl="1"/>
-            <a:r>
-              <a:rPr lang="ar-AE" dirty="0"/>
-              <a:t>  </a:t>
-            </a:r>
-            <a:r>
-              <a:rPr lang="ar-AE" dirty="0" smtClean="0"/>
-              <a:t>حَرْف</a:t>
-            </a:r>
-            <a:r>
-              <a:rPr lang="en-US" dirty="0" smtClean="0"/>
-              <a:t>: particles</a:t>
-            </a:r>
-            <a:r>
-              <a:rPr lang="en-US" dirty="0"/>
-              <a:t>, articles, and </a:t>
-            </a:r>
-            <a:r>
-              <a:rPr lang="en-US" dirty="0" smtClean="0"/>
-              <a:t>conjunctions</a:t>
-            </a:r>
-          </a:p>
-          <a:p>
-            <a:pPr lvl="1"/>
-            <a:endParaRPr lang="en-US" dirty="0"/>
-          </a:p>
-          <a:p>
-            <a:pPr lvl="1"/>
-            <a:endParaRPr lang="en-US" dirty="0" smtClean="0"/>
-          </a:p>
-        </p:txBody>
-      </p:sp>
-      <p:graphicFrame>
-        <p:nvGraphicFramePr>
-          <p:cNvPr id="5" name="Table 4"/>
-          <p:cNvGraphicFramePr>
-            <a:graphicFrameLocks noGrp="1"/>
-          </p:cNvGraphicFramePr>
-          <p:nvPr>
-            <p:extLst>
-              <p:ext uri="{D42A27DB-BD31-4B8C-83A1-F6EECF244321}">
-                <p14:modId xmlns:p14="http://schemas.microsoft.com/office/powerpoint/2010/main" val="3422193325"/>
-              </p:ext>
-            </p:extLst>
-          </p:nvPr>
-        </p:nvGraphicFramePr>
-        <p:xfrm>
-          <a:off x="838200" y="4117340"/>
-          <a:ext cx="10515600" cy="2194560"/>
-        </p:xfrm>
-        <a:graphic>
-          <a:graphicData uri="http://schemas.openxmlformats.org/drawingml/2006/table">
-            <a:tbl>
-              <a:tblPr/>
-              <a:tblGrid>
-                <a:gridCol w="2103120"/>
-                <a:gridCol w="2103120"/>
-                <a:gridCol w="2103120"/>
-                <a:gridCol w="2103120"/>
-                <a:gridCol w="2103120"/>
-              </a:tblGrid>
-              <a:tr h="0">
-                <a:tc gridSpan="2">
-                  <a:txBody>
-                    <a:bodyPr/>
-                    <a:lstStyle/>
-                    <a:p>
-                      <a:pPr algn="ctr"/>
-                      <a:r>
-                        <a:rPr lang="en-US" dirty="0">
-                          <a:effectLst/>
-                        </a:rPr>
-                        <a:t>Person</a:t>
-                      </a:r>
-                    </a:p>
-                  </a:txBody>
-                  <a:tcPr anchor="ctr">
-                    <a:lnL w="9525" cap="flat" cmpd="sng" algn="ctr">
-                      <a:solidFill>
-                        <a:srgbClr val="AAAAAA"/>
-                      </a:solidFill>
-                      <a:prstDash val="solid"/>
-                      <a:round/>
-                      <a:headEnd type="none" w="med" len="med"/>
-                      <a:tailEnd type="none" w="med" len="med"/>
-                    </a:lnL>
-                    <a:lnR w="9525" cap="flat" cmpd="sng" algn="ctr">
-                      <a:solidFill>
-                        <a:srgbClr val="AAAAAA"/>
-                      </a:solidFill>
-                      <a:prstDash val="solid"/>
-                      <a:round/>
-                      <a:headEnd type="none" w="med" len="med"/>
-                      <a:tailEnd type="none" w="med" len="med"/>
-                    </a:lnR>
-                    <a:lnT w="9525" cap="flat" cmpd="sng" algn="ctr">
-                      <a:solidFill>
-                        <a:srgbClr val="AAAAAA"/>
-                      </a:solidFill>
-                      <a:prstDash val="solid"/>
-                      <a:round/>
-                      <a:headEnd type="none" w="med" len="med"/>
-                      <a:tailEnd type="none" w="med" len="med"/>
-                    </a:lnT>
-                    <a:lnB w="9525" cap="flat" cmpd="sng" algn="ctr">
-                      <a:solidFill>
-                        <a:srgbClr val="AAAAAA"/>
-                      </a:solidFill>
-                      <a:prstDash val="solid"/>
-                      <a:round/>
-                      <a:headEnd type="none" w="med" len="med"/>
-                      <a:tailEnd type="none" w="med" len="med"/>
-                    </a:lnB>
-                    <a:solidFill>
-                      <a:srgbClr val="F2F2F2"/>
-                    </a:solidFill>
-                  </a:tcPr>
-                </a:tc>
-                <a:tc hMerge="1">
-                  <a:txBody>
-                    <a:bodyPr/>
-                    <a:lstStyle/>
-                    <a:p>
-                      <a:endParaRPr lang="en-US"/>
-                    </a:p>
-                  </a:txBody>
-                  <a:tcPr/>
-                </a:tc>
-                <a:tc>
-                  <a:txBody>
-                    <a:bodyPr/>
-                    <a:lstStyle/>
-                    <a:p>
-                      <a:pPr algn="ctr"/>
-                      <a:r>
-                        <a:rPr lang="en-US">
-                          <a:effectLst/>
-                        </a:rPr>
-                        <a:t>Singular</a:t>
-                      </a:r>
-                    </a:p>
-                  </a:txBody>
-                  <a:tcPr anchor="ctr">
-                    <a:lnL w="9525" cap="flat" cmpd="sng" algn="ctr">
-                      <a:solidFill>
-                        <a:srgbClr val="AAAAAA"/>
-                      </a:solidFill>
-                      <a:prstDash val="solid"/>
-                      <a:round/>
-                      <a:headEnd type="none" w="med" len="med"/>
-                      <a:tailEnd type="none" w="med" len="med"/>
-                    </a:lnL>
-                    <a:lnR w="9525" cap="flat" cmpd="sng" algn="ctr">
-                      <a:solidFill>
-                        <a:srgbClr val="AAAAAA"/>
-                      </a:solidFill>
-                      <a:prstDash val="solid"/>
-                      <a:round/>
-                      <a:headEnd type="none" w="med" len="med"/>
-                      <a:tailEnd type="none" w="med" len="med"/>
-                    </a:lnR>
-                    <a:lnT w="9525" cap="flat" cmpd="sng" algn="ctr">
-                      <a:solidFill>
-                        <a:srgbClr val="AAAAAA"/>
-                      </a:solidFill>
-                      <a:prstDash val="solid"/>
-                      <a:round/>
-                      <a:headEnd type="none" w="med" len="med"/>
-                      <a:tailEnd type="none" w="med" len="med"/>
-                    </a:lnT>
-                    <a:lnB w="9525" cap="flat" cmpd="sng" algn="ctr">
-                      <a:solidFill>
-                        <a:srgbClr val="AAAAAA"/>
-                      </a:solidFill>
-                      <a:prstDash val="solid"/>
-                      <a:round/>
-                      <a:headEnd type="none" w="med" len="med"/>
-                      <a:tailEnd type="none" w="med" len="med"/>
-                    </a:lnB>
-                    <a:solidFill>
-                      <a:srgbClr val="F2F2F2"/>
-                    </a:solidFill>
-                  </a:tcPr>
-                </a:tc>
-                <a:tc>
-                  <a:txBody>
-                    <a:bodyPr/>
-                    <a:lstStyle/>
-                    <a:p>
-                      <a:pPr algn="ctr"/>
-                      <a:r>
-                        <a:rPr lang="en-US">
-                          <a:effectLst/>
-                        </a:rPr>
-                        <a:t>Dual</a:t>
-                      </a:r>
-                    </a:p>
-                  </a:txBody>
-                  <a:tcPr anchor="ctr">
-                    <a:lnL w="9525" cap="flat" cmpd="sng" algn="ctr">
-                      <a:solidFill>
-                        <a:srgbClr val="AAAAAA"/>
-                      </a:solidFill>
-                      <a:prstDash val="solid"/>
-                      <a:round/>
-                      <a:headEnd type="none" w="med" len="med"/>
-                      <a:tailEnd type="none" w="med" len="med"/>
-                    </a:lnL>
-                    <a:lnR w="9525" cap="flat" cmpd="sng" algn="ctr">
-                      <a:solidFill>
-                        <a:srgbClr val="AAAAAA"/>
-                      </a:solidFill>
-                      <a:prstDash val="solid"/>
-                      <a:round/>
-                      <a:headEnd type="none" w="med" len="med"/>
-                      <a:tailEnd type="none" w="med" len="med"/>
-                    </a:lnR>
-                    <a:lnT w="9525" cap="flat" cmpd="sng" algn="ctr">
-                      <a:solidFill>
-                        <a:srgbClr val="AAAAAA"/>
-                      </a:solidFill>
-                      <a:prstDash val="solid"/>
-                      <a:round/>
-                      <a:headEnd type="none" w="med" len="med"/>
-                      <a:tailEnd type="none" w="med" len="med"/>
-                    </a:lnT>
-                    <a:lnB w="9525" cap="flat" cmpd="sng" algn="ctr">
-                      <a:solidFill>
-                        <a:srgbClr val="AAAAAA"/>
-                      </a:solidFill>
-                      <a:prstDash val="solid"/>
-                      <a:round/>
-                      <a:headEnd type="none" w="med" len="med"/>
-                      <a:tailEnd type="none" w="med" len="med"/>
-                    </a:lnB>
-                    <a:solidFill>
-                      <a:srgbClr val="F2F2F2"/>
-                    </a:solidFill>
-                  </a:tcPr>
-                </a:tc>
-                <a:tc>
-                  <a:txBody>
-                    <a:bodyPr/>
-                    <a:lstStyle/>
-                    <a:p>
-                      <a:pPr algn="ctr"/>
-                      <a:r>
-                        <a:rPr lang="en-US">
-                          <a:effectLst/>
-                        </a:rPr>
-                        <a:t>Plural</a:t>
-                      </a:r>
-                    </a:p>
-                  </a:txBody>
-                  <a:tcPr anchor="ctr">
-                    <a:lnL w="9525" cap="flat" cmpd="sng" algn="ctr">
-                      <a:solidFill>
-                        <a:srgbClr val="AAAAAA"/>
-                      </a:solidFill>
-                      <a:prstDash val="solid"/>
-                      <a:round/>
-                      <a:headEnd type="none" w="med" len="med"/>
-                      <a:tailEnd type="none" w="med" len="med"/>
-                    </a:lnL>
-                    <a:lnR w="9525" cap="flat" cmpd="sng" algn="ctr">
-                      <a:solidFill>
-                        <a:srgbClr val="AAAAAA"/>
-                      </a:solidFill>
-                      <a:prstDash val="solid"/>
-                      <a:round/>
-                      <a:headEnd type="none" w="med" len="med"/>
-                      <a:tailEnd type="none" w="med" len="med"/>
-                    </a:lnR>
-                    <a:lnT w="9525" cap="flat" cmpd="sng" algn="ctr">
-                      <a:solidFill>
-                        <a:srgbClr val="AAAAAA"/>
-                      </a:solidFill>
-                      <a:prstDash val="solid"/>
-                      <a:round/>
-                      <a:headEnd type="none" w="med" len="med"/>
-                      <a:tailEnd type="none" w="med" len="med"/>
-                    </a:lnT>
-                    <a:lnB w="9525" cap="flat" cmpd="sng" algn="ctr">
-                      <a:solidFill>
-                        <a:srgbClr val="AAAAAA"/>
-                      </a:solidFill>
-                      <a:prstDash val="solid"/>
-                      <a:round/>
-                      <a:headEnd type="none" w="med" len="med"/>
-                      <a:tailEnd type="none" w="med" len="med"/>
-                    </a:lnB>
-                    <a:solidFill>
-                      <a:srgbClr val="F2F2F2"/>
-                    </a:solidFill>
-                  </a:tcPr>
-                </a:tc>
-              </a:tr>
-              <a:tr h="0">
-                <a:tc gridSpan="2">
-                  <a:txBody>
-                    <a:bodyPr/>
-                    <a:lstStyle/>
-                    <a:p>
-                      <a:pPr algn="ctr"/>
-                      <a:r>
-                        <a:rPr lang="en-US">
-                          <a:effectLst/>
-                        </a:rPr>
-                        <a:t>1st</a:t>
-                      </a:r>
-                    </a:p>
-                  </a:txBody>
-                  <a:tcPr anchor="ctr">
-                    <a:lnL w="9525" cap="flat" cmpd="sng" algn="ctr">
-                      <a:solidFill>
-                        <a:srgbClr val="AAAAAA"/>
-                      </a:solidFill>
-                      <a:prstDash val="solid"/>
-                      <a:round/>
-                      <a:headEnd type="none" w="med" len="med"/>
-                      <a:tailEnd type="none" w="med" len="med"/>
-                    </a:lnL>
-                    <a:lnR w="9525" cap="flat" cmpd="sng" algn="ctr">
-                      <a:solidFill>
-                        <a:srgbClr val="AAAAAA"/>
-                      </a:solidFill>
-                      <a:prstDash val="solid"/>
-                      <a:round/>
-                      <a:headEnd type="none" w="med" len="med"/>
-                      <a:tailEnd type="none" w="med" len="med"/>
-                    </a:lnR>
-                    <a:lnT w="9525" cap="flat" cmpd="sng" algn="ctr">
-                      <a:solidFill>
-                        <a:srgbClr val="AAAAAA"/>
-                      </a:solidFill>
-                      <a:prstDash val="solid"/>
-                      <a:round/>
-                      <a:headEnd type="none" w="med" len="med"/>
-                      <a:tailEnd type="none" w="med" len="med"/>
-                    </a:lnT>
-                    <a:lnB w="9525" cap="flat" cmpd="sng" algn="ctr">
-                      <a:solidFill>
-                        <a:srgbClr val="AAAAAA"/>
-                      </a:solidFill>
-                      <a:prstDash val="solid"/>
-                      <a:round/>
-                      <a:headEnd type="none" w="med" len="med"/>
-                      <a:tailEnd type="none" w="med" len="med"/>
-                    </a:lnB>
-                    <a:solidFill>
-                      <a:srgbClr val="F2F2F2"/>
-                    </a:solidFill>
-                  </a:tcPr>
-                </a:tc>
-                <a:tc hMerge="1">
-                  <a:txBody>
-                    <a:bodyPr/>
-                    <a:lstStyle/>
-                    <a:p>
-                      <a:endParaRPr lang="en-US"/>
-                    </a:p>
-                  </a:txBody>
-                  <a:tcPr/>
-                </a:tc>
-                <a:tc>
-                  <a:txBody>
-                    <a:bodyPr/>
-                    <a:lstStyle/>
-                    <a:p>
-                      <a:r>
-                        <a:rPr lang="en-US" i="1" u="none" strike="noStrike">
-                          <a:effectLst/>
-                        </a:rPr>
-                        <a:t>anā</a:t>
-                      </a:r>
-                      <a:r>
-                        <a:rPr lang="en-US">
-                          <a:effectLst/>
-                        </a:rPr>
-                        <a:t> </a:t>
-                      </a:r>
-                      <a:r>
-                        <a:rPr lang="ar-AE">
-                          <a:effectLst/>
-                        </a:rPr>
-                        <a:t>أنا</a:t>
-                      </a:r>
-                    </a:p>
-                  </a:txBody>
-                  <a:tcPr anchor="ctr">
-                    <a:lnL w="9525" cap="flat" cmpd="sng" algn="ctr">
-                      <a:solidFill>
-                        <a:srgbClr val="AAAAAA"/>
-                      </a:solidFill>
-                      <a:prstDash val="solid"/>
-                      <a:round/>
-                      <a:headEnd type="none" w="med" len="med"/>
-                      <a:tailEnd type="none" w="med" len="med"/>
-                    </a:lnL>
-                    <a:lnR w="9525" cap="flat" cmpd="sng" algn="ctr">
-                      <a:solidFill>
-                        <a:srgbClr val="AAAAAA"/>
-                      </a:solidFill>
-                      <a:prstDash val="solid"/>
-                      <a:round/>
-                      <a:headEnd type="none" w="med" len="med"/>
-                      <a:tailEnd type="none" w="med" len="med"/>
-                    </a:lnR>
-                    <a:lnT w="9525" cap="flat" cmpd="sng" algn="ctr">
-                      <a:solidFill>
-                        <a:srgbClr val="AAAAAA"/>
-                      </a:solidFill>
-                      <a:prstDash val="solid"/>
-                      <a:round/>
-                      <a:headEnd type="none" w="med" len="med"/>
-                      <a:tailEnd type="none" w="med" len="med"/>
-                    </a:lnT>
-                    <a:lnB w="9525" cap="flat" cmpd="sng" algn="ctr">
-                      <a:solidFill>
-                        <a:srgbClr val="AAAAAA"/>
-                      </a:solidFill>
-                      <a:prstDash val="solid"/>
-                      <a:round/>
-                      <a:headEnd type="none" w="med" len="med"/>
-                      <a:tailEnd type="none" w="med" len="med"/>
-                    </a:lnB>
-                    <a:solidFill>
-                      <a:srgbClr val="F9F9F9"/>
-                    </a:solidFill>
-                  </a:tcPr>
-                </a:tc>
-                <a:tc gridSpan="2">
-                  <a:txBody>
-                    <a:bodyPr/>
-                    <a:lstStyle/>
-                    <a:p>
-                      <a:pPr algn="ctr"/>
-                      <a:r>
-                        <a:rPr lang="en-US" i="1" u="none" strike="noStrike" dirty="0" err="1">
-                          <a:effectLst/>
-                        </a:rPr>
-                        <a:t>naḥnu</a:t>
-                      </a:r>
-                      <a:r>
-                        <a:rPr lang="en-US" dirty="0">
-                          <a:effectLst/>
-                        </a:rPr>
-                        <a:t> </a:t>
-                      </a:r>
-                      <a:r>
-                        <a:rPr lang="ar-AE" dirty="0">
-                          <a:effectLst/>
-                        </a:rPr>
-                        <a:t>نحن</a:t>
-                      </a:r>
-                    </a:p>
-                  </a:txBody>
-                  <a:tcPr anchor="ctr">
-                    <a:lnL w="9525" cap="flat" cmpd="sng" algn="ctr">
-                      <a:solidFill>
-                        <a:srgbClr val="AAAAAA"/>
-                      </a:solidFill>
-                      <a:prstDash val="solid"/>
-                      <a:round/>
-                      <a:headEnd type="none" w="med" len="med"/>
-                      <a:tailEnd type="none" w="med" len="med"/>
-                    </a:lnL>
-                    <a:lnR w="9525" cap="flat" cmpd="sng" algn="ctr">
-                      <a:solidFill>
-                        <a:srgbClr val="AAAAAA"/>
-                      </a:solidFill>
-                      <a:prstDash val="solid"/>
-                      <a:round/>
-                      <a:headEnd type="none" w="med" len="med"/>
-                      <a:tailEnd type="none" w="med" len="med"/>
-                    </a:lnR>
-                    <a:lnT w="9525" cap="flat" cmpd="sng" algn="ctr">
-                      <a:solidFill>
-                        <a:srgbClr val="AAAAAA"/>
-                      </a:solidFill>
-                      <a:prstDash val="solid"/>
-                      <a:round/>
-                      <a:headEnd type="none" w="med" len="med"/>
-                      <a:tailEnd type="none" w="med" len="med"/>
-                    </a:lnT>
-                    <a:lnB w="9525" cap="flat" cmpd="sng" algn="ctr">
-                      <a:solidFill>
-                        <a:srgbClr val="AAAAAA"/>
-                      </a:solidFill>
-                      <a:prstDash val="solid"/>
-                      <a:round/>
-                      <a:headEnd type="none" w="med" len="med"/>
-                      <a:tailEnd type="none" w="med" len="med"/>
-                    </a:lnB>
-                    <a:solidFill>
-                      <a:srgbClr val="F9F9F9"/>
-                    </a:solidFill>
-                  </a:tcPr>
-                </a:tc>
-                <a:tc hMerge="1">
-                  <a:txBody>
-                    <a:bodyPr/>
-                    <a:lstStyle/>
-                    <a:p>
-                      <a:endParaRPr lang="en-US"/>
-                    </a:p>
-                  </a:txBody>
-                  <a:tcPr/>
-                </a:tc>
-              </a:tr>
-              <a:tr h="0">
-                <a:tc rowSpan="2">
-                  <a:txBody>
-                    <a:bodyPr/>
-                    <a:lstStyle/>
-                    <a:p>
-                      <a:pPr algn="ctr"/>
-                      <a:r>
-                        <a:rPr lang="en-US">
-                          <a:effectLst/>
-                        </a:rPr>
-                        <a:t>2nd</a:t>
-                      </a:r>
-                    </a:p>
-                  </a:txBody>
-                  <a:tcPr anchor="ctr">
-                    <a:lnL w="9525" cap="flat" cmpd="sng" algn="ctr">
-                      <a:solidFill>
-                        <a:srgbClr val="AAAAAA"/>
-                      </a:solidFill>
-                      <a:prstDash val="solid"/>
-                      <a:round/>
-                      <a:headEnd type="none" w="med" len="med"/>
-                      <a:tailEnd type="none" w="med" len="med"/>
-                    </a:lnL>
-                    <a:lnR w="9525" cap="flat" cmpd="sng" algn="ctr">
-                      <a:solidFill>
-                        <a:srgbClr val="AAAAAA"/>
-                      </a:solidFill>
-                      <a:prstDash val="solid"/>
-                      <a:round/>
-                      <a:headEnd type="none" w="med" len="med"/>
-                      <a:tailEnd type="none" w="med" len="med"/>
-                    </a:lnR>
-                    <a:lnT w="9525" cap="flat" cmpd="sng" algn="ctr">
-                      <a:solidFill>
-                        <a:srgbClr val="AAAAAA"/>
-                      </a:solidFill>
-                      <a:prstDash val="solid"/>
-                      <a:round/>
-                      <a:headEnd type="none" w="med" len="med"/>
-                      <a:tailEnd type="none" w="med" len="med"/>
-                    </a:lnT>
-                    <a:lnB w="9525" cap="flat" cmpd="sng" algn="ctr">
-                      <a:solidFill>
-                        <a:srgbClr val="AAAAAA"/>
-                      </a:solidFill>
-                      <a:prstDash val="solid"/>
-                      <a:round/>
-                      <a:headEnd type="none" w="med" len="med"/>
-                      <a:tailEnd type="none" w="med" len="med"/>
-                    </a:lnB>
-                    <a:solidFill>
-                      <a:srgbClr val="F2F2F2"/>
-                    </a:solidFill>
-                  </a:tcPr>
-                </a:tc>
-                <a:tc>
-                  <a:txBody>
-                    <a:bodyPr/>
-                    <a:lstStyle/>
-                    <a:p>
-                      <a:pPr algn="ctr"/>
-                      <a:r>
-                        <a:rPr lang="en-US">
-                          <a:effectLst/>
-                        </a:rPr>
-                        <a:t>masculine</a:t>
-                      </a:r>
-                    </a:p>
-                  </a:txBody>
-                  <a:tcPr anchor="ctr">
-                    <a:lnL w="9525" cap="flat" cmpd="sng" algn="ctr">
-                      <a:solidFill>
-                        <a:srgbClr val="AAAAAA"/>
-                      </a:solidFill>
-                      <a:prstDash val="solid"/>
-                      <a:round/>
-                      <a:headEnd type="none" w="med" len="med"/>
-                      <a:tailEnd type="none" w="med" len="med"/>
-                    </a:lnL>
-                    <a:lnR w="9525" cap="flat" cmpd="sng" algn="ctr">
-                      <a:solidFill>
-                        <a:srgbClr val="AAAAAA"/>
-                      </a:solidFill>
-                      <a:prstDash val="solid"/>
-                      <a:round/>
-                      <a:headEnd type="none" w="med" len="med"/>
-                      <a:tailEnd type="none" w="med" len="med"/>
-                    </a:lnR>
-                    <a:lnT w="9525" cap="flat" cmpd="sng" algn="ctr">
-                      <a:solidFill>
-                        <a:srgbClr val="AAAAAA"/>
-                      </a:solidFill>
-                      <a:prstDash val="solid"/>
-                      <a:round/>
-                      <a:headEnd type="none" w="med" len="med"/>
-                      <a:tailEnd type="none" w="med" len="med"/>
-                    </a:lnT>
-                    <a:lnB w="9525" cap="flat" cmpd="sng" algn="ctr">
-                      <a:solidFill>
-                        <a:srgbClr val="AAAAAA"/>
-                      </a:solidFill>
-                      <a:prstDash val="solid"/>
-                      <a:round/>
-                      <a:headEnd type="none" w="med" len="med"/>
-                      <a:tailEnd type="none" w="med" len="med"/>
-                    </a:lnB>
-                    <a:solidFill>
-                      <a:srgbClr val="F2F2F2"/>
-                    </a:solidFill>
-                  </a:tcPr>
-                </a:tc>
-                <a:tc>
-                  <a:txBody>
-                    <a:bodyPr/>
-                    <a:lstStyle/>
-                    <a:p>
-                      <a:r>
-                        <a:rPr lang="en-US" i="1" u="none" strike="noStrike">
-                          <a:effectLst/>
-                        </a:rPr>
-                        <a:t>anta</a:t>
-                      </a:r>
-                      <a:r>
-                        <a:rPr lang="en-US">
-                          <a:effectLst/>
-                        </a:rPr>
-                        <a:t> </a:t>
-                      </a:r>
-                      <a:r>
-                        <a:rPr lang="ar-AE">
-                          <a:effectLst/>
-                        </a:rPr>
-                        <a:t>أنت</a:t>
-                      </a:r>
-                    </a:p>
-                  </a:txBody>
-                  <a:tcPr anchor="ctr">
-                    <a:lnL w="9525" cap="flat" cmpd="sng" algn="ctr">
-                      <a:solidFill>
-                        <a:srgbClr val="AAAAAA"/>
-                      </a:solidFill>
-                      <a:prstDash val="solid"/>
-                      <a:round/>
-                      <a:headEnd type="none" w="med" len="med"/>
-                      <a:tailEnd type="none" w="med" len="med"/>
-                    </a:lnL>
-                    <a:lnR w="9525" cap="flat" cmpd="sng" algn="ctr">
-                      <a:solidFill>
-                        <a:srgbClr val="AAAAAA"/>
-                      </a:solidFill>
-                      <a:prstDash val="solid"/>
-                      <a:round/>
-                      <a:headEnd type="none" w="med" len="med"/>
-                      <a:tailEnd type="none" w="med" len="med"/>
-                    </a:lnR>
-                    <a:lnT w="9525" cap="flat" cmpd="sng" algn="ctr">
-                      <a:solidFill>
-                        <a:srgbClr val="AAAAAA"/>
-                      </a:solidFill>
-                      <a:prstDash val="solid"/>
-                      <a:round/>
-                      <a:headEnd type="none" w="med" len="med"/>
-                      <a:tailEnd type="none" w="med" len="med"/>
-                    </a:lnT>
-                    <a:lnB w="9525" cap="flat" cmpd="sng" algn="ctr">
-                      <a:solidFill>
-                        <a:srgbClr val="AAAAAA"/>
-                      </a:solidFill>
-                      <a:prstDash val="solid"/>
-                      <a:round/>
-                      <a:headEnd type="none" w="med" len="med"/>
-                      <a:tailEnd type="none" w="med" len="med"/>
-                    </a:lnB>
-                    <a:solidFill>
-                      <a:srgbClr val="F9F9F9"/>
-                    </a:solidFill>
-                  </a:tcPr>
-                </a:tc>
-                <a:tc rowSpan="2">
-                  <a:txBody>
-                    <a:bodyPr/>
-                    <a:lstStyle/>
-                    <a:p>
-                      <a:r>
-                        <a:rPr lang="en-US" i="1" u="none" strike="noStrike">
-                          <a:effectLst/>
-                        </a:rPr>
-                        <a:t>antumā</a:t>
-                      </a:r>
-                      <a:r>
-                        <a:rPr lang="en-US">
-                          <a:effectLst/>
-                        </a:rPr>
-                        <a:t> </a:t>
-                      </a:r>
-                      <a:r>
-                        <a:rPr lang="ar-AE">
-                          <a:effectLst/>
-                        </a:rPr>
-                        <a:t>أنتما</a:t>
-                      </a:r>
-                    </a:p>
-                  </a:txBody>
-                  <a:tcPr anchor="ctr">
-                    <a:lnL w="9525" cap="flat" cmpd="sng" algn="ctr">
-                      <a:solidFill>
-                        <a:srgbClr val="AAAAAA"/>
-                      </a:solidFill>
-                      <a:prstDash val="solid"/>
-                      <a:round/>
-                      <a:headEnd type="none" w="med" len="med"/>
-                      <a:tailEnd type="none" w="med" len="med"/>
-                    </a:lnL>
-                    <a:lnR w="9525" cap="flat" cmpd="sng" algn="ctr">
-                      <a:solidFill>
-                        <a:srgbClr val="AAAAAA"/>
-                      </a:solidFill>
-                      <a:prstDash val="solid"/>
-                      <a:round/>
-                      <a:headEnd type="none" w="med" len="med"/>
-                      <a:tailEnd type="none" w="med" len="med"/>
-                    </a:lnR>
-                    <a:lnT w="9525" cap="flat" cmpd="sng" algn="ctr">
-                      <a:solidFill>
-                        <a:srgbClr val="AAAAAA"/>
-                      </a:solidFill>
-                      <a:prstDash val="solid"/>
-                      <a:round/>
-                      <a:headEnd type="none" w="med" len="med"/>
-                      <a:tailEnd type="none" w="med" len="med"/>
-                    </a:lnT>
-                    <a:lnB w="9525" cap="flat" cmpd="sng" algn="ctr">
-                      <a:solidFill>
-                        <a:srgbClr val="AAAAAA"/>
-                      </a:solidFill>
-                      <a:prstDash val="solid"/>
-                      <a:round/>
-                      <a:headEnd type="none" w="med" len="med"/>
-                      <a:tailEnd type="none" w="med" len="med"/>
-                    </a:lnB>
-                    <a:solidFill>
-                      <a:srgbClr val="F9F9F9"/>
-                    </a:solidFill>
-                  </a:tcPr>
-                </a:tc>
-                <a:tc>
-                  <a:txBody>
-                    <a:bodyPr/>
-                    <a:lstStyle/>
-                    <a:p>
-                      <a:r>
-                        <a:rPr lang="en-US" i="1" u="none" strike="noStrike">
-                          <a:effectLst/>
-                        </a:rPr>
-                        <a:t>antum</a:t>
-                      </a:r>
-                      <a:r>
-                        <a:rPr lang="en-US">
-                          <a:effectLst/>
-                        </a:rPr>
-                        <a:t> </a:t>
-                      </a:r>
-                      <a:r>
-                        <a:rPr lang="ar-AE">
-                          <a:effectLst/>
-                        </a:rPr>
-                        <a:t>أنتم</a:t>
-                      </a:r>
-                    </a:p>
-                  </a:txBody>
-                  <a:tcPr anchor="ctr">
-                    <a:lnL w="9525" cap="flat" cmpd="sng" algn="ctr">
-                      <a:solidFill>
-                        <a:srgbClr val="AAAAAA"/>
-                      </a:solidFill>
-                      <a:prstDash val="solid"/>
-                      <a:round/>
-                      <a:headEnd type="none" w="med" len="med"/>
-                      <a:tailEnd type="none" w="med" len="med"/>
-                    </a:lnL>
-                    <a:lnR w="9525" cap="flat" cmpd="sng" algn="ctr">
-                      <a:solidFill>
-                        <a:srgbClr val="AAAAAA"/>
-                      </a:solidFill>
-                      <a:prstDash val="solid"/>
-                      <a:round/>
-                      <a:headEnd type="none" w="med" len="med"/>
-                      <a:tailEnd type="none" w="med" len="med"/>
-                    </a:lnR>
-                    <a:lnT w="9525" cap="flat" cmpd="sng" algn="ctr">
-                      <a:solidFill>
-                        <a:srgbClr val="AAAAAA"/>
-                      </a:solidFill>
-                      <a:prstDash val="solid"/>
-                      <a:round/>
-                      <a:headEnd type="none" w="med" len="med"/>
-                      <a:tailEnd type="none" w="med" len="med"/>
-                    </a:lnT>
-                    <a:lnB w="9525" cap="flat" cmpd="sng" algn="ctr">
-                      <a:solidFill>
-                        <a:srgbClr val="AAAAAA"/>
-                      </a:solidFill>
-                      <a:prstDash val="solid"/>
-                      <a:round/>
-                      <a:headEnd type="none" w="med" len="med"/>
-                      <a:tailEnd type="none" w="med" len="med"/>
-                    </a:lnB>
-                    <a:solidFill>
-                      <a:srgbClr val="F9F9F9"/>
-                    </a:solidFill>
-                  </a:tcPr>
-                </a:tc>
-              </a:tr>
-              <a:tr h="0">
-                <a:tc vMerge="1">
-                  <a:txBody>
-                    <a:bodyPr/>
-                    <a:lstStyle/>
-                    <a:p>
-                      <a:endParaRPr lang="en-US"/>
-                    </a:p>
-                  </a:txBody>
-                  <a:tcPr/>
-                </a:tc>
-                <a:tc>
-                  <a:txBody>
-                    <a:bodyPr/>
-                    <a:lstStyle/>
-                    <a:p>
-                      <a:pPr algn="ctr"/>
-                      <a:r>
-                        <a:rPr lang="en-US">
-                          <a:effectLst/>
-                        </a:rPr>
-                        <a:t>feminine</a:t>
-                      </a:r>
-                    </a:p>
-                  </a:txBody>
-                  <a:tcPr anchor="ctr">
-                    <a:lnL w="9525" cap="flat" cmpd="sng" algn="ctr">
-                      <a:solidFill>
-                        <a:srgbClr val="AAAAAA"/>
-                      </a:solidFill>
-                      <a:prstDash val="solid"/>
-                      <a:round/>
-                      <a:headEnd type="none" w="med" len="med"/>
-                      <a:tailEnd type="none" w="med" len="med"/>
-                    </a:lnL>
-                    <a:lnR w="9525" cap="flat" cmpd="sng" algn="ctr">
-                      <a:solidFill>
-                        <a:srgbClr val="AAAAAA"/>
-                      </a:solidFill>
-                      <a:prstDash val="solid"/>
-                      <a:round/>
-                      <a:headEnd type="none" w="med" len="med"/>
-                      <a:tailEnd type="none" w="med" len="med"/>
-                    </a:lnR>
-                    <a:lnT w="9525" cap="flat" cmpd="sng" algn="ctr">
-                      <a:solidFill>
-                        <a:srgbClr val="AAAAAA"/>
-                      </a:solidFill>
-                      <a:prstDash val="solid"/>
-                      <a:round/>
-                      <a:headEnd type="none" w="med" len="med"/>
-                      <a:tailEnd type="none" w="med" len="med"/>
-                    </a:lnT>
-                    <a:lnB w="9525" cap="flat" cmpd="sng" algn="ctr">
-                      <a:solidFill>
-                        <a:srgbClr val="AAAAAA"/>
-                      </a:solidFill>
-                      <a:prstDash val="solid"/>
-                      <a:round/>
-                      <a:headEnd type="none" w="med" len="med"/>
-                      <a:tailEnd type="none" w="med" len="med"/>
-                    </a:lnB>
-                    <a:solidFill>
-                      <a:srgbClr val="F2F2F2"/>
-                    </a:solidFill>
-                  </a:tcPr>
-                </a:tc>
-                <a:tc>
-                  <a:txBody>
-                    <a:bodyPr/>
-                    <a:lstStyle/>
-                    <a:p>
-                      <a:r>
-                        <a:rPr lang="en-US" i="1" u="none" strike="noStrike">
-                          <a:effectLst/>
-                        </a:rPr>
-                        <a:t>anti</a:t>
-                      </a:r>
-                      <a:r>
-                        <a:rPr lang="en-US">
-                          <a:effectLst/>
-                        </a:rPr>
-                        <a:t> </a:t>
-                      </a:r>
-                      <a:r>
-                        <a:rPr lang="ar-AE">
-                          <a:effectLst/>
-                        </a:rPr>
-                        <a:t>أنت</a:t>
-                      </a:r>
-                    </a:p>
-                  </a:txBody>
-                  <a:tcPr anchor="ctr">
-                    <a:lnL w="9525" cap="flat" cmpd="sng" algn="ctr">
-                      <a:solidFill>
-                        <a:srgbClr val="AAAAAA"/>
-                      </a:solidFill>
-                      <a:prstDash val="solid"/>
-                      <a:round/>
-                      <a:headEnd type="none" w="med" len="med"/>
-                      <a:tailEnd type="none" w="med" len="med"/>
-                    </a:lnL>
-                    <a:lnR w="9525" cap="flat" cmpd="sng" algn="ctr">
-                      <a:solidFill>
-                        <a:srgbClr val="AAAAAA"/>
-                      </a:solidFill>
-                      <a:prstDash val="solid"/>
-                      <a:round/>
-                      <a:headEnd type="none" w="med" len="med"/>
-                      <a:tailEnd type="none" w="med" len="med"/>
-                    </a:lnR>
-                    <a:lnT w="9525" cap="flat" cmpd="sng" algn="ctr">
-                      <a:solidFill>
-                        <a:srgbClr val="AAAAAA"/>
-                      </a:solidFill>
-                      <a:prstDash val="solid"/>
-                      <a:round/>
-                      <a:headEnd type="none" w="med" len="med"/>
-                      <a:tailEnd type="none" w="med" len="med"/>
-                    </a:lnT>
-                    <a:lnB w="9525" cap="flat" cmpd="sng" algn="ctr">
-                      <a:solidFill>
-                        <a:srgbClr val="AAAAAA"/>
-                      </a:solidFill>
-                      <a:prstDash val="solid"/>
-                      <a:round/>
-                      <a:headEnd type="none" w="med" len="med"/>
-                      <a:tailEnd type="none" w="med" len="med"/>
-                    </a:lnB>
-                    <a:solidFill>
-                      <a:srgbClr val="F9F9F9"/>
-                    </a:solidFill>
-                  </a:tcPr>
-                </a:tc>
-                <a:tc vMerge="1">
-                  <a:txBody>
-                    <a:bodyPr/>
-                    <a:lstStyle/>
-                    <a:p>
-                      <a:endParaRPr lang="en-US"/>
-                    </a:p>
-                  </a:txBody>
-                  <a:tcPr/>
-                </a:tc>
-                <a:tc>
-                  <a:txBody>
-                    <a:bodyPr/>
-                    <a:lstStyle/>
-                    <a:p>
-                      <a:r>
-                        <a:rPr lang="en-US" i="1" u="none" strike="noStrike">
-                          <a:effectLst/>
-                        </a:rPr>
-                        <a:t>antunna</a:t>
-                      </a:r>
-                      <a:r>
-                        <a:rPr lang="en-US">
-                          <a:effectLst/>
-                        </a:rPr>
-                        <a:t> </a:t>
-                      </a:r>
-                      <a:r>
-                        <a:rPr lang="ar-AE">
-                          <a:effectLst/>
-                        </a:rPr>
-                        <a:t>أنتنّ</a:t>
-                      </a:r>
-                    </a:p>
-                  </a:txBody>
-                  <a:tcPr anchor="ctr">
-                    <a:lnL w="9525" cap="flat" cmpd="sng" algn="ctr">
-                      <a:solidFill>
-                        <a:srgbClr val="AAAAAA"/>
-                      </a:solidFill>
-                      <a:prstDash val="solid"/>
-                      <a:round/>
-                      <a:headEnd type="none" w="med" len="med"/>
-                      <a:tailEnd type="none" w="med" len="med"/>
-                    </a:lnL>
-                    <a:lnR w="9525" cap="flat" cmpd="sng" algn="ctr">
-                      <a:solidFill>
-                        <a:srgbClr val="AAAAAA"/>
-                      </a:solidFill>
-                      <a:prstDash val="solid"/>
-                      <a:round/>
-                      <a:headEnd type="none" w="med" len="med"/>
-                      <a:tailEnd type="none" w="med" len="med"/>
-                    </a:lnR>
-                    <a:lnT w="9525" cap="flat" cmpd="sng" algn="ctr">
-                      <a:solidFill>
-                        <a:srgbClr val="AAAAAA"/>
-                      </a:solidFill>
-                      <a:prstDash val="solid"/>
-                      <a:round/>
-                      <a:headEnd type="none" w="med" len="med"/>
-                      <a:tailEnd type="none" w="med" len="med"/>
-                    </a:lnT>
-                    <a:lnB w="9525" cap="flat" cmpd="sng" algn="ctr">
-                      <a:solidFill>
-                        <a:srgbClr val="AAAAAA"/>
-                      </a:solidFill>
-                      <a:prstDash val="solid"/>
-                      <a:round/>
-                      <a:headEnd type="none" w="med" len="med"/>
-                      <a:tailEnd type="none" w="med" len="med"/>
-                    </a:lnB>
-                    <a:solidFill>
-                      <a:srgbClr val="F9F9F9"/>
-                    </a:solidFill>
-                  </a:tcPr>
-                </a:tc>
-              </a:tr>
-              <a:tr h="0">
-                <a:tc rowSpan="2">
-                  <a:txBody>
-                    <a:bodyPr/>
-                    <a:lstStyle/>
-                    <a:p>
-                      <a:pPr algn="ctr"/>
-                      <a:r>
-                        <a:rPr lang="en-US">
-                          <a:effectLst/>
-                        </a:rPr>
-                        <a:t>3rd</a:t>
-                      </a:r>
-                    </a:p>
-                  </a:txBody>
-                  <a:tcPr anchor="ctr">
-                    <a:lnL w="9525" cap="flat" cmpd="sng" algn="ctr">
-                      <a:solidFill>
-                        <a:srgbClr val="AAAAAA"/>
-                      </a:solidFill>
-                      <a:prstDash val="solid"/>
-                      <a:round/>
-                      <a:headEnd type="none" w="med" len="med"/>
-                      <a:tailEnd type="none" w="med" len="med"/>
-                    </a:lnL>
-                    <a:lnR w="9525" cap="flat" cmpd="sng" algn="ctr">
-                      <a:solidFill>
-                        <a:srgbClr val="AAAAAA"/>
-                      </a:solidFill>
-                      <a:prstDash val="solid"/>
-                      <a:round/>
-                      <a:headEnd type="none" w="med" len="med"/>
-                      <a:tailEnd type="none" w="med" len="med"/>
-                    </a:lnR>
-                    <a:lnT w="9525" cap="flat" cmpd="sng" algn="ctr">
-                      <a:solidFill>
-                        <a:srgbClr val="AAAAAA"/>
-                      </a:solidFill>
-                      <a:prstDash val="solid"/>
-                      <a:round/>
-                      <a:headEnd type="none" w="med" len="med"/>
-                      <a:tailEnd type="none" w="med" len="med"/>
-                    </a:lnT>
-                    <a:lnB w="9525" cap="flat" cmpd="sng" algn="ctr">
-                      <a:solidFill>
-                        <a:srgbClr val="AAAAAA"/>
-                      </a:solidFill>
-                      <a:prstDash val="solid"/>
-                      <a:round/>
-                      <a:headEnd type="none" w="med" len="med"/>
-                      <a:tailEnd type="none" w="med" len="med"/>
-                    </a:lnB>
-                    <a:solidFill>
-                      <a:srgbClr val="F2F2F2"/>
-                    </a:solidFill>
-                  </a:tcPr>
-                </a:tc>
-                <a:tc>
-                  <a:txBody>
-                    <a:bodyPr/>
-                    <a:lstStyle/>
-                    <a:p>
-                      <a:pPr algn="ctr"/>
-                      <a:r>
-                        <a:rPr lang="en-US">
-                          <a:effectLst/>
-                        </a:rPr>
-                        <a:t>masculine</a:t>
-                      </a:r>
-                    </a:p>
-                  </a:txBody>
-                  <a:tcPr anchor="ctr">
-                    <a:lnL w="9525" cap="flat" cmpd="sng" algn="ctr">
-                      <a:solidFill>
-                        <a:srgbClr val="AAAAAA"/>
-                      </a:solidFill>
-                      <a:prstDash val="solid"/>
-                      <a:round/>
-                      <a:headEnd type="none" w="med" len="med"/>
-                      <a:tailEnd type="none" w="med" len="med"/>
-                    </a:lnL>
-                    <a:lnR w="9525" cap="flat" cmpd="sng" algn="ctr">
-                      <a:solidFill>
-                        <a:srgbClr val="AAAAAA"/>
-                      </a:solidFill>
-                      <a:prstDash val="solid"/>
-                      <a:round/>
-                      <a:headEnd type="none" w="med" len="med"/>
-                      <a:tailEnd type="none" w="med" len="med"/>
-                    </a:lnR>
-                    <a:lnT w="9525" cap="flat" cmpd="sng" algn="ctr">
-                      <a:solidFill>
-                        <a:srgbClr val="AAAAAA"/>
-                      </a:solidFill>
-                      <a:prstDash val="solid"/>
-                      <a:round/>
-                      <a:headEnd type="none" w="med" len="med"/>
-                      <a:tailEnd type="none" w="med" len="med"/>
-                    </a:lnT>
-                    <a:lnB w="9525" cap="flat" cmpd="sng" algn="ctr">
-                      <a:solidFill>
-                        <a:srgbClr val="AAAAAA"/>
-                      </a:solidFill>
-                      <a:prstDash val="solid"/>
-                      <a:round/>
-                      <a:headEnd type="none" w="med" len="med"/>
-                      <a:tailEnd type="none" w="med" len="med"/>
-                    </a:lnB>
-                    <a:solidFill>
-                      <a:srgbClr val="F2F2F2"/>
-                    </a:solidFill>
-                  </a:tcPr>
-                </a:tc>
-                <a:tc>
-                  <a:txBody>
-                    <a:bodyPr/>
-                    <a:lstStyle/>
-                    <a:p>
-                      <a:r>
-                        <a:rPr lang="en-US" i="1" u="none" strike="noStrike">
-                          <a:effectLst/>
-                        </a:rPr>
-                        <a:t>huwa</a:t>
-                      </a:r>
-                      <a:r>
-                        <a:rPr lang="en-US">
-                          <a:effectLst/>
-                        </a:rPr>
-                        <a:t> </a:t>
-                      </a:r>
-                      <a:r>
-                        <a:rPr lang="ar-AE">
-                          <a:effectLst/>
-                        </a:rPr>
-                        <a:t>هو</a:t>
-                      </a:r>
-                    </a:p>
-                  </a:txBody>
-                  <a:tcPr anchor="ctr">
-                    <a:lnL w="9525" cap="flat" cmpd="sng" algn="ctr">
-                      <a:solidFill>
-                        <a:srgbClr val="AAAAAA"/>
-                      </a:solidFill>
-                      <a:prstDash val="solid"/>
-                      <a:round/>
-                      <a:headEnd type="none" w="med" len="med"/>
-                      <a:tailEnd type="none" w="med" len="med"/>
-                    </a:lnL>
-                    <a:lnR w="9525" cap="flat" cmpd="sng" algn="ctr">
-                      <a:solidFill>
-                        <a:srgbClr val="AAAAAA"/>
-                      </a:solidFill>
-                      <a:prstDash val="solid"/>
-                      <a:round/>
-                      <a:headEnd type="none" w="med" len="med"/>
-                      <a:tailEnd type="none" w="med" len="med"/>
-                    </a:lnR>
-                    <a:lnT w="9525" cap="flat" cmpd="sng" algn="ctr">
-                      <a:solidFill>
-                        <a:srgbClr val="AAAAAA"/>
-                      </a:solidFill>
-                      <a:prstDash val="solid"/>
-                      <a:round/>
-                      <a:headEnd type="none" w="med" len="med"/>
-                      <a:tailEnd type="none" w="med" len="med"/>
-                    </a:lnT>
-                    <a:lnB w="9525" cap="flat" cmpd="sng" algn="ctr">
-                      <a:solidFill>
-                        <a:srgbClr val="AAAAAA"/>
-                      </a:solidFill>
-                      <a:prstDash val="solid"/>
-                      <a:round/>
-                      <a:headEnd type="none" w="med" len="med"/>
-                      <a:tailEnd type="none" w="med" len="med"/>
-                    </a:lnB>
-                    <a:solidFill>
-                      <a:srgbClr val="F9F9F9"/>
-                    </a:solidFill>
-                  </a:tcPr>
-                </a:tc>
-                <a:tc rowSpan="2">
-                  <a:txBody>
-                    <a:bodyPr/>
-                    <a:lstStyle/>
-                    <a:p>
-                      <a:r>
-                        <a:rPr lang="en-US" i="1" u="none" strike="noStrike">
-                          <a:effectLst/>
-                        </a:rPr>
-                        <a:t>humā</a:t>
-                      </a:r>
-                      <a:r>
-                        <a:rPr lang="en-US">
-                          <a:effectLst/>
-                        </a:rPr>
-                        <a:t> </a:t>
-                      </a:r>
-                      <a:r>
-                        <a:rPr lang="ar-AE">
-                          <a:effectLst/>
-                        </a:rPr>
-                        <a:t>هما</a:t>
-                      </a:r>
-                    </a:p>
-                  </a:txBody>
-                  <a:tcPr anchor="ctr">
-                    <a:lnL w="9525" cap="flat" cmpd="sng" algn="ctr">
-                      <a:solidFill>
-                        <a:srgbClr val="AAAAAA"/>
-                      </a:solidFill>
-                      <a:prstDash val="solid"/>
-                      <a:round/>
-                      <a:headEnd type="none" w="med" len="med"/>
-                      <a:tailEnd type="none" w="med" len="med"/>
-                    </a:lnL>
-                    <a:lnR w="9525" cap="flat" cmpd="sng" algn="ctr">
-                      <a:solidFill>
-                        <a:srgbClr val="AAAAAA"/>
-                      </a:solidFill>
-                      <a:prstDash val="solid"/>
-                      <a:round/>
-                      <a:headEnd type="none" w="med" len="med"/>
-                      <a:tailEnd type="none" w="med" len="med"/>
-                    </a:lnR>
-                    <a:lnT w="9525" cap="flat" cmpd="sng" algn="ctr">
-                      <a:solidFill>
-                        <a:srgbClr val="AAAAAA"/>
-                      </a:solidFill>
-                      <a:prstDash val="solid"/>
-                      <a:round/>
-                      <a:headEnd type="none" w="med" len="med"/>
-                      <a:tailEnd type="none" w="med" len="med"/>
-                    </a:lnT>
-                    <a:lnB w="9525" cap="flat" cmpd="sng" algn="ctr">
-                      <a:solidFill>
-                        <a:srgbClr val="AAAAAA"/>
-                      </a:solidFill>
-                      <a:prstDash val="solid"/>
-                      <a:round/>
-                      <a:headEnd type="none" w="med" len="med"/>
-                      <a:tailEnd type="none" w="med" len="med"/>
-                    </a:lnB>
-                    <a:solidFill>
-                      <a:srgbClr val="F9F9F9"/>
-                    </a:solidFill>
-                  </a:tcPr>
-                </a:tc>
-                <a:tc>
-                  <a:txBody>
-                    <a:bodyPr/>
-                    <a:lstStyle/>
-                    <a:p>
-                      <a:r>
-                        <a:rPr lang="en-US" i="1" u="none" strike="noStrike">
-                          <a:effectLst/>
-                        </a:rPr>
-                        <a:t>hum</a:t>
-                      </a:r>
-                      <a:r>
-                        <a:rPr lang="en-US">
-                          <a:effectLst/>
-                        </a:rPr>
-                        <a:t> </a:t>
-                      </a:r>
-                      <a:r>
-                        <a:rPr lang="ar-AE">
-                          <a:effectLst/>
-                        </a:rPr>
-                        <a:t>هم</a:t>
-                      </a:r>
-                    </a:p>
-                  </a:txBody>
-                  <a:tcPr anchor="ctr">
-                    <a:lnL w="9525" cap="flat" cmpd="sng" algn="ctr">
-                      <a:solidFill>
-                        <a:srgbClr val="AAAAAA"/>
-                      </a:solidFill>
-                      <a:prstDash val="solid"/>
-                      <a:round/>
-                      <a:headEnd type="none" w="med" len="med"/>
-                      <a:tailEnd type="none" w="med" len="med"/>
-                    </a:lnL>
-                    <a:lnR w="9525" cap="flat" cmpd="sng" algn="ctr">
-                      <a:solidFill>
-                        <a:srgbClr val="AAAAAA"/>
-                      </a:solidFill>
-                      <a:prstDash val="solid"/>
-                      <a:round/>
-                      <a:headEnd type="none" w="med" len="med"/>
-                      <a:tailEnd type="none" w="med" len="med"/>
-                    </a:lnR>
-                    <a:lnT w="9525" cap="flat" cmpd="sng" algn="ctr">
-                      <a:solidFill>
-                        <a:srgbClr val="AAAAAA"/>
-                      </a:solidFill>
-                      <a:prstDash val="solid"/>
-                      <a:round/>
-                      <a:headEnd type="none" w="med" len="med"/>
-                      <a:tailEnd type="none" w="med" len="med"/>
-                    </a:lnT>
-                    <a:lnB w="9525" cap="flat" cmpd="sng" algn="ctr">
-                      <a:solidFill>
-                        <a:srgbClr val="AAAAAA"/>
-                      </a:solidFill>
-                      <a:prstDash val="solid"/>
-                      <a:round/>
-                      <a:headEnd type="none" w="med" len="med"/>
-                      <a:tailEnd type="none" w="med" len="med"/>
-                    </a:lnB>
-                    <a:solidFill>
-                      <a:srgbClr val="F9F9F9"/>
-                    </a:solidFill>
-                  </a:tcPr>
-                </a:tc>
-              </a:tr>
-              <a:tr h="0">
-                <a:tc vMerge="1">
-                  <a:txBody>
-                    <a:bodyPr/>
-                    <a:lstStyle/>
-                    <a:p>
-                      <a:endParaRPr lang="en-US"/>
-                    </a:p>
-                  </a:txBody>
-                  <a:tcPr/>
-                </a:tc>
-                <a:tc>
-                  <a:txBody>
-                    <a:bodyPr/>
-                    <a:lstStyle/>
-                    <a:p>
-                      <a:pPr algn="ctr"/>
-                      <a:r>
-                        <a:rPr lang="en-US">
-                          <a:effectLst/>
-                        </a:rPr>
-                        <a:t>feminine</a:t>
-                      </a:r>
-                    </a:p>
-                  </a:txBody>
-                  <a:tcPr anchor="ctr">
-                    <a:lnL w="9525" cap="flat" cmpd="sng" algn="ctr">
-                      <a:solidFill>
-                        <a:srgbClr val="AAAAAA"/>
-                      </a:solidFill>
-                      <a:prstDash val="solid"/>
-                      <a:round/>
-                      <a:headEnd type="none" w="med" len="med"/>
-                      <a:tailEnd type="none" w="med" len="med"/>
-                    </a:lnL>
-                    <a:lnR w="9525" cap="flat" cmpd="sng" algn="ctr">
-                      <a:solidFill>
-                        <a:srgbClr val="AAAAAA"/>
-                      </a:solidFill>
-                      <a:prstDash val="solid"/>
-                      <a:round/>
-                      <a:headEnd type="none" w="med" len="med"/>
-                      <a:tailEnd type="none" w="med" len="med"/>
-                    </a:lnR>
-                    <a:lnT w="9525" cap="flat" cmpd="sng" algn="ctr">
-                      <a:solidFill>
-                        <a:srgbClr val="AAAAAA"/>
-                      </a:solidFill>
-                      <a:prstDash val="solid"/>
-                      <a:round/>
-                      <a:headEnd type="none" w="med" len="med"/>
-                      <a:tailEnd type="none" w="med" len="med"/>
-                    </a:lnT>
-                    <a:lnB w="9525" cap="flat" cmpd="sng" algn="ctr">
-                      <a:solidFill>
-                        <a:srgbClr val="AAAAAA"/>
-                      </a:solidFill>
-                      <a:prstDash val="solid"/>
-                      <a:round/>
-                      <a:headEnd type="none" w="med" len="med"/>
-                      <a:tailEnd type="none" w="med" len="med"/>
-                    </a:lnB>
-                    <a:solidFill>
-                      <a:srgbClr val="F2F2F2"/>
-                    </a:solidFill>
-                  </a:tcPr>
-                </a:tc>
-                <a:tc>
-                  <a:txBody>
-                    <a:bodyPr/>
-                    <a:lstStyle/>
-                    <a:p>
-                      <a:r>
-                        <a:rPr lang="en-US" i="1" u="none" strike="noStrike">
-                          <a:effectLst/>
-                        </a:rPr>
-                        <a:t>hiya</a:t>
-                      </a:r>
-                      <a:r>
-                        <a:rPr lang="en-US">
-                          <a:effectLst/>
-                        </a:rPr>
-                        <a:t> </a:t>
-                      </a:r>
-                      <a:r>
-                        <a:rPr lang="ar-AE">
-                          <a:effectLst/>
-                        </a:rPr>
-                        <a:t>هي</a:t>
-                      </a:r>
-                    </a:p>
-                  </a:txBody>
-                  <a:tcPr anchor="ctr">
-                    <a:lnL w="9525" cap="flat" cmpd="sng" algn="ctr">
-                      <a:solidFill>
-                        <a:srgbClr val="AAAAAA"/>
-                      </a:solidFill>
-                      <a:prstDash val="solid"/>
-                      <a:round/>
-                      <a:headEnd type="none" w="med" len="med"/>
-                      <a:tailEnd type="none" w="med" len="med"/>
-                    </a:lnL>
-                    <a:lnR w="9525" cap="flat" cmpd="sng" algn="ctr">
-                      <a:solidFill>
-                        <a:srgbClr val="AAAAAA"/>
-                      </a:solidFill>
-                      <a:prstDash val="solid"/>
-                      <a:round/>
-                      <a:headEnd type="none" w="med" len="med"/>
-                      <a:tailEnd type="none" w="med" len="med"/>
-                    </a:lnR>
-                    <a:lnT w="9525" cap="flat" cmpd="sng" algn="ctr">
-                      <a:solidFill>
-                        <a:srgbClr val="AAAAAA"/>
-                      </a:solidFill>
-                      <a:prstDash val="solid"/>
-                      <a:round/>
-                      <a:headEnd type="none" w="med" len="med"/>
-                      <a:tailEnd type="none" w="med" len="med"/>
-                    </a:lnT>
-                    <a:lnB w="9525" cap="flat" cmpd="sng" algn="ctr">
-                      <a:solidFill>
-                        <a:srgbClr val="AAAAAA"/>
-                      </a:solidFill>
-                      <a:prstDash val="solid"/>
-                      <a:round/>
-                      <a:headEnd type="none" w="med" len="med"/>
-                      <a:tailEnd type="none" w="med" len="med"/>
-                    </a:lnB>
-                    <a:solidFill>
-                      <a:srgbClr val="F9F9F9"/>
-                    </a:solidFill>
-                  </a:tcPr>
-                </a:tc>
-                <a:tc vMerge="1">
-                  <a:txBody>
-                    <a:bodyPr/>
-                    <a:lstStyle/>
-                    <a:p>
-                      <a:endParaRPr lang="en-US"/>
-                    </a:p>
-                  </a:txBody>
-                  <a:tcPr/>
-                </a:tc>
-                <a:tc>
-                  <a:txBody>
-                    <a:bodyPr/>
-                    <a:lstStyle/>
-                    <a:p>
-                      <a:r>
-                        <a:rPr lang="en-US" i="1" u="none" strike="noStrike" dirty="0" err="1">
-                          <a:effectLst/>
-                        </a:rPr>
-                        <a:t>hunna</a:t>
-                      </a:r>
-                      <a:r>
-                        <a:rPr lang="en-US" dirty="0">
-                          <a:effectLst/>
-                        </a:rPr>
-                        <a:t> </a:t>
-                      </a:r>
-                      <a:r>
-                        <a:rPr lang="ar-AE" dirty="0">
-                          <a:effectLst/>
-                        </a:rPr>
-                        <a:t>هنّ</a:t>
-                      </a:r>
-                    </a:p>
-                  </a:txBody>
-                  <a:tcPr anchor="ctr">
-                    <a:lnL w="9525" cap="flat" cmpd="sng" algn="ctr">
-                      <a:solidFill>
-                        <a:srgbClr val="AAAAAA"/>
-                      </a:solidFill>
-                      <a:prstDash val="solid"/>
-                      <a:round/>
-                      <a:headEnd type="none" w="med" len="med"/>
-                      <a:tailEnd type="none" w="med" len="med"/>
-                    </a:lnL>
-                    <a:lnR w="9525" cap="flat" cmpd="sng" algn="ctr">
-                      <a:solidFill>
-                        <a:srgbClr val="AAAAAA"/>
-                      </a:solidFill>
-                      <a:prstDash val="solid"/>
-                      <a:round/>
-                      <a:headEnd type="none" w="med" len="med"/>
-                      <a:tailEnd type="none" w="med" len="med"/>
-                    </a:lnR>
-                    <a:lnT w="9525" cap="flat" cmpd="sng" algn="ctr">
-                      <a:solidFill>
-                        <a:srgbClr val="AAAAAA"/>
-                      </a:solidFill>
-                      <a:prstDash val="solid"/>
-                      <a:round/>
-                      <a:headEnd type="none" w="med" len="med"/>
-                      <a:tailEnd type="none" w="med" len="med"/>
-                    </a:lnT>
-                    <a:lnB w="9525" cap="flat" cmpd="sng" algn="ctr">
-                      <a:solidFill>
-                        <a:srgbClr val="AAAAAA"/>
-                      </a:solidFill>
-                      <a:prstDash val="solid"/>
-                      <a:round/>
-                      <a:headEnd type="none" w="med" len="med"/>
-                      <a:tailEnd type="none" w="med" len="med"/>
-                    </a:lnB>
-                    <a:solidFill>
-                      <a:srgbClr val="F9F9F9"/>
-                    </a:solidFill>
-                  </a:tcPr>
-                </a:tc>
-              </a:tr>
-            </a:tbl>
-          </a:graphicData>
-        </a:graphic>
-      </p:graphicFrame>
-      <p:sp>
-        <p:nvSpPr>
-          <p:cNvPr id="6" name="Rectangle 2"/>
-          <p:cNvSpPr>
-            <a:spLocks noChangeArrowheads="1"/>
-          </p:cNvSpPr>
-          <p:nvPr/>
-        </p:nvSpPr>
-        <p:spPr bwMode="auto">
-          <a:xfrm>
-            <a:off x="838200" y="4116864"/>
-            <a:ext cx="12192000" cy="0"/>
-          </a:xfrm>
-          <a:prstGeom prst="rect">
-            <a:avLst/>
-          </a:prstGeom>
-          <a:noFill/>
-          <a:ln>
-            <a:noFill/>
-          </a:ln>
-          <a:effectLst/>
-          <a:extLst>
-            <a:ext uri="{909E8E84-426E-40DD-AFC4-6F175D3DCCD1}">
-              <a14:hiddenFill xmlns:a14="http://schemas.microsoft.com/office/drawing/2010/main">
-                <a:solidFill>
-                  <a:schemeClr val="accent1"/>
-                </a:solidFill>
-              </a14:hiddenFill>
-            </a:ext>
-            <a:ext uri="{91240B29-F687-4F45-9708-019B960494DF}">
-              <a14:hiddenLine xmlns:a14="http://schemas.microsoft.com/office/drawing/2010/main" w="9525">
-                <a:solidFill>
-                  <a:schemeClr val="tx1"/>
-                </a:solidFill>
-                <a:miter lim="800000"/>
-                <a:headEnd/>
-                <a:tailEnd/>
-              </a14:hiddenLine>
-            </a:ext>
-            <a:ext uri="{AF507438-7753-43E0-B8FC-AC1667EBCBE1}">
-              <a14:hiddenEffects xmlns:a14="http://schemas.microsoft.com/office/drawing/2010/main">
-                <a:effectLst>
-                  <a:outerShdw dist="35921" dir="2700000" algn="ctr" rotWithShape="0">
-                    <a:schemeClr val="bg2"/>
-                  </a:outerShdw>
-                </a:effectLst>
-              </a14:hiddenEffects>
-            </a:ext>
-          </a:extLst>
-        </p:spPr>
-        <p:txBody>
-          <a:bodyPr vert="horz" wrap="none" lIns="91440" tIns="45720" rIns="91440" bIns="45720" numCol="1" anchor="ctr" anchorCtr="0" compatLnSpc="1">
-            <a:prstTxWarp prst="textNoShape">
-              <a:avLst/>
-            </a:prstTxWarp>
-            <a:spAutoFit/>
-          </a:bodyPr>
-          <a:lstStyle/>
-          <a:p>
-            <a:pPr marL="0" marR="0" lvl="0" indent="0" algn="l" defTabSz="914400" rtl="0" eaLnBrk="0" fontAlgn="base" latinLnBrk="0" hangingPunct="0">
-              <a:lnSpc>
-                <a:spcPct val="100000"/>
-              </a:lnSpc>
-              <a:spcBef>
-                <a:spcPct val="0"/>
-              </a:spcBef>
-              <a:spcAft>
-                <a:spcPct val="0"/>
-              </a:spcAft>
-              <a:buClrTx/>
-              <a:buSzTx/>
-              <a:buFontTx/>
-              <a:buNone/>
-              <a:tabLst/>
-            </a:pPr>
-            <a:r>
-              <a:rPr kumimoji="0" lang="en-US" altLang="en-US" sz="1800" b="0" i="0" u="none" strike="noStrike" cap="none" normalizeH="0" baseline="0" smtClean="0">
-                <a:ln>
-                  <a:noFill/>
-                </a:ln>
-                <a:solidFill>
-                  <a:schemeClr val="tx1"/>
-                </a:solidFill>
-                <a:effectLst/>
-                <a:latin typeface="Arial" panose="020B0604020202020204" pitchFamily="34" charset="0"/>
-              </a:rPr>
-              <a:t/>
-            </a:r>
-            <a:br>
-              <a:rPr kumimoji="0" lang="en-US" altLang="en-US" sz="1800" b="0" i="0" u="none" strike="noStrike" cap="none" normalizeH="0" baseline="0" smtClean="0">
-                <a:ln>
-                  <a:noFill/>
-                </a:ln>
-                <a:solidFill>
-                  <a:schemeClr val="tx1"/>
-                </a:solidFill>
-                <a:effectLst/>
-                <a:latin typeface="Arial" panose="020B0604020202020204" pitchFamily="34" charset="0"/>
-              </a:rPr>
-            </a:br>
-            <a:endParaRPr kumimoji="0" lang="en-US" altLang="en-US" sz="1800" b="0" i="0" u="none" strike="noStrike" cap="none" normalizeH="0" baseline="0" smtClean="0">
-              <a:ln>
-                <a:noFill/>
-              </a:ln>
-              <a:solidFill>
-                <a:schemeClr val="tx1"/>
-              </a:solidFill>
-              <a:effectLst/>
-              <a:latin typeface="Arial" panose="020B0604020202020204" pitchFamily="34" charset="0"/>
-            </a:endParaRPr>
-          </a:p>
-        </p:txBody>
-      </p:sp>
-    </p:spTree>
-    <p:extLst>
-      <p:ext uri="{BB962C8B-B14F-4D97-AF65-F5344CB8AC3E}">
-        <p14:creationId xmlns:p14="http://schemas.microsoft.com/office/powerpoint/2010/main" val="431686180"/>
-      </p:ext>
-    </p:extLst>
-  </p:cSld>
-  <p:clrMapOvr>
-    <a:masterClrMapping/>
-  </p:clrMapOvr>
-</p:sld>
-</file>
-
-<file path=ppt/slides/slide11.xml><?xml version="1.0" encoding="utf-8"?>
-<p:sld xmlns:a="http://schemas.openxmlformats.org/drawingml/2006/main" xmlns:r="http://schemas.openxmlformats.org/officeDocument/2006/relationships" xmlns:p="http://schemas.openxmlformats.org/presentationml/2006/main">
-  <p:cSld>
-    <p:spTree>
-      <p:nvGrpSpPr>
-        <p:cNvPr id="1" name=""/>
-        <p:cNvGrpSpPr/>
-        <p:nvPr/>
-      </p:nvGrpSpPr>
-      <p:grpSpPr>
-        <a:xfrm>
-          <a:off x="0" y="0"/>
-          <a:ext cx="0" cy="0"/>
-          <a:chOff x="0" y="0"/>
-          <a:chExt cx="0" cy="0"/>
-        </a:xfrm>
-      </p:grpSpPr>
-      <p:sp>
-        <p:nvSpPr>
-          <p:cNvPr id="2" name="Title 1"/>
-          <p:cNvSpPr>
-            <a:spLocks noGrp="1"/>
-          </p:cNvSpPr>
-          <p:nvPr>
-            <p:ph type="title"/>
-          </p:nvPr>
-        </p:nvSpPr>
         <p:spPr>
           <a:xfrm>
             <a:off x="838200" y="-86917"/>
@@ -5111,7 +3316,7 @@
                 <a:latin typeface="Calibri" panose="020F0502020204030204" pitchFamily="34" charset="0"/>
               </a:rPr>
               <a:pPr eaLnBrk="1" hangingPunct="1"/>
-              <a:t>11</a:t>
+              <a:t>10</a:t>
             </a:fld>
             <a:endParaRPr lang="en-US" altLang="en-US" sz="1200">
               <a:solidFill>
@@ -7665,7 +5870,7 @@
 </p:sld>
 </file>
 
-<file path=ppt/slides/slide12.xml><?xml version="1.0" encoding="utf-8"?>
+<file path=ppt/slides/slide11.xml><?xml version="1.0" encoding="utf-8"?>
 <p:sld xmlns:a="http://schemas.openxmlformats.org/drawingml/2006/main" xmlns:r="http://schemas.openxmlformats.org/officeDocument/2006/relationships" xmlns:p="http://schemas.openxmlformats.org/presentationml/2006/main">
   <p:cSld>
     <p:spTree>
@@ -7694,7 +5899,7 @@
         </p:nvSpPr>
         <p:spPr>
           <a:xfrm>
-            <a:off x="838200" y="-86917"/>
+            <a:off x="851848" y="-324949"/>
             <a:ext cx="10515600" cy="1325563"/>
           </a:xfrm>
         </p:spPr>
@@ -7734,8 +5939,8 @@
         </p:blipFill>
         <p:spPr bwMode="auto">
           <a:xfrm>
-            <a:off x="3011315" y="1000614"/>
-            <a:ext cx="6619875" cy="5686425"/>
+            <a:off x="2399521" y="626994"/>
+            <a:ext cx="7420253" cy="6231006"/>
           </a:xfrm>
           <a:prstGeom prst="rect">
             <a:avLst/>
@@ -7765,7 +5970,7 @@
 </p:sld>
 </file>
 
-<file path=ppt/slides/slide13.xml><?xml version="1.0" encoding="utf-8"?>
+<file path=ppt/slides/slide12.xml><?xml version="1.0" encoding="utf-8"?>
 <p:sld xmlns:a="http://schemas.openxmlformats.org/drawingml/2006/main" xmlns:r="http://schemas.openxmlformats.org/officeDocument/2006/relationships" xmlns:p="http://schemas.openxmlformats.org/presentationml/2006/main">
   <p:cSld>
     <p:bg>
@@ -10919,7 +9124,7 @@
 </p:sld>
 </file>
 
-<file path=ppt/slides/slide14.xml><?xml version="1.0" encoding="utf-8"?>
+<file path=ppt/slides/slide13.xml><?xml version="1.0" encoding="utf-8"?>
 <p:sld xmlns:a="http://schemas.openxmlformats.org/drawingml/2006/main" xmlns:r="http://schemas.openxmlformats.org/officeDocument/2006/relationships" xmlns:p="http://schemas.openxmlformats.org/presentationml/2006/main">
   <p:cSld>
     <p:spTree>
@@ -11062,6 +9267,529 @@
 </p:sld>
 </file>
 
+<file path=ppt/slides/slide14.xml><?xml version="1.0" encoding="utf-8"?>
+<p:sld xmlns:a="http://schemas.openxmlformats.org/drawingml/2006/main" xmlns:r="http://schemas.openxmlformats.org/officeDocument/2006/relationships" xmlns:p="http://schemas.openxmlformats.org/presentationml/2006/main">
+  <p:cSld>
+    <p:spTree>
+      <p:nvGrpSpPr>
+        <p:cNvPr id="1" name=""/>
+        <p:cNvGrpSpPr/>
+        <p:nvPr/>
+      </p:nvGrpSpPr>
+      <p:grpSpPr>
+        <a:xfrm>
+          <a:off x="0" y="0"/>
+          <a:ext cx="0" cy="0"/>
+          <a:chOff x="0" y="0"/>
+          <a:chExt cx="0" cy="0"/>
+        </a:xfrm>
+      </p:grpSpPr>
+      <p:sp>
+        <p:nvSpPr>
+          <p:cNvPr id="2" name="Title 1"/>
+          <p:cNvSpPr>
+            <a:spLocks noGrp="1"/>
+          </p:cNvSpPr>
+          <p:nvPr>
+            <p:ph type="title"/>
+          </p:nvPr>
+        </p:nvSpPr>
+        <p:spPr/>
+        <p:txBody>
+          <a:bodyPr/>
+          <a:lstStyle/>
+          <a:p>
+            <a:pPr algn="ctr"/>
+            <a:r>
+              <a:rPr lang="en-US" dirty="0" smtClean="0"/>
+              <a:t>Inflection</a:t>
+            </a:r>
+            <a:endParaRPr lang="en-US" dirty="0"/>
+          </a:p>
+        </p:txBody>
+      </p:sp>
+      <p:sp>
+        <p:nvSpPr>
+          <p:cNvPr id="3" name="Content Placeholder 2"/>
+          <p:cNvSpPr>
+            <a:spLocks noGrp="1"/>
+          </p:cNvSpPr>
+          <p:nvPr>
+            <p:ph idx="1"/>
+          </p:nvPr>
+        </p:nvSpPr>
+        <p:spPr/>
+        <p:txBody>
+          <a:bodyPr>
+            <a:normAutofit fontScale="92500" lnSpcReduction="20000"/>
+          </a:bodyPr>
+          <a:lstStyle/>
+          <a:p>
+            <a:r>
+              <a:rPr lang="en-US" dirty="0" smtClean="0"/>
+              <a:t>Particles do not have grammatical roles(don’t become subjects or objects)</a:t>
+            </a:r>
+          </a:p>
+          <a:p>
+            <a:r>
+              <a:rPr lang="en-US" dirty="0" smtClean="0"/>
+              <a:t>Noun group has many varieties of grammatical roles</a:t>
+            </a:r>
+          </a:p>
+          <a:p>
+            <a:pPr lvl="1"/>
+            <a:r>
+              <a:rPr lang="en-US" altLang="en-US" sz="2200" dirty="0" smtClean="0">
+                <a:solidFill>
+                  <a:srgbClr val="000000"/>
+                </a:solidFill>
+                <a:latin typeface="Calibri" panose="020F0502020204030204" pitchFamily="34" charset="0"/>
+              </a:rPr>
+              <a:t>non-dual demonstrative pronouns (e.g. </a:t>
+            </a:r>
+            <a:r>
+              <a:rPr lang="ar-SA" altLang="en-US" sz="2200" dirty="0" smtClean="0">
+                <a:solidFill>
+                  <a:srgbClr val="000000"/>
+                </a:solidFill>
+                <a:latin typeface="Traditional Arabic"/>
+              </a:rPr>
+              <a:t>ذلك، اولئك</a:t>
+            </a:r>
+            <a:r>
+              <a:rPr lang="en-US" altLang="en-US" sz="2200" dirty="0" smtClean="0">
+                <a:solidFill>
+                  <a:srgbClr val="000000"/>
+                </a:solidFill>
+                <a:latin typeface="Calibri" panose="020F0502020204030204" pitchFamily="34" charset="0"/>
+              </a:rPr>
+              <a:t>)</a:t>
+            </a:r>
+            <a:endParaRPr lang="en-US" altLang="en-US" sz="2200" dirty="0"/>
+          </a:p>
+          <a:p>
+            <a:pPr lvl="1"/>
+            <a:r>
+              <a:rPr lang="en-US" altLang="en-US" sz="2200" dirty="0" smtClean="0">
+                <a:solidFill>
+                  <a:srgbClr val="000000"/>
+                </a:solidFill>
+                <a:latin typeface="Calibri" panose="020F0502020204030204" pitchFamily="34" charset="0"/>
+              </a:rPr>
+              <a:t>non-dual </a:t>
+            </a:r>
+            <a:r>
+              <a:rPr lang="en-US" altLang="en-US" sz="2200" dirty="0">
+                <a:solidFill>
+                  <a:srgbClr val="000000"/>
+                </a:solidFill>
+                <a:latin typeface="Calibri" panose="020F0502020204030204" pitchFamily="34" charset="0"/>
+              </a:rPr>
+              <a:t>relative pronouns (e.g. </a:t>
+            </a:r>
+            <a:r>
+              <a:rPr lang="ar-SA" altLang="en-US" sz="2200" dirty="0">
+                <a:solidFill>
+                  <a:srgbClr val="000000"/>
+                </a:solidFill>
+                <a:latin typeface="Traditional Arabic"/>
+              </a:rPr>
+              <a:t>الذي، الذين</a:t>
+            </a:r>
+            <a:r>
+              <a:rPr lang="en-US" altLang="en-US" sz="2200" dirty="0" smtClean="0">
+                <a:solidFill>
+                  <a:srgbClr val="000000"/>
+                </a:solidFill>
+                <a:latin typeface="Calibri" panose="020F0502020204030204" pitchFamily="34" charset="0"/>
+              </a:rPr>
+              <a:t>)</a:t>
+            </a:r>
+            <a:endParaRPr lang="en-US" altLang="en-US" sz="2200" dirty="0" smtClean="0"/>
+          </a:p>
+          <a:p>
+            <a:pPr lvl="1"/>
+            <a:r>
+              <a:rPr lang="en-US" altLang="en-US" sz="2200" dirty="0" smtClean="0">
+                <a:solidFill>
+                  <a:srgbClr val="000000"/>
+                </a:solidFill>
+                <a:latin typeface="Calibri" panose="020F0502020204030204" pitchFamily="34" charset="0"/>
+              </a:rPr>
+              <a:t>conditionals </a:t>
+            </a:r>
+            <a:r>
+              <a:rPr lang="en-US" altLang="en-US" sz="2200" dirty="0">
+                <a:solidFill>
+                  <a:srgbClr val="000000"/>
+                </a:solidFill>
+                <a:latin typeface="Calibri" panose="020F0502020204030204" pitchFamily="34" charset="0"/>
+              </a:rPr>
+              <a:t>(e.g. </a:t>
+            </a:r>
+            <a:r>
+              <a:rPr lang="ar-SA" altLang="en-US" sz="2200" dirty="0">
+                <a:solidFill>
+                  <a:srgbClr val="000000"/>
+                </a:solidFill>
+                <a:latin typeface="Traditional Arabic"/>
+              </a:rPr>
+              <a:t>ما، حيثما</a:t>
+            </a:r>
+            <a:r>
+              <a:rPr lang="en-US" altLang="en-US" sz="2200" dirty="0" smtClean="0">
+                <a:solidFill>
+                  <a:srgbClr val="000000"/>
+                </a:solidFill>
+                <a:latin typeface="Calibri" panose="020F0502020204030204" pitchFamily="34" charset="0"/>
+              </a:rPr>
+              <a:t>)</a:t>
+            </a:r>
+            <a:endParaRPr lang="en-US" altLang="en-US" sz="2200" dirty="0" smtClean="0"/>
+          </a:p>
+          <a:p>
+            <a:pPr lvl="1"/>
+            <a:r>
+              <a:rPr lang="en-US" altLang="en-US" sz="2200" dirty="0">
+                <a:solidFill>
+                  <a:srgbClr val="000000"/>
+                </a:solidFill>
+                <a:latin typeface="Calibri" panose="020F0502020204030204" pitchFamily="34" charset="0"/>
+              </a:rPr>
+              <a:t>i</a:t>
+            </a:r>
+            <a:r>
+              <a:rPr lang="en-US" altLang="en-US" sz="2200" dirty="0" smtClean="0">
+                <a:solidFill>
+                  <a:srgbClr val="000000"/>
+                </a:solidFill>
+                <a:latin typeface="Calibri" panose="020F0502020204030204" pitchFamily="34" charset="0"/>
+              </a:rPr>
+              <a:t>nterrogatives </a:t>
+            </a:r>
+            <a:r>
+              <a:rPr lang="en-US" altLang="en-US" sz="2200" dirty="0">
+                <a:solidFill>
+                  <a:srgbClr val="000000"/>
+                </a:solidFill>
+                <a:latin typeface="Calibri" panose="020F0502020204030204" pitchFamily="34" charset="0"/>
+              </a:rPr>
+              <a:t>(e.g. </a:t>
+            </a:r>
+            <a:r>
+              <a:rPr lang="ar-SA" altLang="en-US" sz="2200" dirty="0">
+                <a:solidFill>
+                  <a:srgbClr val="000000"/>
+                </a:solidFill>
+                <a:latin typeface="Traditional Arabic"/>
+              </a:rPr>
+              <a:t>ما، من</a:t>
+            </a:r>
+            <a:r>
+              <a:rPr lang="en-US" altLang="en-US" sz="2200" dirty="0" smtClean="0">
+                <a:solidFill>
+                  <a:srgbClr val="000000"/>
+                </a:solidFill>
+                <a:latin typeface="Calibri" panose="020F0502020204030204" pitchFamily="34" charset="0"/>
+              </a:rPr>
+              <a:t>)</a:t>
+            </a:r>
+            <a:endParaRPr lang="en-US" altLang="en-US" sz="2200" dirty="0" smtClean="0"/>
+          </a:p>
+          <a:p>
+            <a:pPr lvl="1"/>
+            <a:r>
+              <a:rPr lang="en-US" altLang="en-US" sz="2200" dirty="0" smtClean="0">
+                <a:solidFill>
+                  <a:srgbClr val="000000"/>
+                </a:solidFill>
+                <a:latin typeface="Calibri" panose="020F0502020204030204" pitchFamily="34" charset="0"/>
+              </a:rPr>
+              <a:t>verbal </a:t>
+            </a:r>
+            <a:r>
+              <a:rPr lang="en-US" altLang="en-US" sz="2200" dirty="0">
+                <a:solidFill>
+                  <a:srgbClr val="000000"/>
+                </a:solidFill>
+                <a:latin typeface="Calibri" panose="020F0502020204030204" pitchFamily="34" charset="0"/>
+              </a:rPr>
+              <a:t>nouns (e.g. </a:t>
+            </a:r>
+            <a:r>
+              <a:rPr lang="ar-SA" altLang="en-US" sz="2200" dirty="0">
+                <a:solidFill>
+                  <a:srgbClr val="000000"/>
+                </a:solidFill>
+                <a:latin typeface="Traditional Arabic"/>
+              </a:rPr>
+              <a:t>هيهات</a:t>
+            </a:r>
+            <a:r>
+              <a:rPr lang="en-US" altLang="en-US" sz="2200" dirty="0" smtClean="0">
+                <a:solidFill>
+                  <a:srgbClr val="000000"/>
+                </a:solidFill>
+                <a:latin typeface="Calibri" panose="020F0502020204030204" pitchFamily="34" charset="0"/>
+              </a:rPr>
+              <a:t>)</a:t>
+            </a:r>
+            <a:endParaRPr lang="en-US" altLang="en-US" sz="2200" dirty="0" smtClean="0"/>
+          </a:p>
+          <a:p>
+            <a:pPr lvl="1"/>
+            <a:r>
+              <a:rPr lang="en-US" altLang="en-US" sz="2200" dirty="0" smtClean="0">
+                <a:solidFill>
+                  <a:srgbClr val="000000"/>
+                </a:solidFill>
+                <a:latin typeface="Calibri" panose="020F0502020204030204" pitchFamily="34" charset="0"/>
+              </a:rPr>
+              <a:t>others</a:t>
+            </a:r>
+            <a:endParaRPr lang="en-US" altLang="en-US" sz="2200" dirty="0"/>
+          </a:p>
+          <a:p>
+            <a:pPr marL="0" lvl="0" indent="0" eaLnBrk="0" fontAlgn="base" hangingPunct="0">
+              <a:lnSpc>
+                <a:spcPct val="100000"/>
+              </a:lnSpc>
+              <a:spcBef>
+                <a:spcPct val="0"/>
+              </a:spcBef>
+              <a:spcAft>
+                <a:spcPct val="0"/>
+              </a:spcAft>
+              <a:buNone/>
+            </a:pPr>
+            <a:r>
+              <a:rPr lang="en-US" altLang="en-US" sz="1100" dirty="0">
+                <a:solidFill>
+                  <a:srgbClr val="000000"/>
+                </a:solidFill>
+                <a:latin typeface="Calibri" panose="020F0502020204030204" pitchFamily="34" charset="0"/>
+              </a:rPr>
+              <a:t> </a:t>
+            </a:r>
+            <a:endParaRPr lang="en-US" altLang="en-US" sz="1800" dirty="0">
+              <a:latin typeface="Arial" panose="020B0604020202020204" pitchFamily="34" charset="0"/>
+            </a:endParaRPr>
+          </a:p>
+          <a:p>
+            <a:pPr lvl="1"/>
+            <a:endParaRPr lang="en-US" dirty="0" smtClean="0"/>
+          </a:p>
+          <a:p>
+            <a:r>
+              <a:rPr lang="en-US" dirty="0" smtClean="0"/>
+              <a:t>Verbs are of 3 categories</a:t>
+            </a:r>
+          </a:p>
+          <a:p>
+            <a:pPr lvl="1"/>
+            <a:r>
+              <a:rPr lang="en-US" altLang="en-US" sz="2000" dirty="0">
+                <a:solidFill>
+                  <a:srgbClr val="000000"/>
+                </a:solidFill>
+                <a:latin typeface="Times New Roman" panose="02020603050405020304" pitchFamily="18" charset="0"/>
+                <a:cs typeface="Times New Roman" panose="02020603050405020304" pitchFamily="18" charset="0"/>
+              </a:rPr>
+              <a:t> </a:t>
+            </a:r>
+            <a:r>
+              <a:rPr lang="ar-SA" altLang="en-US" sz="2000" dirty="0">
+                <a:solidFill>
+                  <a:srgbClr val="000000"/>
+                </a:solidFill>
+                <a:latin typeface="Traditional Arabic"/>
+              </a:rPr>
+              <a:t>ماضي</a:t>
+            </a:r>
+            <a:r>
+              <a:rPr lang="en-US" altLang="en-US" sz="2000" dirty="0">
+                <a:solidFill>
+                  <a:srgbClr val="000000"/>
+                </a:solidFill>
+                <a:latin typeface="Calibri" panose="020F0502020204030204" pitchFamily="34" charset="0"/>
+              </a:rPr>
+              <a:t>: the perfect tense (e.g. </a:t>
+            </a:r>
+            <a:r>
+              <a:rPr lang="ar-SA" altLang="en-US" sz="2000" dirty="0">
+                <a:solidFill>
+                  <a:srgbClr val="000000"/>
+                </a:solidFill>
+                <a:latin typeface="Traditional Arabic"/>
+              </a:rPr>
+              <a:t>ضَرَبَ</a:t>
+            </a:r>
+            <a:r>
+              <a:rPr lang="en-US" altLang="en-US" sz="2000" dirty="0" smtClean="0">
+                <a:solidFill>
+                  <a:srgbClr val="000000"/>
+                </a:solidFill>
+                <a:latin typeface="Calibri" panose="020F0502020204030204" pitchFamily="34" charset="0"/>
+              </a:rPr>
+              <a:t>)</a:t>
+            </a:r>
+          </a:p>
+          <a:p>
+            <a:pPr lvl="1"/>
+            <a:r>
+              <a:rPr lang="en-US" altLang="en-US" sz="2000" dirty="0">
+                <a:solidFill>
+                  <a:srgbClr val="000000"/>
+                </a:solidFill>
+                <a:latin typeface="Times New Roman" panose="02020603050405020304" pitchFamily="18" charset="0"/>
+                <a:cs typeface="Times New Roman" panose="02020603050405020304" pitchFamily="18" charset="0"/>
+              </a:rPr>
+              <a:t> </a:t>
+            </a:r>
+            <a:r>
+              <a:rPr lang="ar-SA" altLang="en-US" sz="2000" dirty="0">
+                <a:solidFill>
+                  <a:srgbClr val="000000"/>
+                </a:solidFill>
+                <a:latin typeface="Traditional Arabic"/>
+              </a:rPr>
+              <a:t>مضارع</a:t>
+            </a:r>
+            <a:r>
+              <a:rPr lang="en-US" altLang="en-US" sz="2000" dirty="0">
+                <a:solidFill>
+                  <a:srgbClr val="000000"/>
+                </a:solidFill>
+                <a:latin typeface="Calibri" panose="020F0502020204030204" pitchFamily="34" charset="0"/>
+              </a:rPr>
+              <a:t>: the imperfect tense (e.g. </a:t>
+            </a:r>
+            <a:r>
+              <a:rPr lang="ar-SA" altLang="en-US" sz="2000" dirty="0">
+                <a:solidFill>
+                  <a:srgbClr val="000000"/>
+                </a:solidFill>
+                <a:latin typeface="Traditional Arabic"/>
+              </a:rPr>
+              <a:t>يَضْرِب</a:t>
+            </a:r>
+            <a:r>
+              <a:rPr lang="en-US" altLang="en-US" sz="2000" dirty="0" smtClean="0">
+                <a:solidFill>
+                  <a:srgbClr val="000000"/>
+                </a:solidFill>
+                <a:latin typeface="Calibri" panose="020F0502020204030204" pitchFamily="34" charset="0"/>
+              </a:rPr>
+              <a:t>)</a:t>
+            </a:r>
+          </a:p>
+          <a:p>
+            <a:pPr lvl="1"/>
+            <a:r>
+              <a:rPr lang="en-US" altLang="en-US" sz="2000" dirty="0" smtClean="0">
+                <a:solidFill>
+                  <a:srgbClr val="000000"/>
+                </a:solidFill>
+                <a:latin typeface="Times New Roman" panose="02020603050405020304" pitchFamily="18" charset="0"/>
+                <a:cs typeface="Times New Roman" panose="02020603050405020304" pitchFamily="18" charset="0"/>
+              </a:rPr>
+              <a:t> </a:t>
+            </a:r>
+            <a:r>
+              <a:rPr lang="ar-SA" altLang="en-US" sz="2000" dirty="0" smtClean="0">
+                <a:solidFill>
+                  <a:srgbClr val="000000"/>
+                </a:solidFill>
+                <a:latin typeface="Traditional Arabic"/>
+              </a:rPr>
+              <a:t>امر</a:t>
+            </a:r>
+            <a:r>
+              <a:rPr lang="en-US" altLang="en-US" sz="2000" dirty="0">
+                <a:solidFill>
+                  <a:srgbClr val="000000"/>
+                </a:solidFill>
+                <a:latin typeface="Traditional Arabic"/>
+              </a:rPr>
+              <a:t> </a:t>
+            </a:r>
+            <a:r>
+              <a:rPr lang="ar-SA" altLang="en-US" sz="2000" dirty="0">
+                <a:solidFill>
+                  <a:srgbClr val="000000"/>
+                </a:solidFill>
+                <a:latin typeface="Traditional Arabic"/>
+              </a:rPr>
+              <a:t>حاضر</a:t>
+            </a:r>
+            <a:r>
+              <a:rPr lang="en-US" altLang="en-US" sz="2000" dirty="0">
+                <a:solidFill>
+                  <a:srgbClr val="000000"/>
+                </a:solidFill>
+                <a:latin typeface="Traditional Arabic"/>
+              </a:rPr>
+              <a:t> </a:t>
+            </a:r>
+            <a:r>
+              <a:rPr lang="ar-SA" altLang="en-US" sz="2000" dirty="0">
+                <a:solidFill>
+                  <a:srgbClr val="000000"/>
+                </a:solidFill>
+                <a:latin typeface="Traditional Arabic"/>
+              </a:rPr>
+              <a:t>معروف</a:t>
+            </a:r>
+            <a:r>
+              <a:rPr lang="en-US" altLang="en-US" sz="2000" dirty="0">
+                <a:solidFill>
+                  <a:srgbClr val="000000"/>
+                </a:solidFill>
+                <a:latin typeface="Calibri" panose="020F0502020204030204" pitchFamily="34" charset="0"/>
+              </a:rPr>
+              <a:t>: the second person, active imperative (e.g. </a:t>
+            </a:r>
+            <a:r>
+              <a:rPr lang="ar-SA" altLang="en-US" sz="2000" dirty="0">
+                <a:solidFill>
+                  <a:srgbClr val="000000"/>
+                </a:solidFill>
+                <a:latin typeface="Traditional Arabic"/>
+              </a:rPr>
+              <a:t>اِضْرِبْ</a:t>
+            </a:r>
+            <a:r>
+              <a:rPr lang="en-US" altLang="en-US" sz="2000" dirty="0" smtClean="0">
+                <a:solidFill>
+                  <a:srgbClr val="000000"/>
+                </a:solidFill>
+                <a:latin typeface="Calibri" panose="020F0502020204030204" pitchFamily="34" charset="0"/>
+              </a:rPr>
+              <a:t>)</a:t>
+            </a:r>
+            <a:endParaRPr lang="en-US" altLang="en-US" dirty="0"/>
+          </a:p>
+          <a:p>
+            <a:pPr marL="457200" lvl="1" indent="0">
+              <a:buNone/>
+            </a:pPr>
+            <a:endParaRPr lang="en-US" altLang="en-US" dirty="0" smtClean="0"/>
+          </a:p>
+        </p:txBody>
+      </p:sp>
+    </p:spTree>
+    <p:extLst>
+      <p:ext uri="{BB962C8B-B14F-4D97-AF65-F5344CB8AC3E}">
+        <p14:creationId xmlns:p14="http://schemas.microsoft.com/office/powerpoint/2010/main" val="381166815"/>
+      </p:ext>
+    </p:extLst>
+  </p:cSld>
+  <p:clrMapOvr>
+    <a:masterClrMapping/>
+  </p:clrMapOvr>
+</p:sld>
+</file>
+
 <file path=ppt/slides/slide15.xml><?xml version="1.0" encoding="utf-8"?>
 <p:sld xmlns:a="http://schemas.openxmlformats.org/drawingml/2006/main" xmlns:r="http://schemas.openxmlformats.org/officeDocument/2006/relationships" xmlns:p="http://schemas.openxmlformats.org/presentationml/2006/main">
   <p:cSld>
@@ -11097,7 +9825,7 @@
             <a:pPr algn="ctr"/>
             <a:r>
               <a:rPr lang="en-US" dirty="0" smtClean="0"/>
-              <a:t>Inflection</a:t>
+              <a:t>Computational Effort</a:t>
             </a:r>
             <a:endParaRPr lang="en-US" dirty="0"/>
           </a:p>
@@ -11113,473 +9841,302 @@
             <p:ph idx="1"/>
           </p:nvPr>
         </p:nvSpPr>
-        <p:spPr/>
+        <p:spPr>
+          <a:xfrm>
+            <a:off x="838200" y="1544270"/>
+            <a:ext cx="10515600" cy="5313729"/>
+          </a:xfrm>
+        </p:spPr>
         <p:txBody>
           <a:bodyPr>
-            <a:normAutofit fontScale="92500" lnSpcReduction="20000"/>
+            <a:normAutofit fontScale="77500" lnSpcReduction="20000"/>
           </a:bodyPr>
           <a:lstStyle/>
           <a:p>
             <a:r>
+              <a:rPr lang="en-US" dirty="0"/>
+              <a:t>Arabic NLP: Introduction to Arabic natural language </a:t>
+            </a:r>
+            <a:r>
               <a:rPr lang="en-US" dirty="0" smtClean="0"/>
-              <a:t>Particles do not have grammatical roles(don’t become subjects or objects)</a:t>
-            </a:r>
+              <a:t>processing by </a:t>
+            </a:r>
+            <a:r>
+              <a:rPr lang="en-US" dirty="0"/>
+              <a:t>Nizar </a:t>
+            </a:r>
+            <a:r>
+              <a:rPr lang="en-US" dirty="0" err="1" smtClean="0"/>
+              <a:t>Habash</a:t>
+            </a:r>
+            <a:endParaRPr lang="en-US" dirty="0" smtClean="0"/>
           </a:p>
           <a:p>
             <a:r>
               <a:rPr lang="en-US" dirty="0" smtClean="0"/>
-              <a:t>Noun group has </a:t>
-            </a:r>
+              <a:t>Google Translate incorporated Arabic in April 2006</a:t>
+            </a:r>
+          </a:p>
+          <a:p>
             <a:r>
               <a:rPr lang="en-US" dirty="0" smtClean="0"/>
-              <a:t>many varieties of grammatical roles</a:t>
-            </a:r>
+              <a:t>Processing MSA: </a:t>
+            </a:r>
+            <a:endParaRPr lang="en-US" dirty="0"/>
           </a:p>
           <a:p>
             <a:pPr lvl="1"/>
             <a:r>
-              <a:rPr lang="en-US" altLang="en-US" sz="2200" dirty="0" smtClean="0">
-                <a:solidFill>
-                  <a:srgbClr val="000000"/>
-                </a:solidFill>
-                <a:latin typeface="Calibri" panose="020F0502020204030204" pitchFamily="34" charset="0"/>
-              </a:rPr>
-              <a:t>non-dual demonstrative pronouns (e.g. </a:t>
-            </a:r>
-            <a:r>
-              <a:rPr lang="ar-SA" altLang="en-US" sz="2200" dirty="0" smtClean="0">
-                <a:solidFill>
-                  <a:srgbClr val="000000"/>
-                </a:solidFill>
-                <a:latin typeface="Traditional Arabic"/>
-              </a:rPr>
-              <a:t>ذلك، اولئك</a:t>
-            </a:r>
-            <a:r>
-              <a:rPr lang="en-US" altLang="en-US" sz="2200" dirty="0" smtClean="0">
-                <a:solidFill>
-                  <a:srgbClr val="000000"/>
-                </a:solidFill>
-                <a:latin typeface="Calibri" panose="020F0502020204030204" pitchFamily="34" charset="0"/>
-              </a:rPr>
-              <a:t>)</a:t>
-            </a:r>
-            <a:endParaRPr lang="en-US" altLang="en-US" sz="2200" dirty="0"/>
+              <a:rPr lang="en-US" dirty="0" smtClean="0"/>
+              <a:t>A </a:t>
+            </a:r>
+            <a:r>
+              <a:rPr lang="en-US" dirty="0"/>
+              <a:t>maximum entropy word aligner for Arabic-English machine translation, </a:t>
+            </a:r>
+            <a:r>
+              <a:rPr lang="en-US" dirty="0" err="1"/>
+              <a:t>Ittycheriah</a:t>
+            </a:r>
+            <a:r>
+              <a:rPr lang="en-US" dirty="0"/>
+              <a:t> and </a:t>
+            </a:r>
+            <a:r>
+              <a:rPr lang="en-US" dirty="0" err="1"/>
+              <a:t>Roukos</a:t>
+            </a:r>
+            <a:r>
+              <a:rPr lang="en-US" dirty="0"/>
+              <a:t>, ACL 2005 </a:t>
+            </a:r>
           </a:p>
           <a:p>
             <a:pPr lvl="1"/>
             <a:r>
-              <a:rPr lang="en-US" altLang="en-US" sz="2200" dirty="0" smtClean="0">
-                <a:solidFill>
-                  <a:srgbClr val="000000"/>
-                </a:solidFill>
-                <a:latin typeface="Calibri" panose="020F0502020204030204" pitchFamily="34" charset="0"/>
-              </a:rPr>
-              <a:t>non-dual </a:t>
-            </a:r>
-            <a:r>
-              <a:rPr lang="en-US" altLang="en-US" sz="2200" dirty="0">
-                <a:solidFill>
-                  <a:srgbClr val="000000"/>
-                </a:solidFill>
-                <a:latin typeface="Calibri" panose="020F0502020204030204" pitchFamily="34" charset="0"/>
-              </a:rPr>
-              <a:t>relative pronouns (e.g. </a:t>
-            </a:r>
-            <a:r>
-              <a:rPr lang="ar-SA" altLang="en-US" sz="2200" dirty="0">
-                <a:solidFill>
-                  <a:srgbClr val="000000"/>
-                </a:solidFill>
-                <a:latin typeface="Traditional Arabic"/>
-              </a:rPr>
-              <a:t>الذي، الذين</a:t>
-            </a:r>
-            <a:r>
-              <a:rPr lang="en-US" altLang="en-US" sz="2200" dirty="0" smtClean="0">
-                <a:solidFill>
-                  <a:srgbClr val="000000"/>
-                </a:solidFill>
-                <a:latin typeface="Calibri" panose="020F0502020204030204" pitchFamily="34" charset="0"/>
-              </a:rPr>
-              <a:t>)</a:t>
-            </a:r>
-            <a:endParaRPr lang="en-US" altLang="en-US" sz="2200" dirty="0" smtClean="0"/>
+              <a:rPr lang="en-US" dirty="0" smtClean="0"/>
+              <a:t>MADA+TOKAN</a:t>
+            </a:r>
+            <a:r>
+              <a:rPr lang="en-US" dirty="0"/>
+              <a:t>: A Toolkit for Arabic Tokenization, </a:t>
+            </a:r>
+            <a:r>
+              <a:rPr lang="en-US" dirty="0" err="1"/>
+              <a:t>Diacritization</a:t>
+            </a:r>
+            <a:r>
+              <a:rPr lang="en-US" dirty="0"/>
+              <a:t>, Morphological Disambiguation, POS Tagging, Stemming and Lemmatization, </a:t>
+            </a:r>
+            <a:r>
+              <a:rPr lang="en-US" dirty="0" err="1"/>
+              <a:t>Habash</a:t>
+            </a:r>
+            <a:r>
+              <a:rPr lang="en-US" dirty="0"/>
+              <a:t> et al., MEDAR 2009 </a:t>
+            </a:r>
+            <a:endParaRPr lang="en-US" dirty="0" smtClean="0"/>
           </a:p>
           <a:p>
             <a:pPr lvl="1"/>
             <a:r>
-              <a:rPr lang="en-US" altLang="en-US" sz="2200" dirty="0" smtClean="0">
-                <a:solidFill>
-                  <a:srgbClr val="000000"/>
-                </a:solidFill>
-                <a:latin typeface="Calibri" panose="020F0502020204030204" pitchFamily="34" charset="0"/>
-              </a:rPr>
-              <a:t>conditionals </a:t>
-            </a:r>
-            <a:r>
-              <a:rPr lang="en-US" altLang="en-US" sz="2200" dirty="0">
-                <a:solidFill>
-                  <a:srgbClr val="000000"/>
-                </a:solidFill>
-                <a:latin typeface="Calibri" panose="020F0502020204030204" pitchFamily="34" charset="0"/>
-              </a:rPr>
-              <a:t>(e.g. </a:t>
-            </a:r>
-            <a:r>
-              <a:rPr lang="ar-SA" altLang="en-US" sz="2200" dirty="0">
-                <a:solidFill>
-                  <a:srgbClr val="000000"/>
-                </a:solidFill>
-                <a:latin typeface="Traditional Arabic"/>
-              </a:rPr>
-              <a:t>ما، حيثما</a:t>
-            </a:r>
-            <a:r>
-              <a:rPr lang="en-US" altLang="en-US" sz="2200" dirty="0" smtClean="0">
-                <a:solidFill>
-                  <a:srgbClr val="000000"/>
-                </a:solidFill>
-                <a:latin typeface="Calibri" panose="020F0502020204030204" pitchFamily="34" charset="0"/>
-              </a:rPr>
-              <a:t>)</a:t>
-            </a:r>
-            <a:endParaRPr lang="en-US" altLang="en-US" sz="2200" dirty="0" smtClean="0"/>
+              <a:rPr lang="en-US" dirty="0" smtClean="0"/>
+              <a:t> </a:t>
+            </a:r>
+            <a:r>
+              <a:rPr lang="en-US" dirty="0"/>
+              <a:t>Arabic preprocessing schemes for statistical machine translation, </a:t>
+            </a:r>
+            <a:r>
+              <a:rPr lang="en-US" dirty="0" err="1"/>
+              <a:t>Habash</a:t>
+            </a:r>
+            <a:r>
+              <a:rPr lang="en-US" dirty="0"/>
+              <a:t> and Sadat, </a:t>
+            </a:r>
+            <a:r>
+              <a:rPr lang="en-US" dirty="0" smtClean="0"/>
+              <a:t>2006</a:t>
+            </a:r>
+          </a:p>
+          <a:p>
+            <a:pPr marL="228600" lvl="1">
+              <a:spcBef>
+                <a:spcPts val="1000"/>
+              </a:spcBef>
+            </a:pPr>
+            <a:r>
+              <a:rPr lang="en-US" dirty="0"/>
+              <a:t> </a:t>
+            </a:r>
+            <a:r>
+              <a:rPr lang="en-US" sz="2800" dirty="0"/>
+              <a:t>Processing</a:t>
+            </a:r>
+            <a:r>
+              <a:rPr lang="en-US" dirty="0"/>
+              <a:t> </a:t>
+            </a:r>
+            <a:r>
+              <a:rPr lang="en-US" sz="2800" dirty="0" smtClean="0"/>
+              <a:t>dialects: </a:t>
+            </a:r>
+          </a:p>
+          <a:p>
+            <a:pPr marL="685800" lvl="2">
+              <a:spcBef>
+                <a:spcPts val="1000"/>
+              </a:spcBef>
+            </a:pPr>
+            <a:r>
+              <a:rPr lang="en-US" sz="2400" dirty="0" smtClean="0"/>
+              <a:t>Parsing </a:t>
+            </a:r>
+            <a:r>
+              <a:rPr lang="en-US" sz="2400" dirty="0"/>
+              <a:t>Arabic Dialects, Chiang et al. EACL 2006 </a:t>
+            </a:r>
+          </a:p>
+          <a:p>
+            <a:pPr marL="685800" lvl="2">
+              <a:spcBef>
+                <a:spcPts val="1000"/>
+              </a:spcBef>
+            </a:pPr>
+            <a:r>
+              <a:rPr lang="en-US" sz="2400" dirty="0" smtClean="0"/>
+              <a:t>Morphological </a:t>
+            </a:r>
+            <a:r>
+              <a:rPr lang="en-US" sz="2400" dirty="0"/>
+              <a:t>Analysis and Disambiguation for Dialectal Arabic, </a:t>
+            </a:r>
+            <a:r>
+              <a:rPr lang="en-US" sz="2400" dirty="0" err="1"/>
+              <a:t>Habash</a:t>
+            </a:r>
+            <a:r>
+              <a:rPr lang="en-US" sz="2400" dirty="0"/>
+              <a:t> et al. NAACL HLT 2013 </a:t>
+            </a:r>
+            <a:endParaRPr lang="en-US" sz="2400" dirty="0" smtClean="0"/>
+          </a:p>
+          <a:p>
+            <a:pPr marL="685800" lvl="2">
+              <a:spcBef>
+                <a:spcPts val="1000"/>
+              </a:spcBef>
+            </a:pPr>
+            <a:r>
+              <a:rPr lang="en-US" sz="2400" dirty="0" smtClean="0"/>
+              <a:t>CODACT</a:t>
+            </a:r>
+            <a:r>
+              <a:rPr lang="en-US" sz="2400" dirty="0"/>
+              <a:t>: Towards Identifying Orthographic Variants in Dialectal Arabic, </a:t>
+            </a:r>
+            <a:r>
+              <a:rPr lang="en-US" sz="2400" dirty="0" err="1"/>
+              <a:t>Dasigi</a:t>
+            </a:r>
+            <a:r>
+              <a:rPr lang="en-US" sz="2400" dirty="0"/>
+              <a:t> and </a:t>
+            </a:r>
+            <a:r>
+              <a:rPr lang="en-US" sz="2400" dirty="0" err="1"/>
+              <a:t>Diab</a:t>
+            </a:r>
+            <a:r>
+              <a:rPr lang="en-US" sz="2400" dirty="0"/>
+              <a:t> , IJCNLP 2011 </a:t>
+            </a:r>
+            <a:endParaRPr lang="en-US" sz="2400" dirty="0" smtClean="0"/>
+          </a:p>
+          <a:p>
+            <a:pPr marL="685800" lvl="2">
+              <a:spcBef>
+                <a:spcPts val="1000"/>
+              </a:spcBef>
+            </a:pPr>
+            <a:r>
+              <a:rPr lang="en-US" sz="2400" dirty="0" smtClean="0"/>
+              <a:t> </a:t>
+            </a:r>
+            <a:r>
+              <a:rPr lang="en-US" sz="2400" dirty="0"/>
+              <a:t>Dialectal Arabic to English Machine Translation: Pivoting through Modern Standard Arabic, </a:t>
+            </a:r>
+            <a:r>
+              <a:rPr lang="en-US" sz="2400" dirty="0" err="1"/>
+              <a:t>Salloum</a:t>
+            </a:r>
+            <a:r>
+              <a:rPr lang="en-US" sz="2400" dirty="0"/>
+              <a:t> and </a:t>
+            </a:r>
+            <a:r>
+              <a:rPr lang="en-US" sz="2400" dirty="0" err="1"/>
+              <a:t>Habash</a:t>
+            </a:r>
+            <a:r>
+              <a:rPr lang="en-US" sz="2400" dirty="0"/>
+              <a:t>, Proceedings of NAACL-HLT </a:t>
+            </a:r>
+            <a:r>
+              <a:rPr lang="en-US" sz="2400" dirty="0" smtClean="0"/>
+              <a:t>2013</a:t>
+            </a:r>
+            <a:endParaRPr lang="en-US" altLang="en-US" sz="2400" dirty="0" smtClean="0"/>
+          </a:p>
+          <a:p>
+            <a:r>
+              <a:rPr lang="en-US" altLang="en-US" dirty="0" smtClean="0"/>
+              <a:t>MT-Archive: </a:t>
+            </a:r>
           </a:p>
           <a:p>
             <a:pPr lvl="1"/>
             <a:r>
-              <a:rPr lang="en-US" altLang="en-US" sz="2200" dirty="0">
-                <a:solidFill>
-                  <a:srgbClr val="000000"/>
-                </a:solidFill>
-                <a:latin typeface="Calibri" panose="020F0502020204030204" pitchFamily="34" charset="0"/>
-              </a:rPr>
-              <a:t>i</a:t>
-            </a:r>
-            <a:r>
-              <a:rPr lang="en-US" altLang="en-US" sz="2200" dirty="0" smtClean="0">
-                <a:solidFill>
-                  <a:srgbClr val="000000"/>
-                </a:solidFill>
-                <a:latin typeface="Calibri" panose="020F0502020204030204" pitchFamily="34" charset="0"/>
-              </a:rPr>
-              <a:t>nterrogatives </a:t>
-            </a:r>
-            <a:r>
-              <a:rPr lang="en-US" altLang="en-US" sz="2200" dirty="0">
-                <a:solidFill>
-                  <a:srgbClr val="000000"/>
-                </a:solidFill>
-                <a:latin typeface="Calibri" panose="020F0502020204030204" pitchFamily="34" charset="0"/>
-              </a:rPr>
-              <a:t>(e.g. </a:t>
-            </a:r>
-            <a:r>
-              <a:rPr lang="ar-SA" altLang="en-US" sz="2200" dirty="0">
-                <a:solidFill>
-                  <a:srgbClr val="000000"/>
-                </a:solidFill>
-                <a:latin typeface="Traditional Arabic"/>
-              </a:rPr>
-              <a:t>ما، من</a:t>
-            </a:r>
-            <a:r>
-              <a:rPr lang="en-US" altLang="en-US" sz="2200" dirty="0" smtClean="0">
-                <a:solidFill>
-                  <a:srgbClr val="000000"/>
-                </a:solidFill>
-                <a:latin typeface="Calibri" panose="020F0502020204030204" pitchFamily="34" charset="0"/>
-              </a:rPr>
-              <a:t>)</a:t>
-            </a:r>
-            <a:endParaRPr lang="en-US" altLang="en-US" sz="2200" dirty="0" smtClean="0"/>
+              <a:rPr lang="en-US" altLang="en-US" dirty="0" smtClean="0"/>
+              <a:t>There are more than 200 entries since 2010</a:t>
+            </a:r>
           </a:p>
           <a:p>
             <a:pPr lvl="1"/>
             <a:r>
-              <a:rPr lang="en-US" altLang="en-US" sz="2200" dirty="0" smtClean="0">
-                <a:solidFill>
-                  <a:srgbClr val="000000"/>
-                </a:solidFill>
-                <a:latin typeface="Calibri" panose="020F0502020204030204" pitchFamily="34" charset="0"/>
-              </a:rPr>
-              <a:t>verbal </a:t>
-            </a:r>
-            <a:r>
-              <a:rPr lang="en-US" altLang="en-US" sz="2200" dirty="0">
-                <a:solidFill>
-                  <a:srgbClr val="000000"/>
-                </a:solidFill>
-                <a:latin typeface="Calibri" panose="020F0502020204030204" pitchFamily="34" charset="0"/>
-              </a:rPr>
-              <a:t>nouns (e.g. </a:t>
-            </a:r>
-            <a:r>
-              <a:rPr lang="ar-SA" altLang="en-US" sz="2200" dirty="0">
-                <a:solidFill>
-                  <a:srgbClr val="000000"/>
-                </a:solidFill>
-                <a:latin typeface="Traditional Arabic"/>
-              </a:rPr>
-              <a:t>هيهات</a:t>
-            </a:r>
-            <a:r>
-              <a:rPr lang="en-US" altLang="en-US" sz="2200" dirty="0" smtClean="0">
-                <a:solidFill>
-                  <a:srgbClr val="000000"/>
-                </a:solidFill>
-                <a:latin typeface="Calibri" panose="020F0502020204030204" pitchFamily="34" charset="0"/>
-              </a:rPr>
-              <a:t>)</a:t>
-            </a:r>
-            <a:endParaRPr lang="en-US" altLang="en-US" sz="2200" dirty="0" smtClean="0"/>
+              <a:rPr lang="en-US" altLang="en-US" dirty="0" smtClean="0"/>
+              <a:t>Most to do with speech recognition, improving certain aspects of machine translation</a:t>
+            </a:r>
           </a:p>
           <a:p>
             <a:pPr lvl="1"/>
-            <a:r>
-              <a:rPr lang="en-US" altLang="en-US" sz="2200" dirty="0" smtClean="0">
-                <a:solidFill>
-                  <a:srgbClr val="000000"/>
-                </a:solidFill>
-                <a:latin typeface="Calibri" panose="020F0502020204030204" pitchFamily="34" charset="0"/>
-              </a:rPr>
-              <a:t>others</a:t>
-            </a:r>
-            <a:endParaRPr lang="en-US" altLang="en-US" sz="2200" dirty="0"/>
-          </a:p>
-          <a:p>
-            <a:pPr marL="0" lvl="0" indent="0" eaLnBrk="0" fontAlgn="base" hangingPunct="0">
-              <a:lnSpc>
-                <a:spcPct val="100000"/>
-              </a:lnSpc>
-              <a:spcBef>
-                <a:spcPct val="0"/>
-              </a:spcBef>
-              <a:spcAft>
-                <a:spcPct val="0"/>
-              </a:spcAft>
-              <a:buNone/>
-            </a:pPr>
-            <a:r>
-              <a:rPr lang="en-US" altLang="en-US" sz="1100" dirty="0">
-                <a:solidFill>
-                  <a:srgbClr val="000000"/>
-                </a:solidFill>
-                <a:latin typeface="Calibri" panose="020F0502020204030204" pitchFamily="34" charset="0"/>
-              </a:rPr>
-              <a:t> </a:t>
-            </a:r>
-            <a:endParaRPr lang="en-US" altLang="en-US" sz="1800" dirty="0">
-              <a:latin typeface="Arial" panose="020B0604020202020204" pitchFamily="34" charset="0"/>
-            </a:endParaRPr>
+            <a:endParaRPr lang="en-US" altLang="en-US" dirty="0" smtClean="0"/>
           </a:p>
           <a:p>
             <a:pPr lvl="1"/>
-            <a:endParaRPr lang="en-US" dirty="0" smtClean="0"/>
-          </a:p>
-          <a:p>
-            <a:r>
-              <a:rPr lang="en-US" dirty="0" smtClean="0"/>
-              <a:t>Verbs are of 3 categories</a:t>
-            </a:r>
+            <a:endParaRPr lang="en-US" altLang="en-US" dirty="0" smtClean="0"/>
           </a:p>
           <a:p>
             <a:pPr lvl="1"/>
-            <a:r>
-              <a:rPr lang="en-US" altLang="en-US" sz="2000" dirty="0">
-                <a:solidFill>
-                  <a:srgbClr val="000000"/>
-                </a:solidFill>
-                <a:latin typeface="Times New Roman" panose="02020603050405020304" pitchFamily="18" charset="0"/>
-                <a:cs typeface="Times New Roman" panose="02020603050405020304" pitchFamily="18" charset="0"/>
-              </a:rPr>
-              <a:t> </a:t>
-            </a:r>
-            <a:r>
-              <a:rPr lang="ar-SA" altLang="en-US" sz="2000" dirty="0">
-                <a:solidFill>
-                  <a:srgbClr val="000000"/>
-                </a:solidFill>
-                <a:latin typeface="Traditional Arabic"/>
-              </a:rPr>
-              <a:t>ماضي</a:t>
-            </a:r>
-            <a:r>
-              <a:rPr lang="en-US" altLang="en-US" sz="2000" dirty="0">
-                <a:solidFill>
-                  <a:srgbClr val="000000"/>
-                </a:solidFill>
-                <a:latin typeface="Calibri" panose="020F0502020204030204" pitchFamily="34" charset="0"/>
-              </a:rPr>
-              <a:t>: the perfect tense (e.g. </a:t>
-            </a:r>
-            <a:r>
-              <a:rPr lang="ar-SA" altLang="en-US" sz="2000" dirty="0">
-                <a:solidFill>
-                  <a:srgbClr val="000000"/>
-                </a:solidFill>
-                <a:latin typeface="Traditional Arabic"/>
-              </a:rPr>
-              <a:t>ضَرَبَ</a:t>
-            </a:r>
-            <a:r>
-              <a:rPr lang="en-US" altLang="en-US" sz="2000" dirty="0" smtClean="0">
-                <a:solidFill>
-                  <a:srgbClr val="000000"/>
-                </a:solidFill>
-                <a:latin typeface="Calibri" panose="020F0502020204030204" pitchFamily="34" charset="0"/>
-              </a:rPr>
-              <a:t>)</a:t>
-            </a:r>
+            <a:endParaRPr lang="en-US" altLang="en-US" dirty="0"/>
           </a:p>
           <a:p>
             <a:pPr lvl="1"/>
-            <a:r>
-              <a:rPr lang="en-US" altLang="en-US" sz="2000" dirty="0">
-                <a:solidFill>
-                  <a:srgbClr val="000000"/>
-                </a:solidFill>
-                <a:latin typeface="Times New Roman" panose="02020603050405020304" pitchFamily="18" charset="0"/>
-                <a:cs typeface="Times New Roman" panose="02020603050405020304" pitchFamily="18" charset="0"/>
-              </a:rPr>
-              <a:t> </a:t>
-            </a:r>
-            <a:r>
-              <a:rPr lang="ar-SA" altLang="en-US" sz="2000" dirty="0">
-                <a:solidFill>
-                  <a:srgbClr val="000000"/>
-                </a:solidFill>
-                <a:latin typeface="Traditional Arabic"/>
-              </a:rPr>
-              <a:t>مضارع</a:t>
-            </a:r>
-            <a:r>
-              <a:rPr lang="en-US" altLang="en-US" sz="2000" dirty="0">
-                <a:solidFill>
-                  <a:srgbClr val="000000"/>
-                </a:solidFill>
-                <a:latin typeface="Calibri" panose="020F0502020204030204" pitchFamily="34" charset="0"/>
-              </a:rPr>
-              <a:t>: the imperfect tense (e.g. </a:t>
-            </a:r>
-            <a:r>
-              <a:rPr lang="ar-SA" altLang="en-US" sz="2000" dirty="0">
-                <a:solidFill>
-                  <a:srgbClr val="000000"/>
-                </a:solidFill>
-                <a:latin typeface="Traditional Arabic"/>
-              </a:rPr>
-              <a:t>يَضْرِب</a:t>
-            </a:r>
-            <a:r>
-              <a:rPr lang="en-US" altLang="en-US" sz="2000" dirty="0" smtClean="0">
-                <a:solidFill>
-                  <a:srgbClr val="000000"/>
-                </a:solidFill>
-                <a:latin typeface="Calibri" panose="020F0502020204030204" pitchFamily="34" charset="0"/>
-              </a:rPr>
-              <a:t>)</a:t>
-            </a:r>
-          </a:p>
-          <a:p>
-            <a:pPr lvl="1"/>
-            <a:r>
-              <a:rPr lang="en-US" altLang="en-US" sz="2000" dirty="0" smtClean="0">
-                <a:solidFill>
-                  <a:srgbClr val="000000"/>
-                </a:solidFill>
-                <a:latin typeface="Times New Roman" panose="02020603050405020304" pitchFamily="18" charset="0"/>
-                <a:cs typeface="Times New Roman" panose="02020603050405020304" pitchFamily="18" charset="0"/>
-              </a:rPr>
-              <a:t> </a:t>
-            </a:r>
-            <a:r>
-              <a:rPr lang="ar-SA" altLang="en-US" sz="2000" dirty="0" smtClean="0">
-                <a:solidFill>
-                  <a:srgbClr val="000000"/>
-                </a:solidFill>
-                <a:latin typeface="Traditional Arabic"/>
-              </a:rPr>
-              <a:t>امر</a:t>
-            </a:r>
-            <a:r>
-              <a:rPr lang="en-US" altLang="en-US" sz="2000" dirty="0">
-                <a:solidFill>
-                  <a:srgbClr val="000000"/>
-                </a:solidFill>
-                <a:latin typeface="Traditional Arabic"/>
-              </a:rPr>
-              <a:t> </a:t>
-            </a:r>
-            <a:r>
-              <a:rPr lang="ar-SA" altLang="en-US" sz="2000" dirty="0">
-                <a:solidFill>
-                  <a:srgbClr val="000000"/>
-                </a:solidFill>
-                <a:latin typeface="Traditional Arabic"/>
-              </a:rPr>
-              <a:t>حاضر</a:t>
-            </a:r>
-            <a:r>
-              <a:rPr lang="en-US" altLang="en-US" sz="2000" dirty="0">
-                <a:solidFill>
-                  <a:srgbClr val="000000"/>
-                </a:solidFill>
-                <a:latin typeface="Traditional Arabic"/>
-              </a:rPr>
-              <a:t> </a:t>
-            </a:r>
-            <a:r>
-              <a:rPr lang="ar-SA" altLang="en-US" sz="2000" dirty="0">
-                <a:solidFill>
-                  <a:srgbClr val="000000"/>
-                </a:solidFill>
-                <a:latin typeface="Traditional Arabic"/>
-              </a:rPr>
-              <a:t>معروف</a:t>
-            </a:r>
-            <a:r>
-              <a:rPr lang="en-US" altLang="en-US" sz="2000" dirty="0">
-                <a:solidFill>
-                  <a:srgbClr val="000000"/>
-                </a:solidFill>
-                <a:latin typeface="Calibri" panose="020F0502020204030204" pitchFamily="34" charset="0"/>
-              </a:rPr>
-              <a:t>: the second person, active imperative (e.g. </a:t>
-            </a:r>
-            <a:r>
-              <a:rPr lang="ar-SA" altLang="en-US" sz="2000" dirty="0">
-                <a:solidFill>
-                  <a:srgbClr val="000000"/>
-                </a:solidFill>
-                <a:latin typeface="Traditional Arabic"/>
-              </a:rPr>
-              <a:t>اِضْرِبْ</a:t>
-            </a:r>
-            <a:r>
-              <a:rPr lang="en-US" altLang="en-US" sz="2000" dirty="0" smtClean="0">
-                <a:solidFill>
-                  <a:srgbClr val="000000"/>
-                </a:solidFill>
-                <a:latin typeface="Calibri" panose="020F0502020204030204" pitchFamily="34" charset="0"/>
-              </a:rPr>
-              <a:t>)</a:t>
-            </a:r>
             <a:endParaRPr lang="en-US" altLang="en-US" dirty="0"/>
           </a:p>
           <a:p>
-            <a:pPr marL="457200" lvl="1" indent="0">
-              <a:buNone/>
-            </a:pPr>
-            <a:endParaRPr lang="en-US" altLang="en-US" dirty="0" smtClean="0"/>
+            <a:endParaRPr lang="en-US" dirty="0"/>
           </a:p>
         </p:txBody>
       </p:sp>
     </p:spTree>
     <p:extLst>
       <p:ext uri="{BB962C8B-B14F-4D97-AF65-F5344CB8AC3E}">
-        <p14:creationId xmlns:p14="http://schemas.microsoft.com/office/powerpoint/2010/main" val="381166815"/>
+        <p14:creationId xmlns:p14="http://schemas.microsoft.com/office/powerpoint/2010/main" val="3385971185"/>
       </p:ext>
     </p:extLst>
   </p:cSld>
@@ -11624,7 +10181,7 @@
             <a:pPr algn="ctr"/>
             <a:r>
               <a:rPr lang="en-US" dirty="0" smtClean="0"/>
-              <a:t>Computational Effort</a:t>
+              <a:t>Machine Translations</a:t>
             </a:r>
             <a:endParaRPr lang="en-US" dirty="0"/>
           </a:p>
@@ -11640,319 +10197,57 @@
             <p:ph idx="1"/>
           </p:nvPr>
         </p:nvSpPr>
-        <p:spPr>
-          <a:xfrm>
-            <a:off x="838200" y="1544270"/>
-            <a:ext cx="10515600" cy="5313729"/>
-          </a:xfrm>
-        </p:spPr>
+        <p:spPr/>
         <p:txBody>
-          <a:bodyPr>
-            <a:normAutofit fontScale="77500" lnSpcReduction="20000"/>
-          </a:bodyPr>
+          <a:bodyPr/>
           <a:lstStyle/>
           <a:p>
             <a:r>
               <a:rPr lang="en-US" dirty="0"/>
-              <a:t>Arabic NLP: Introduction to Arabic natural language </a:t>
+              <a:t>Hello, This is a presentation for language in 10 minutes and I'm speaking about </a:t>
             </a:r>
             <a:r>
               <a:rPr lang="en-US" dirty="0" smtClean="0"/>
-              <a:t>processing by </a:t>
-            </a:r>
+              <a:t>Arabic</a:t>
+            </a:r>
+          </a:p>
+          <a:p>
+            <a:r>
+              <a:rPr lang="ar-AE" dirty="0"/>
+              <a:t>مرحبا، وهذا هو عرض للغة في 10 دقيقة وأنا أتحدث عن اللغة </a:t>
+            </a:r>
+            <a:r>
+              <a:rPr lang="ar-AE" dirty="0" smtClean="0"/>
+              <a:t>العربية</a:t>
+            </a:r>
+            <a:endParaRPr lang="en-US" dirty="0" smtClean="0"/>
+          </a:p>
+          <a:p>
+            <a:endParaRPr lang="en-US" dirty="0"/>
+          </a:p>
+          <a:p>
+            <a:r>
+              <a:rPr lang="ar-AE" dirty="0"/>
+              <a:t>مرحبا، وهذا هو عرض للغة في 10 دقيقة وأنا أتحدث عن اللغة </a:t>
+            </a:r>
+            <a:r>
+              <a:rPr lang="ar-AE" dirty="0" smtClean="0"/>
+              <a:t>العربية</a:t>
+            </a:r>
+            <a:endParaRPr lang="en-US" dirty="0" smtClean="0"/>
+          </a:p>
+          <a:p>
             <a:r>
               <a:rPr lang="en-US" dirty="0"/>
-              <a:t>Nizar </a:t>
-            </a:r>
-            <a:r>
-              <a:rPr lang="en-US" dirty="0" err="1" smtClean="0"/>
-              <a:t>Habash</a:t>
-            </a:r>
-            <a:endParaRPr lang="en-US" dirty="0" smtClean="0"/>
-          </a:p>
-          <a:p>
-            <a:r>
-              <a:rPr lang="en-US" dirty="0" smtClean="0"/>
-              <a:t>Google Translate incorporated Arabic in April 2006</a:t>
-            </a:r>
-            <a:endParaRPr lang="en-US" dirty="0" smtClean="0"/>
-          </a:p>
-          <a:p>
-            <a:r>
-              <a:rPr lang="en-US" dirty="0" smtClean="0"/>
-              <a:t>Processing MSA: </a:t>
-            </a:r>
-            <a:endParaRPr lang="en-US" dirty="0"/>
-          </a:p>
-          <a:p>
-            <a:pPr lvl="1"/>
-            <a:r>
-              <a:rPr lang="en-US" dirty="0" smtClean="0"/>
-              <a:t>A </a:t>
-            </a:r>
-            <a:r>
-              <a:rPr lang="en-US" dirty="0"/>
-              <a:t>maximum entropy word aligner for Arabic-English machine translation, </a:t>
-            </a:r>
-            <a:r>
-              <a:rPr lang="en-US" dirty="0" err="1"/>
-              <a:t>Ittycheriah</a:t>
-            </a:r>
-            <a:r>
-              <a:rPr lang="en-US" dirty="0"/>
-              <a:t> and </a:t>
-            </a:r>
-            <a:r>
-              <a:rPr lang="en-US" dirty="0" err="1"/>
-              <a:t>Roukos</a:t>
-            </a:r>
-            <a:r>
-              <a:rPr lang="en-US" dirty="0"/>
-              <a:t>, ACL 2005 </a:t>
-            </a:r>
-          </a:p>
-          <a:p>
-            <a:pPr lvl="1"/>
-            <a:r>
-              <a:rPr lang="en-US" dirty="0" smtClean="0"/>
-              <a:t>MADA+TOKAN</a:t>
-            </a:r>
-            <a:r>
-              <a:rPr lang="en-US" dirty="0"/>
-              <a:t>: A Toolkit for Arabic Tokenization, </a:t>
-            </a:r>
-            <a:r>
-              <a:rPr lang="en-US" dirty="0" err="1"/>
-              <a:t>Diacritization</a:t>
-            </a:r>
-            <a:r>
-              <a:rPr lang="en-US" dirty="0"/>
-              <a:t>, Morphological Disambiguation, POS Tagging, Stemming and Lemmatization, </a:t>
-            </a:r>
-            <a:r>
-              <a:rPr lang="en-US" dirty="0" err="1"/>
-              <a:t>Habash</a:t>
-            </a:r>
-            <a:r>
-              <a:rPr lang="en-US" dirty="0"/>
-              <a:t> et al., MEDAR 2009 </a:t>
-            </a:r>
-            <a:endParaRPr lang="en-US" dirty="0" smtClean="0"/>
-          </a:p>
-          <a:p>
-            <a:pPr lvl="1"/>
-            <a:r>
-              <a:rPr lang="en-US" dirty="0" smtClean="0"/>
-              <a:t> </a:t>
-            </a:r>
-            <a:r>
-              <a:rPr lang="en-US" dirty="0"/>
-              <a:t>Arabic preprocessing schemes for statistical machine translation, </a:t>
-            </a:r>
-            <a:r>
-              <a:rPr lang="en-US" dirty="0" err="1"/>
-              <a:t>Habash</a:t>
-            </a:r>
-            <a:r>
-              <a:rPr lang="en-US" dirty="0"/>
-              <a:t> and Sadat, </a:t>
-            </a:r>
-            <a:r>
-              <a:rPr lang="en-US" dirty="0" smtClean="0"/>
-              <a:t>2006</a:t>
-            </a:r>
-          </a:p>
-          <a:p>
-            <a:pPr marL="228600" lvl="1">
-              <a:spcBef>
-                <a:spcPts val="1000"/>
-              </a:spcBef>
-            </a:pPr>
-            <a:r>
-              <a:rPr lang="en-US" dirty="0"/>
-              <a:t> </a:t>
-            </a:r>
-            <a:r>
-              <a:rPr lang="en-US" sz="2800" dirty="0"/>
-              <a:t>Processing</a:t>
-            </a:r>
-            <a:r>
-              <a:rPr lang="en-US" dirty="0"/>
-              <a:t> </a:t>
-            </a:r>
-            <a:r>
-              <a:rPr lang="en-US" sz="2800" dirty="0" smtClean="0"/>
-              <a:t>dialects: </a:t>
-            </a:r>
-          </a:p>
-          <a:p>
-            <a:pPr marL="685800" lvl="2">
-              <a:spcBef>
-                <a:spcPts val="1000"/>
-              </a:spcBef>
-            </a:pPr>
-            <a:r>
-              <a:rPr lang="en-US" sz="2400" dirty="0" smtClean="0"/>
-              <a:t>Parsing </a:t>
-            </a:r>
-            <a:r>
-              <a:rPr lang="en-US" sz="2400" dirty="0"/>
-              <a:t>Arabic Dialects, Chiang et al. EACL 2006 </a:t>
-            </a:r>
-          </a:p>
-          <a:p>
-            <a:pPr marL="685800" lvl="2">
-              <a:spcBef>
-                <a:spcPts val="1000"/>
-              </a:spcBef>
-            </a:pPr>
-            <a:r>
-              <a:rPr lang="en-US" sz="2400" dirty="0" smtClean="0"/>
-              <a:t>Morphological </a:t>
-            </a:r>
-            <a:r>
-              <a:rPr lang="en-US" sz="2400" dirty="0"/>
-              <a:t>Analysis and Disambiguation for Dialectal Arabic, </a:t>
-            </a:r>
-            <a:r>
-              <a:rPr lang="en-US" sz="2400" dirty="0" err="1"/>
-              <a:t>Habash</a:t>
-            </a:r>
-            <a:r>
-              <a:rPr lang="en-US" sz="2400" dirty="0"/>
-              <a:t> et al. NAACL HLT 2013 </a:t>
-            </a:r>
-            <a:endParaRPr lang="en-US" sz="2400" dirty="0" smtClean="0"/>
-          </a:p>
-          <a:p>
-            <a:pPr marL="685800" lvl="2">
-              <a:spcBef>
-                <a:spcPts val="1000"/>
-              </a:spcBef>
-            </a:pPr>
-            <a:r>
-              <a:rPr lang="en-US" sz="2400" dirty="0" smtClean="0"/>
-              <a:t>CODACT</a:t>
-            </a:r>
-            <a:r>
-              <a:rPr lang="en-US" sz="2400" dirty="0"/>
-              <a:t>: Towards Identifying Orthographic Variants in Dialectal Arabic, </a:t>
-            </a:r>
-            <a:r>
-              <a:rPr lang="en-US" sz="2400" dirty="0" err="1"/>
-              <a:t>Dasigi</a:t>
-            </a:r>
-            <a:r>
-              <a:rPr lang="en-US" sz="2400" dirty="0"/>
-              <a:t> and </a:t>
-            </a:r>
-            <a:r>
-              <a:rPr lang="en-US" sz="2400" dirty="0" err="1"/>
-              <a:t>Diab</a:t>
-            </a:r>
-            <a:r>
-              <a:rPr lang="en-US" sz="2400" dirty="0"/>
-              <a:t> , IJCNLP 2011 </a:t>
-            </a:r>
-            <a:endParaRPr lang="en-US" sz="2400" dirty="0" smtClean="0"/>
-          </a:p>
-          <a:p>
-            <a:pPr marL="685800" lvl="2">
-              <a:spcBef>
-                <a:spcPts val="1000"/>
-              </a:spcBef>
-            </a:pPr>
-            <a:r>
-              <a:rPr lang="en-US" sz="2400" dirty="0" smtClean="0"/>
-              <a:t> </a:t>
-            </a:r>
-            <a:r>
-              <a:rPr lang="en-US" sz="2400" dirty="0"/>
-              <a:t>Dialectal Arabic to English Machine Translation: Pivoting through Modern Standard Arabic, </a:t>
-            </a:r>
-            <a:r>
-              <a:rPr lang="en-US" sz="2400" dirty="0" err="1"/>
-              <a:t>Salloum</a:t>
-            </a:r>
-            <a:r>
-              <a:rPr lang="en-US" sz="2400" dirty="0"/>
-              <a:t> and </a:t>
-            </a:r>
-            <a:r>
-              <a:rPr lang="en-US" sz="2400" dirty="0" err="1"/>
-              <a:t>Habash</a:t>
-            </a:r>
-            <a:r>
-              <a:rPr lang="en-US" sz="2400" dirty="0"/>
-              <a:t>, Proceedings of NAACL-HLT </a:t>
-            </a:r>
-            <a:r>
-              <a:rPr lang="en-US" sz="2400" dirty="0" smtClean="0"/>
-              <a:t>2013</a:t>
-            </a:r>
-            <a:endParaRPr lang="en-US" altLang="en-US" sz="2400" dirty="0" smtClean="0"/>
-          </a:p>
-          <a:p>
-            <a:r>
-              <a:rPr lang="en-US" altLang="en-US" dirty="0" smtClean="0"/>
-              <a:t>MT-Archive: </a:t>
-            </a:r>
-          </a:p>
-          <a:p>
-            <a:pPr lvl="1"/>
-            <a:r>
-              <a:rPr lang="en-US" altLang="en-US" dirty="0" smtClean="0"/>
-              <a:t>There are </a:t>
-            </a:r>
-            <a:r>
-              <a:rPr lang="en-US" altLang="en-US" dirty="0" smtClean="0"/>
-              <a:t>more than </a:t>
-            </a:r>
-            <a:r>
-              <a:rPr lang="en-US" altLang="en-US" dirty="0" smtClean="0"/>
-              <a:t>200 entries since 2010</a:t>
-            </a:r>
-          </a:p>
-          <a:p>
-            <a:pPr lvl="1"/>
-            <a:r>
-              <a:rPr lang="en-US" altLang="en-US" dirty="0" smtClean="0"/>
-              <a:t>Most to do with speech recognition</a:t>
-            </a:r>
-            <a:r>
-              <a:rPr lang="en-US" altLang="en-US" dirty="0" smtClean="0"/>
-              <a:t>, improving certain </a:t>
-            </a:r>
-            <a:r>
-              <a:rPr lang="en-US" altLang="en-US" dirty="0" smtClean="0"/>
-              <a:t>aspects of machine translation</a:t>
-            </a:r>
-          </a:p>
-          <a:p>
-            <a:pPr lvl="1"/>
-            <a:endParaRPr lang="en-US" altLang="en-US" dirty="0" smtClean="0"/>
-          </a:p>
-          <a:p>
-            <a:pPr lvl="1"/>
-            <a:endParaRPr lang="en-US" altLang="en-US" dirty="0" smtClean="0"/>
-          </a:p>
-          <a:p>
-            <a:pPr lvl="1"/>
-            <a:endParaRPr lang="en-US" altLang="en-US" dirty="0"/>
-          </a:p>
-          <a:p>
-            <a:pPr lvl="1"/>
-            <a:endParaRPr lang="en-US" altLang="en-US" dirty="0"/>
-          </a:p>
-          <a:p>
-            <a:endParaRPr lang="en-US" dirty="0"/>
+              <a:t>Hello, this is the display language in 10 minutes and I'm talking about the Arabic language</a:t>
+            </a:r>
           </a:p>
         </p:txBody>
       </p:sp>
     </p:spTree>
     <p:extLst>
       <p:ext uri="{BB962C8B-B14F-4D97-AF65-F5344CB8AC3E}">
-        <p14:creationId xmlns:p14="http://schemas.microsoft.com/office/powerpoint/2010/main" val="3385971185"/>
+        <p14:creationId xmlns:p14="http://schemas.microsoft.com/office/powerpoint/2010/main" val="4064311549"/>
       </p:ext>
     </p:extLst>
   </p:cSld>
@@ -12144,11 +10439,7 @@
             <a:pPr lvl="2"/>
             <a:r>
               <a:rPr lang="en-US" dirty="0" smtClean="0"/>
-              <a:t>Inadequate </a:t>
-            </a:r>
-            <a:r>
-              <a:rPr lang="en-US" dirty="0" smtClean="0"/>
-              <a:t>lexicon</a:t>
+              <a:t>Inadequate lexicon</a:t>
             </a:r>
           </a:p>
           <a:p>
@@ -12201,21 +10492,8 @@
             <a:pPr lvl="1"/>
             <a:r>
               <a:rPr lang="en-US" dirty="0" smtClean="0"/>
-              <a:t>Addition(English </a:t>
-            </a:r>
-            <a:r>
-              <a:rPr lang="en-US" dirty="0" smtClean="0"/>
-              <a:t>to </a:t>
-            </a:r>
-            <a:r>
-              <a:rPr lang="en-US" dirty="0" smtClean="0"/>
-              <a:t>Arabic</a:t>
-            </a:r>
-            <a:r>
-              <a:rPr lang="en-US" dirty="0" smtClean="0"/>
-              <a:t>)</a:t>
-            </a:r>
-            <a:endParaRPr lang="en-US" dirty="0" smtClean="0"/>
+              <a:t>Addition(English to Arabic)</a:t>
+            </a:r>
           </a:p>
           <a:p>
             <a:pPr lvl="1"/>
@@ -12343,7 +10621,6 @@
               <a:rPr lang="en-US" dirty="0" smtClean="0"/>
               <a:t>Wikipedia</a:t>
             </a:r>
-            <a:endParaRPr lang="en-US" dirty="0" smtClean="0"/>
           </a:p>
           <a:p>
             <a:r>
@@ -12490,11 +10767,7 @@
           <a:p>
             <a:r>
               <a:rPr lang="en-US" dirty="0" smtClean="0"/>
-              <a:t>Some </a:t>
-            </a:r>
-            <a:r>
-              <a:rPr lang="en-US" dirty="0" smtClean="0"/>
-              <a:t>really good friends like Sana Nadeem and </a:t>
+              <a:t>Some really good friends like Sana Nadeem and </a:t>
             </a:r>
             <a:r>
               <a:rPr lang="en-US" dirty="0" err="1" smtClean="0"/>
@@ -12565,11 +10838,7 @@
             <a:pPr algn="ctr"/>
             <a:r>
               <a:rPr lang="en-US" dirty="0" smtClean="0"/>
-              <a:t>Facts about </a:t>
-            </a:r>
-            <a:r>
-              <a:rPr lang="en-US" dirty="0" smtClean="0"/>
-              <a:t>Arabic </a:t>
+              <a:t>Facts about Arabic </a:t>
             </a:r>
             <a:endParaRPr lang="en-US" dirty="0"/>
           </a:p>
@@ -12643,12 +10912,12 @@
               <a:t>Belongs to the </a:t>
             </a:r>
             <a:r>
-              <a:rPr lang="en-US" dirty="0" err="1" smtClean="0"/>
-              <a:t>Afroasiatic</a:t>
-            </a:r>
-            <a:r>
               <a:rPr lang="en-US" dirty="0" smtClean="0"/>
-              <a:t> family</a:t>
+              <a:t>Afro-asiatic </a:t>
+            </a:r>
+            <a:r>
+              <a:rPr lang="en-US" dirty="0" smtClean="0"/>
+              <a:t>family</a:t>
             </a:r>
           </a:p>
           <a:p>
@@ -12717,15 +10986,7 @@
           <a:p>
             <a:r>
               <a:rPr lang="en-US" dirty="0" smtClean="0"/>
-              <a:t>Influenced </a:t>
-            </a:r>
-            <a:r>
-              <a:rPr lang="en-US" dirty="0" smtClean="0"/>
-              <a:t>many other languages like Persian, Urdu, Hindi, </a:t>
-            </a:r>
-            <a:r>
-              <a:rPr lang="en-US" dirty="0" smtClean="0"/>
-              <a:t>Spanish, English </a:t>
+              <a:t>Influenced many other languages like Persian, Urdu, Hindi, Spanish, English </a:t>
             </a:r>
             <a:r>
               <a:rPr lang="en-US" dirty="0" err="1" smtClean="0"/>
@@ -12736,11 +10997,7 @@
           <a:p>
             <a:r>
               <a:rPr lang="en-US" dirty="0" smtClean="0"/>
-              <a:t>Arabic has borrowed from Hebrew, Aramaic, Greek, </a:t>
-            </a:r>
-            <a:r>
-              <a:rPr lang="en-US" dirty="0" smtClean="0"/>
-              <a:t>Kurdish </a:t>
+              <a:t>Arabic has borrowed from Hebrew, Aramaic, Greek, Kurdish </a:t>
             </a:r>
             <a:r>
               <a:rPr lang="en-US" dirty="0" err="1" smtClean="0"/>
@@ -12804,7 +11061,6 @@
               <a:rPr lang="en-US" dirty="0" smtClean="0"/>
               <a:t>Peninsular(Yemeni)</a:t>
             </a:r>
-            <a:endParaRPr lang="en-US" dirty="0" smtClean="0"/>
           </a:p>
           <a:p>
             <a:pPr marL="0" indent="0">
@@ -13098,23 +11354,17 @@
           <a:p>
             <a:r>
               <a:rPr lang="en-US" dirty="0" smtClean="0"/>
-              <a:t>353.5 Million total speakers</a:t>
-            </a:r>
-          </a:p>
-          <a:p>
+              <a:t>206 </a:t>
+            </a:r>
             <a:r>
               <a:rPr lang="en-US" dirty="0" smtClean="0"/>
-              <a:t>206 Million Native speakers</a:t>
+              <a:t>Million Native speakers</a:t>
             </a:r>
           </a:p>
           <a:p>
             <a:r>
               <a:rPr lang="en-US" dirty="0" smtClean="0"/>
-              <a:t>246 </a:t>
-            </a:r>
-            <a:r>
-              <a:rPr lang="en-US" dirty="0" smtClean="0"/>
-              <a:t>Million </a:t>
+              <a:t>246 Million </a:t>
             </a:r>
             <a:r>
               <a:rPr lang="en-US" dirty="0"/>
@@ -13122,13 +11372,8 @@
             </a:r>
             <a:r>
               <a:rPr lang="en-US" dirty="0" smtClean="0"/>
-              <a:t>a second </a:t>
-            </a:r>
-            <a:r>
-              <a:rPr lang="en-US" dirty="0" smtClean="0"/>
-              <a:t>language</a:t>
-            </a:r>
-            <a:endParaRPr lang="en-US" dirty="0" smtClean="0"/>
+              <a:t>a second language</a:t>
+            </a:r>
           </a:p>
           <a:p>
             <a:r>
@@ -13139,15 +11384,7 @@
           <a:p>
             <a:r>
               <a:rPr lang="en-US" dirty="0" smtClean="0"/>
-              <a:t>Official language of </a:t>
-            </a:r>
-            <a:r>
-              <a:rPr lang="en-US" dirty="0" smtClean="0"/>
-              <a:t>Algeria, </a:t>
-            </a:r>
-            <a:r>
-              <a:rPr lang="en-US" dirty="0" smtClean="0"/>
-              <a:t>Bahrain, Chad, Iraq, Israel </a:t>
+              <a:t>Official language of Algeria, Bahrain, Chad, Iraq, Israel </a:t>
             </a:r>
             <a:r>
               <a:rPr lang="en-US" dirty="0" err="1" smtClean="0"/>
@@ -13214,7 +11451,12 @@
             <p:ph type="title"/>
           </p:nvPr>
         </p:nvSpPr>
-        <p:spPr/>
+        <p:spPr>
+          <a:xfrm>
+            <a:off x="838200" y="-257578"/>
+            <a:ext cx="10515600" cy="1325563"/>
+          </a:xfrm>
+        </p:spPr>
         <p:txBody>
           <a:bodyPr/>
           <a:lstStyle/>
@@ -13252,8 +11494,8 @@
         </p:blipFill>
         <p:spPr>
           <a:xfrm>
-            <a:off x="2559324" y="1389526"/>
-            <a:ext cx="7073352" cy="5468474"/>
+            <a:off x="1941137" y="731820"/>
+            <a:ext cx="7924080" cy="6126180"/>
           </a:xfrm>
         </p:spPr>
       </p:pic>
@@ -13348,7 +11590,7 @@
         </p:blipFill>
         <p:spPr bwMode="auto">
           <a:xfrm>
-            <a:off x="527424" y="1030214"/>
+            <a:off x="527424" y="1043093"/>
             <a:ext cx="12242426" cy="5532024"/>
           </a:xfrm>
           <a:prstGeom prst="rect">
@@ -13767,7 +12009,7 @@
             <a:pPr algn="ctr"/>
             <a:r>
               <a:rPr lang="en-US" dirty="0" smtClean="0"/>
-              <a:t>Machine Translations</a:t>
+              <a:t>Morphology</a:t>
             </a:r>
             <a:endParaRPr lang="en-US" dirty="0"/>
           </a:p>
@@ -13789,51 +12031,1735 @@
           <a:lstStyle/>
           <a:p>
             <a:r>
+              <a:rPr lang="en-US" dirty="0" smtClean="0"/>
+              <a:t>Words in Arabic are divided into:</a:t>
+            </a:r>
+          </a:p>
+          <a:p>
+            <a:pPr lvl="1"/>
+            <a:r>
+              <a:rPr lang="ar-AE" dirty="0"/>
+              <a:t> </a:t>
+            </a:r>
+            <a:r>
+              <a:rPr lang="ar-AE" dirty="0" smtClean="0"/>
+              <a:t>اِسْم</a:t>
+            </a:r>
+            <a:r>
+              <a:rPr lang="en-US" dirty="0" smtClean="0"/>
+              <a:t> : includes </a:t>
+            </a:r>
+            <a:r>
               <a:rPr lang="en-US" dirty="0"/>
-              <a:t>Hello, This is a presentation for language in 10 minutes and I'm speaking about </a:t>
+              <a:t>nouns, pronouns, adjectives, adverbs, </a:t>
+            </a:r>
+            <a:r>
+              <a:rPr lang="en-US" dirty="0" err="1" smtClean="0"/>
+              <a:t>etc</a:t>
+            </a:r>
+            <a:endParaRPr lang="en-US" dirty="0" smtClean="0"/>
+          </a:p>
+          <a:p>
+            <a:pPr lvl="1"/>
+            <a:r>
+              <a:rPr lang="ar-AE" dirty="0"/>
+              <a:t> </a:t>
+            </a:r>
+            <a:r>
+              <a:rPr lang="ar-AE" dirty="0" smtClean="0"/>
+              <a:t>فِعْل</a:t>
             </a:r>
             <a:r>
               <a:rPr lang="en-US" dirty="0" smtClean="0"/>
-              <a:t>Arabic</a:t>
-            </a:r>
-          </a:p>
-          <a:p>
+              <a:t> : verbs</a:t>
+            </a:r>
+          </a:p>
+          <a:p>
+            <a:pPr lvl="1"/>
             <a:r>
               <a:rPr lang="ar-AE" dirty="0"/>
-              <a:t>مرحبا، وهذا هو عرض للغة في 10 دقيقة وأنا أتحدث عن اللغة </a:t>
+              <a:t>  </a:t>
             </a:r>
             <a:r>
               <a:rPr lang="ar-AE" dirty="0" smtClean="0"/>
-              <a:t>العربية</a:t>
-            </a:r>
+              <a:t>حَرْف</a:t>
+            </a:r>
+            <a:r>
+              <a:rPr lang="en-US" dirty="0" smtClean="0"/>
+              <a:t>: particles</a:t>
+            </a:r>
+            <a:r>
+              <a:rPr lang="en-US" dirty="0"/>
+              <a:t>, articles, and </a:t>
+            </a:r>
+            <a:r>
+              <a:rPr lang="en-US" dirty="0" smtClean="0"/>
+              <a:t>conjunctions</a:t>
+            </a:r>
+          </a:p>
+          <a:p>
+            <a:pPr lvl="1"/>
+            <a:endParaRPr lang="en-US" dirty="0"/>
+          </a:p>
+          <a:p>
+            <a:pPr lvl="1"/>
             <a:endParaRPr lang="en-US" dirty="0" smtClean="0"/>
           </a:p>
-          <a:p>
-            <a:endParaRPr lang="en-US" dirty="0"/>
-          </a:p>
-          <a:p>
-            <a:r>
-              <a:rPr lang="ar-AE" dirty="0"/>
-              <a:t>مرحبا، وهذا هو عرض للغة في 10 دقيقة وأنا أتحدث عن اللغة </a:t>
-            </a:r>
-            <a:r>
-              <a:rPr lang="ar-AE" dirty="0" smtClean="0"/>
-              <a:t>العربية</a:t>
-            </a:r>
-            <a:endParaRPr lang="en-US" dirty="0" smtClean="0"/>
-          </a:p>
-          <a:p>
-            <a:r>
-              <a:rPr lang="en-US" dirty="0"/>
-              <a:t>Hello, this is the display language in 10 minutes and I'm talking about the Arabic language</a:t>
-            </a:r>
+        </p:txBody>
+      </p:sp>
+      <p:graphicFrame>
+        <p:nvGraphicFramePr>
+          <p:cNvPr id="5" name="Table 4"/>
+          <p:cNvGraphicFramePr>
+            <a:graphicFrameLocks noGrp="1"/>
+          </p:cNvGraphicFramePr>
+          <p:nvPr>
+            <p:extLst>
+              <p:ext uri="{D42A27DB-BD31-4B8C-83A1-F6EECF244321}">
+                <p14:modId xmlns:p14="http://schemas.microsoft.com/office/powerpoint/2010/main" val="3422193325"/>
+              </p:ext>
+            </p:extLst>
+          </p:nvPr>
+        </p:nvGraphicFramePr>
+        <p:xfrm>
+          <a:off x="838200" y="4117340"/>
+          <a:ext cx="10515600" cy="2194560"/>
+        </p:xfrm>
+        <a:graphic>
+          <a:graphicData uri="http://schemas.openxmlformats.org/drawingml/2006/table">
+            <a:tbl>
+              <a:tblPr/>
+              <a:tblGrid>
+                <a:gridCol w="2103120"/>
+                <a:gridCol w="2103120"/>
+                <a:gridCol w="2103120"/>
+                <a:gridCol w="2103120"/>
+                <a:gridCol w="2103120"/>
+              </a:tblGrid>
+              <a:tr h="0">
+                <a:tc gridSpan="2">
+                  <a:txBody>
+                    <a:bodyPr/>
+                    <a:lstStyle/>
+                    <a:p>
+                      <a:pPr algn="ctr"/>
+                      <a:r>
+                        <a:rPr lang="en-US" dirty="0">
+                          <a:effectLst/>
+                        </a:rPr>
+                        <a:t>Person</a:t>
+                      </a:r>
+                    </a:p>
+                  </a:txBody>
+                  <a:tcPr anchor="ctr">
+                    <a:lnL w="9525" cap="flat" cmpd="sng" algn="ctr">
+                      <a:solidFill>
+                        <a:srgbClr val="AAAAAA"/>
+                      </a:solidFill>
+                      <a:prstDash val="solid"/>
+                      <a:round/>
+                      <a:headEnd type="none" w="med" len="med"/>
+                      <a:tailEnd type="none" w="med" len="med"/>
+                    </a:lnL>
+                    <a:lnR w="9525" cap="flat" cmpd="sng" algn="ctr">
+                      <a:solidFill>
+                        <a:srgbClr val="AAAAAA"/>
+                      </a:solidFill>
+                      <a:prstDash val="solid"/>
+                      <a:round/>
+                      <a:headEnd type="none" w="med" len="med"/>
+                      <a:tailEnd type="none" w="med" len="med"/>
+                    </a:lnR>
+                    <a:lnT w="9525" cap="flat" cmpd="sng" algn="ctr">
+                      <a:solidFill>
+                        <a:srgbClr val="AAAAAA"/>
+                      </a:solidFill>
+                      <a:prstDash val="solid"/>
+                      <a:round/>
+                      <a:headEnd type="none" w="med" len="med"/>
+                      <a:tailEnd type="none" w="med" len="med"/>
+                    </a:lnT>
+                    <a:lnB w="9525" cap="flat" cmpd="sng" algn="ctr">
+                      <a:solidFill>
+                        <a:srgbClr val="AAAAAA"/>
+                      </a:solidFill>
+                      <a:prstDash val="solid"/>
+                      <a:round/>
+                      <a:headEnd type="none" w="med" len="med"/>
+                      <a:tailEnd type="none" w="med" len="med"/>
+                    </a:lnB>
+                    <a:solidFill>
+                      <a:srgbClr val="F2F2F2"/>
+                    </a:solidFill>
+                  </a:tcPr>
+                </a:tc>
+                <a:tc hMerge="1">
+                  <a:txBody>
+                    <a:bodyPr/>
+                    <a:lstStyle/>
+                    <a:p>
+                      <a:endParaRPr lang="en-US"/>
+                    </a:p>
+                  </a:txBody>
+                  <a:tcPr/>
+                </a:tc>
+                <a:tc>
+                  <a:txBody>
+                    <a:bodyPr/>
+                    <a:lstStyle/>
+                    <a:p>
+                      <a:pPr algn="ctr"/>
+                      <a:r>
+                        <a:rPr lang="en-US">
+                          <a:effectLst/>
+                        </a:rPr>
+                        <a:t>Singular</a:t>
+                      </a:r>
+                    </a:p>
+                  </a:txBody>
+                  <a:tcPr anchor="ctr">
+                    <a:lnL w="9525" cap="flat" cmpd="sng" algn="ctr">
+                      <a:solidFill>
+                        <a:srgbClr val="AAAAAA"/>
+                      </a:solidFill>
+                      <a:prstDash val="solid"/>
+                      <a:round/>
+                      <a:headEnd type="none" w="med" len="med"/>
+                      <a:tailEnd type="none" w="med" len="med"/>
+                    </a:lnL>
+                    <a:lnR w="9525" cap="flat" cmpd="sng" algn="ctr">
+                      <a:solidFill>
+                        <a:srgbClr val="AAAAAA"/>
+                      </a:solidFill>
+                      <a:prstDash val="solid"/>
+                      <a:round/>
+                      <a:headEnd type="none" w="med" len="med"/>
+                      <a:tailEnd type="none" w="med" len="med"/>
+                    </a:lnR>
+                    <a:lnT w="9525" cap="flat" cmpd="sng" algn="ctr">
+                      <a:solidFill>
+                        <a:srgbClr val="AAAAAA"/>
+                      </a:solidFill>
+                      <a:prstDash val="solid"/>
+                      <a:round/>
+                      <a:headEnd type="none" w="med" len="med"/>
+                      <a:tailEnd type="none" w="med" len="med"/>
+                    </a:lnT>
+                    <a:lnB w="9525" cap="flat" cmpd="sng" algn="ctr">
+                      <a:solidFill>
+                        <a:srgbClr val="AAAAAA"/>
+                      </a:solidFill>
+                      <a:prstDash val="solid"/>
+                      <a:round/>
+                      <a:headEnd type="none" w="med" len="med"/>
+                      <a:tailEnd type="none" w="med" len="med"/>
+                    </a:lnB>
+                    <a:solidFill>
+                      <a:srgbClr val="F2F2F2"/>
+                    </a:solidFill>
+                  </a:tcPr>
+                </a:tc>
+                <a:tc>
+                  <a:txBody>
+                    <a:bodyPr/>
+                    <a:lstStyle/>
+                    <a:p>
+                      <a:pPr algn="ctr"/>
+                      <a:r>
+                        <a:rPr lang="en-US">
+                          <a:effectLst/>
+                        </a:rPr>
+                        <a:t>Dual</a:t>
+                      </a:r>
+                    </a:p>
+                  </a:txBody>
+                  <a:tcPr anchor="ctr">
+                    <a:lnL w="9525" cap="flat" cmpd="sng" algn="ctr">
+                      <a:solidFill>
+                        <a:srgbClr val="AAAAAA"/>
+                      </a:solidFill>
+                      <a:prstDash val="solid"/>
+                      <a:round/>
+                      <a:headEnd type="none" w="med" len="med"/>
+                      <a:tailEnd type="none" w="med" len="med"/>
+                    </a:lnL>
+                    <a:lnR w="9525" cap="flat" cmpd="sng" algn="ctr">
+                      <a:solidFill>
+                        <a:srgbClr val="AAAAAA"/>
+                      </a:solidFill>
+                      <a:prstDash val="solid"/>
+                      <a:round/>
+                      <a:headEnd type="none" w="med" len="med"/>
+                      <a:tailEnd type="none" w="med" len="med"/>
+                    </a:lnR>
+                    <a:lnT w="9525" cap="flat" cmpd="sng" algn="ctr">
+                      <a:solidFill>
+                        <a:srgbClr val="AAAAAA"/>
+                      </a:solidFill>
+                      <a:prstDash val="solid"/>
+                      <a:round/>
+                      <a:headEnd type="none" w="med" len="med"/>
+                      <a:tailEnd type="none" w="med" len="med"/>
+                    </a:lnT>
+                    <a:lnB w="9525" cap="flat" cmpd="sng" algn="ctr">
+                      <a:solidFill>
+                        <a:srgbClr val="AAAAAA"/>
+                      </a:solidFill>
+                      <a:prstDash val="solid"/>
+                      <a:round/>
+                      <a:headEnd type="none" w="med" len="med"/>
+                      <a:tailEnd type="none" w="med" len="med"/>
+                    </a:lnB>
+                    <a:solidFill>
+                      <a:srgbClr val="F2F2F2"/>
+                    </a:solidFill>
+                  </a:tcPr>
+                </a:tc>
+                <a:tc>
+                  <a:txBody>
+                    <a:bodyPr/>
+                    <a:lstStyle/>
+                    <a:p>
+                      <a:pPr algn="ctr"/>
+                      <a:r>
+                        <a:rPr lang="en-US">
+                          <a:effectLst/>
+                        </a:rPr>
+                        <a:t>Plural</a:t>
+                      </a:r>
+                    </a:p>
+                  </a:txBody>
+                  <a:tcPr anchor="ctr">
+                    <a:lnL w="9525" cap="flat" cmpd="sng" algn="ctr">
+                      <a:solidFill>
+                        <a:srgbClr val="AAAAAA"/>
+                      </a:solidFill>
+                      <a:prstDash val="solid"/>
+                      <a:round/>
+                      <a:headEnd type="none" w="med" len="med"/>
+                      <a:tailEnd type="none" w="med" len="med"/>
+                    </a:lnL>
+                    <a:lnR w="9525" cap="flat" cmpd="sng" algn="ctr">
+                      <a:solidFill>
+                        <a:srgbClr val="AAAAAA"/>
+                      </a:solidFill>
+                      <a:prstDash val="solid"/>
+                      <a:round/>
+                      <a:headEnd type="none" w="med" len="med"/>
+                      <a:tailEnd type="none" w="med" len="med"/>
+                    </a:lnR>
+                    <a:lnT w="9525" cap="flat" cmpd="sng" algn="ctr">
+                      <a:solidFill>
+                        <a:srgbClr val="AAAAAA"/>
+                      </a:solidFill>
+                      <a:prstDash val="solid"/>
+                      <a:round/>
+                      <a:headEnd type="none" w="med" len="med"/>
+                      <a:tailEnd type="none" w="med" len="med"/>
+                    </a:lnT>
+                    <a:lnB w="9525" cap="flat" cmpd="sng" algn="ctr">
+                      <a:solidFill>
+                        <a:srgbClr val="AAAAAA"/>
+                      </a:solidFill>
+                      <a:prstDash val="solid"/>
+                      <a:round/>
+                      <a:headEnd type="none" w="med" len="med"/>
+                      <a:tailEnd type="none" w="med" len="med"/>
+                    </a:lnB>
+                    <a:solidFill>
+                      <a:srgbClr val="F2F2F2"/>
+                    </a:solidFill>
+                  </a:tcPr>
+                </a:tc>
+              </a:tr>
+              <a:tr h="0">
+                <a:tc gridSpan="2">
+                  <a:txBody>
+                    <a:bodyPr/>
+                    <a:lstStyle/>
+                    <a:p>
+                      <a:pPr algn="ctr"/>
+                      <a:r>
+                        <a:rPr lang="en-US">
+                          <a:effectLst/>
+                        </a:rPr>
+                        <a:t>1st</a:t>
+                      </a:r>
+                    </a:p>
+                  </a:txBody>
+                  <a:tcPr anchor="ctr">
+                    <a:lnL w="9525" cap="flat" cmpd="sng" algn="ctr">
+                      <a:solidFill>
+                        <a:srgbClr val="AAAAAA"/>
+                      </a:solidFill>
+                      <a:prstDash val="solid"/>
+                      <a:round/>
+                      <a:headEnd type="none" w="med" len="med"/>
+                      <a:tailEnd type="none" w="med" len="med"/>
+                    </a:lnL>
+                    <a:lnR w="9525" cap="flat" cmpd="sng" algn="ctr">
+                      <a:solidFill>
+                        <a:srgbClr val="AAAAAA"/>
+                      </a:solidFill>
+                      <a:prstDash val="solid"/>
+                      <a:round/>
+                      <a:headEnd type="none" w="med" len="med"/>
+                      <a:tailEnd type="none" w="med" len="med"/>
+                    </a:lnR>
+                    <a:lnT w="9525" cap="flat" cmpd="sng" algn="ctr">
+                      <a:solidFill>
+                        <a:srgbClr val="AAAAAA"/>
+                      </a:solidFill>
+                      <a:prstDash val="solid"/>
+                      <a:round/>
+                      <a:headEnd type="none" w="med" len="med"/>
+                      <a:tailEnd type="none" w="med" len="med"/>
+                    </a:lnT>
+                    <a:lnB w="9525" cap="flat" cmpd="sng" algn="ctr">
+                      <a:solidFill>
+                        <a:srgbClr val="AAAAAA"/>
+                      </a:solidFill>
+                      <a:prstDash val="solid"/>
+                      <a:round/>
+                      <a:headEnd type="none" w="med" len="med"/>
+                      <a:tailEnd type="none" w="med" len="med"/>
+                    </a:lnB>
+                    <a:solidFill>
+                      <a:srgbClr val="F2F2F2"/>
+                    </a:solidFill>
+                  </a:tcPr>
+                </a:tc>
+                <a:tc hMerge="1">
+                  <a:txBody>
+                    <a:bodyPr/>
+                    <a:lstStyle/>
+                    <a:p>
+                      <a:endParaRPr lang="en-US"/>
+                    </a:p>
+                  </a:txBody>
+                  <a:tcPr/>
+                </a:tc>
+                <a:tc>
+                  <a:txBody>
+                    <a:bodyPr/>
+                    <a:lstStyle/>
+                    <a:p>
+                      <a:r>
+                        <a:rPr lang="en-US" i="1" u="none" strike="noStrike">
+                          <a:effectLst/>
+                        </a:rPr>
+                        <a:t>anā</a:t>
+                      </a:r>
+                      <a:r>
+                        <a:rPr lang="en-US">
+                          <a:effectLst/>
+                        </a:rPr>
+                        <a:t> </a:t>
+                      </a:r>
+                      <a:r>
+                        <a:rPr lang="ar-AE">
+                          <a:effectLst/>
+                        </a:rPr>
+                        <a:t>أنا</a:t>
+                      </a:r>
+                    </a:p>
+                  </a:txBody>
+                  <a:tcPr anchor="ctr">
+                    <a:lnL w="9525" cap="flat" cmpd="sng" algn="ctr">
+                      <a:solidFill>
+                        <a:srgbClr val="AAAAAA"/>
+                      </a:solidFill>
+                      <a:prstDash val="solid"/>
+                      <a:round/>
+                      <a:headEnd type="none" w="med" len="med"/>
+                      <a:tailEnd type="none" w="med" len="med"/>
+                    </a:lnL>
+                    <a:lnR w="9525" cap="flat" cmpd="sng" algn="ctr">
+                      <a:solidFill>
+                        <a:srgbClr val="AAAAAA"/>
+                      </a:solidFill>
+                      <a:prstDash val="solid"/>
+                      <a:round/>
+                      <a:headEnd type="none" w="med" len="med"/>
+                      <a:tailEnd type="none" w="med" len="med"/>
+                    </a:lnR>
+                    <a:lnT w="9525" cap="flat" cmpd="sng" algn="ctr">
+                      <a:solidFill>
+                        <a:srgbClr val="AAAAAA"/>
+                      </a:solidFill>
+                      <a:prstDash val="solid"/>
+                      <a:round/>
+                      <a:headEnd type="none" w="med" len="med"/>
+                      <a:tailEnd type="none" w="med" len="med"/>
+                    </a:lnT>
+                    <a:lnB w="9525" cap="flat" cmpd="sng" algn="ctr">
+                      <a:solidFill>
+                        <a:srgbClr val="AAAAAA"/>
+                      </a:solidFill>
+                      <a:prstDash val="solid"/>
+                      <a:round/>
+                      <a:headEnd type="none" w="med" len="med"/>
+                      <a:tailEnd type="none" w="med" len="med"/>
+                    </a:lnB>
+                    <a:solidFill>
+                      <a:srgbClr val="F9F9F9"/>
+                    </a:solidFill>
+                  </a:tcPr>
+                </a:tc>
+                <a:tc gridSpan="2">
+                  <a:txBody>
+                    <a:bodyPr/>
+                    <a:lstStyle/>
+                    <a:p>
+                      <a:pPr algn="ctr"/>
+                      <a:r>
+                        <a:rPr lang="en-US" i="1" u="none" strike="noStrike" dirty="0" err="1">
+                          <a:effectLst/>
+                        </a:rPr>
+                        <a:t>naḥnu</a:t>
+                      </a:r>
+                      <a:r>
+                        <a:rPr lang="en-US" dirty="0">
+                          <a:effectLst/>
+                        </a:rPr>
+                        <a:t> </a:t>
+                      </a:r>
+                      <a:r>
+                        <a:rPr lang="ar-AE" dirty="0">
+                          <a:effectLst/>
+                        </a:rPr>
+                        <a:t>نحن</a:t>
+                      </a:r>
+                    </a:p>
+                  </a:txBody>
+                  <a:tcPr anchor="ctr">
+                    <a:lnL w="9525" cap="flat" cmpd="sng" algn="ctr">
+                      <a:solidFill>
+                        <a:srgbClr val="AAAAAA"/>
+                      </a:solidFill>
+                      <a:prstDash val="solid"/>
+                      <a:round/>
+                      <a:headEnd type="none" w="med" len="med"/>
+                      <a:tailEnd type="none" w="med" len="med"/>
+                    </a:lnL>
+                    <a:lnR w="9525" cap="flat" cmpd="sng" algn="ctr">
+                      <a:solidFill>
+                        <a:srgbClr val="AAAAAA"/>
+                      </a:solidFill>
+                      <a:prstDash val="solid"/>
+                      <a:round/>
+                      <a:headEnd type="none" w="med" len="med"/>
+                      <a:tailEnd type="none" w="med" len="med"/>
+                    </a:lnR>
+                    <a:lnT w="9525" cap="flat" cmpd="sng" algn="ctr">
+                      <a:solidFill>
+                        <a:srgbClr val="AAAAAA"/>
+                      </a:solidFill>
+                      <a:prstDash val="solid"/>
+                      <a:round/>
+                      <a:headEnd type="none" w="med" len="med"/>
+                      <a:tailEnd type="none" w="med" len="med"/>
+                    </a:lnT>
+                    <a:lnB w="9525" cap="flat" cmpd="sng" algn="ctr">
+                      <a:solidFill>
+                        <a:srgbClr val="AAAAAA"/>
+                      </a:solidFill>
+                      <a:prstDash val="solid"/>
+                      <a:round/>
+                      <a:headEnd type="none" w="med" len="med"/>
+                      <a:tailEnd type="none" w="med" len="med"/>
+                    </a:lnB>
+                    <a:solidFill>
+                      <a:srgbClr val="F9F9F9"/>
+                    </a:solidFill>
+                  </a:tcPr>
+                </a:tc>
+                <a:tc hMerge="1">
+                  <a:txBody>
+                    <a:bodyPr/>
+                    <a:lstStyle/>
+                    <a:p>
+                      <a:endParaRPr lang="en-US"/>
+                    </a:p>
+                  </a:txBody>
+                  <a:tcPr/>
+                </a:tc>
+              </a:tr>
+              <a:tr h="0">
+                <a:tc rowSpan="2">
+                  <a:txBody>
+                    <a:bodyPr/>
+                    <a:lstStyle/>
+                    <a:p>
+                      <a:pPr algn="ctr"/>
+                      <a:r>
+                        <a:rPr lang="en-US">
+                          <a:effectLst/>
+                        </a:rPr>
+                        <a:t>2nd</a:t>
+                      </a:r>
+                    </a:p>
+                  </a:txBody>
+                  <a:tcPr anchor="ctr">
+                    <a:lnL w="9525" cap="flat" cmpd="sng" algn="ctr">
+                      <a:solidFill>
+                        <a:srgbClr val="AAAAAA"/>
+                      </a:solidFill>
+                      <a:prstDash val="solid"/>
+                      <a:round/>
+                      <a:headEnd type="none" w="med" len="med"/>
+                      <a:tailEnd type="none" w="med" len="med"/>
+                    </a:lnL>
+                    <a:lnR w="9525" cap="flat" cmpd="sng" algn="ctr">
+                      <a:solidFill>
+                        <a:srgbClr val="AAAAAA"/>
+                      </a:solidFill>
+                      <a:prstDash val="solid"/>
+                      <a:round/>
+                      <a:headEnd type="none" w="med" len="med"/>
+                      <a:tailEnd type="none" w="med" len="med"/>
+                    </a:lnR>
+                    <a:lnT w="9525" cap="flat" cmpd="sng" algn="ctr">
+                      <a:solidFill>
+                        <a:srgbClr val="AAAAAA"/>
+                      </a:solidFill>
+                      <a:prstDash val="solid"/>
+                      <a:round/>
+                      <a:headEnd type="none" w="med" len="med"/>
+                      <a:tailEnd type="none" w="med" len="med"/>
+                    </a:lnT>
+                    <a:lnB w="9525" cap="flat" cmpd="sng" algn="ctr">
+                      <a:solidFill>
+                        <a:srgbClr val="AAAAAA"/>
+                      </a:solidFill>
+                      <a:prstDash val="solid"/>
+                      <a:round/>
+                      <a:headEnd type="none" w="med" len="med"/>
+                      <a:tailEnd type="none" w="med" len="med"/>
+                    </a:lnB>
+                    <a:solidFill>
+                      <a:srgbClr val="F2F2F2"/>
+                    </a:solidFill>
+                  </a:tcPr>
+                </a:tc>
+                <a:tc>
+                  <a:txBody>
+                    <a:bodyPr/>
+                    <a:lstStyle/>
+                    <a:p>
+                      <a:pPr algn="ctr"/>
+                      <a:r>
+                        <a:rPr lang="en-US">
+                          <a:effectLst/>
+                        </a:rPr>
+                        <a:t>masculine</a:t>
+                      </a:r>
+                    </a:p>
+                  </a:txBody>
+                  <a:tcPr anchor="ctr">
+                    <a:lnL w="9525" cap="flat" cmpd="sng" algn="ctr">
+                      <a:solidFill>
+                        <a:srgbClr val="AAAAAA"/>
+                      </a:solidFill>
+                      <a:prstDash val="solid"/>
+                      <a:round/>
+                      <a:headEnd type="none" w="med" len="med"/>
+                      <a:tailEnd type="none" w="med" len="med"/>
+                    </a:lnL>
+                    <a:lnR w="9525" cap="flat" cmpd="sng" algn="ctr">
+                      <a:solidFill>
+                        <a:srgbClr val="AAAAAA"/>
+                      </a:solidFill>
+                      <a:prstDash val="solid"/>
+                      <a:round/>
+                      <a:headEnd type="none" w="med" len="med"/>
+                      <a:tailEnd type="none" w="med" len="med"/>
+                    </a:lnR>
+                    <a:lnT w="9525" cap="flat" cmpd="sng" algn="ctr">
+                      <a:solidFill>
+                        <a:srgbClr val="AAAAAA"/>
+                      </a:solidFill>
+                      <a:prstDash val="solid"/>
+                      <a:round/>
+                      <a:headEnd type="none" w="med" len="med"/>
+                      <a:tailEnd type="none" w="med" len="med"/>
+                    </a:lnT>
+                    <a:lnB w="9525" cap="flat" cmpd="sng" algn="ctr">
+                      <a:solidFill>
+                        <a:srgbClr val="AAAAAA"/>
+                      </a:solidFill>
+                      <a:prstDash val="solid"/>
+                      <a:round/>
+                      <a:headEnd type="none" w="med" len="med"/>
+                      <a:tailEnd type="none" w="med" len="med"/>
+                    </a:lnB>
+                    <a:solidFill>
+                      <a:srgbClr val="F2F2F2"/>
+                    </a:solidFill>
+                  </a:tcPr>
+                </a:tc>
+                <a:tc>
+                  <a:txBody>
+                    <a:bodyPr/>
+                    <a:lstStyle/>
+                    <a:p>
+                      <a:r>
+                        <a:rPr lang="en-US" i="1" u="none" strike="noStrike">
+                          <a:effectLst/>
+                        </a:rPr>
+                        <a:t>anta</a:t>
+                      </a:r>
+                      <a:r>
+                        <a:rPr lang="en-US">
+                          <a:effectLst/>
+                        </a:rPr>
+                        <a:t> </a:t>
+                      </a:r>
+                      <a:r>
+                        <a:rPr lang="ar-AE">
+                          <a:effectLst/>
+                        </a:rPr>
+                        <a:t>أنت</a:t>
+                      </a:r>
+                    </a:p>
+                  </a:txBody>
+                  <a:tcPr anchor="ctr">
+                    <a:lnL w="9525" cap="flat" cmpd="sng" algn="ctr">
+                      <a:solidFill>
+                        <a:srgbClr val="AAAAAA"/>
+                      </a:solidFill>
+                      <a:prstDash val="solid"/>
+                      <a:round/>
+                      <a:headEnd type="none" w="med" len="med"/>
+                      <a:tailEnd type="none" w="med" len="med"/>
+                    </a:lnL>
+                    <a:lnR w="9525" cap="flat" cmpd="sng" algn="ctr">
+                      <a:solidFill>
+                        <a:srgbClr val="AAAAAA"/>
+                      </a:solidFill>
+                      <a:prstDash val="solid"/>
+                      <a:round/>
+                      <a:headEnd type="none" w="med" len="med"/>
+                      <a:tailEnd type="none" w="med" len="med"/>
+                    </a:lnR>
+                    <a:lnT w="9525" cap="flat" cmpd="sng" algn="ctr">
+                      <a:solidFill>
+                        <a:srgbClr val="AAAAAA"/>
+                      </a:solidFill>
+                      <a:prstDash val="solid"/>
+                      <a:round/>
+                      <a:headEnd type="none" w="med" len="med"/>
+                      <a:tailEnd type="none" w="med" len="med"/>
+                    </a:lnT>
+                    <a:lnB w="9525" cap="flat" cmpd="sng" algn="ctr">
+                      <a:solidFill>
+                        <a:srgbClr val="AAAAAA"/>
+                      </a:solidFill>
+                      <a:prstDash val="solid"/>
+                      <a:round/>
+                      <a:headEnd type="none" w="med" len="med"/>
+                      <a:tailEnd type="none" w="med" len="med"/>
+                    </a:lnB>
+                    <a:solidFill>
+                      <a:srgbClr val="F9F9F9"/>
+                    </a:solidFill>
+                  </a:tcPr>
+                </a:tc>
+                <a:tc rowSpan="2">
+                  <a:txBody>
+                    <a:bodyPr/>
+                    <a:lstStyle/>
+                    <a:p>
+                      <a:r>
+                        <a:rPr lang="en-US" i="1" u="none" strike="noStrike">
+                          <a:effectLst/>
+                        </a:rPr>
+                        <a:t>antumā</a:t>
+                      </a:r>
+                      <a:r>
+                        <a:rPr lang="en-US">
+                          <a:effectLst/>
+                        </a:rPr>
+                        <a:t> </a:t>
+                      </a:r>
+                      <a:r>
+                        <a:rPr lang="ar-AE">
+                          <a:effectLst/>
+                        </a:rPr>
+                        <a:t>أنتما</a:t>
+                      </a:r>
+                    </a:p>
+                  </a:txBody>
+                  <a:tcPr anchor="ctr">
+                    <a:lnL w="9525" cap="flat" cmpd="sng" algn="ctr">
+                      <a:solidFill>
+                        <a:srgbClr val="AAAAAA"/>
+                      </a:solidFill>
+                      <a:prstDash val="solid"/>
+                      <a:round/>
+                      <a:headEnd type="none" w="med" len="med"/>
+                      <a:tailEnd type="none" w="med" len="med"/>
+                    </a:lnL>
+                    <a:lnR w="9525" cap="flat" cmpd="sng" algn="ctr">
+                      <a:solidFill>
+                        <a:srgbClr val="AAAAAA"/>
+                      </a:solidFill>
+                      <a:prstDash val="solid"/>
+                      <a:round/>
+                      <a:headEnd type="none" w="med" len="med"/>
+                      <a:tailEnd type="none" w="med" len="med"/>
+                    </a:lnR>
+                    <a:lnT w="9525" cap="flat" cmpd="sng" algn="ctr">
+                      <a:solidFill>
+                        <a:srgbClr val="AAAAAA"/>
+                      </a:solidFill>
+                      <a:prstDash val="solid"/>
+                      <a:round/>
+                      <a:headEnd type="none" w="med" len="med"/>
+                      <a:tailEnd type="none" w="med" len="med"/>
+                    </a:lnT>
+                    <a:lnB w="9525" cap="flat" cmpd="sng" algn="ctr">
+                      <a:solidFill>
+                        <a:srgbClr val="AAAAAA"/>
+                      </a:solidFill>
+                      <a:prstDash val="solid"/>
+                      <a:round/>
+                      <a:headEnd type="none" w="med" len="med"/>
+                      <a:tailEnd type="none" w="med" len="med"/>
+                    </a:lnB>
+                    <a:solidFill>
+                      <a:srgbClr val="F9F9F9"/>
+                    </a:solidFill>
+                  </a:tcPr>
+                </a:tc>
+                <a:tc>
+                  <a:txBody>
+                    <a:bodyPr/>
+                    <a:lstStyle/>
+                    <a:p>
+                      <a:r>
+                        <a:rPr lang="en-US" i="1" u="none" strike="noStrike">
+                          <a:effectLst/>
+                        </a:rPr>
+                        <a:t>antum</a:t>
+                      </a:r>
+                      <a:r>
+                        <a:rPr lang="en-US">
+                          <a:effectLst/>
+                        </a:rPr>
+                        <a:t> </a:t>
+                      </a:r>
+                      <a:r>
+                        <a:rPr lang="ar-AE">
+                          <a:effectLst/>
+                        </a:rPr>
+                        <a:t>أنتم</a:t>
+                      </a:r>
+                    </a:p>
+                  </a:txBody>
+                  <a:tcPr anchor="ctr">
+                    <a:lnL w="9525" cap="flat" cmpd="sng" algn="ctr">
+                      <a:solidFill>
+                        <a:srgbClr val="AAAAAA"/>
+                      </a:solidFill>
+                      <a:prstDash val="solid"/>
+                      <a:round/>
+                      <a:headEnd type="none" w="med" len="med"/>
+                      <a:tailEnd type="none" w="med" len="med"/>
+                    </a:lnL>
+                    <a:lnR w="9525" cap="flat" cmpd="sng" algn="ctr">
+                      <a:solidFill>
+                        <a:srgbClr val="AAAAAA"/>
+                      </a:solidFill>
+                      <a:prstDash val="solid"/>
+                      <a:round/>
+                      <a:headEnd type="none" w="med" len="med"/>
+                      <a:tailEnd type="none" w="med" len="med"/>
+                    </a:lnR>
+                    <a:lnT w="9525" cap="flat" cmpd="sng" algn="ctr">
+                      <a:solidFill>
+                        <a:srgbClr val="AAAAAA"/>
+                      </a:solidFill>
+                      <a:prstDash val="solid"/>
+                      <a:round/>
+                      <a:headEnd type="none" w="med" len="med"/>
+                      <a:tailEnd type="none" w="med" len="med"/>
+                    </a:lnT>
+                    <a:lnB w="9525" cap="flat" cmpd="sng" algn="ctr">
+                      <a:solidFill>
+                        <a:srgbClr val="AAAAAA"/>
+                      </a:solidFill>
+                      <a:prstDash val="solid"/>
+                      <a:round/>
+                      <a:headEnd type="none" w="med" len="med"/>
+                      <a:tailEnd type="none" w="med" len="med"/>
+                    </a:lnB>
+                    <a:solidFill>
+                      <a:srgbClr val="F9F9F9"/>
+                    </a:solidFill>
+                  </a:tcPr>
+                </a:tc>
+              </a:tr>
+              <a:tr h="0">
+                <a:tc vMerge="1">
+                  <a:txBody>
+                    <a:bodyPr/>
+                    <a:lstStyle/>
+                    <a:p>
+                      <a:endParaRPr lang="en-US"/>
+                    </a:p>
+                  </a:txBody>
+                  <a:tcPr/>
+                </a:tc>
+                <a:tc>
+                  <a:txBody>
+                    <a:bodyPr/>
+                    <a:lstStyle/>
+                    <a:p>
+                      <a:pPr algn="ctr"/>
+                      <a:r>
+                        <a:rPr lang="en-US">
+                          <a:effectLst/>
+                        </a:rPr>
+                        <a:t>feminine</a:t>
+                      </a:r>
+                    </a:p>
+                  </a:txBody>
+                  <a:tcPr anchor="ctr">
+                    <a:lnL w="9525" cap="flat" cmpd="sng" algn="ctr">
+                      <a:solidFill>
+                        <a:srgbClr val="AAAAAA"/>
+                      </a:solidFill>
+                      <a:prstDash val="solid"/>
+                      <a:round/>
+                      <a:headEnd type="none" w="med" len="med"/>
+                      <a:tailEnd type="none" w="med" len="med"/>
+                    </a:lnL>
+                    <a:lnR w="9525" cap="flat" cmpd="sng" algn="ctr">
+                      <a:solidFill>
+                        <a:srgbClr val="AAAAAA"/>
+                      </a:solidFill>
+                      <a:prstDash val="solid"/>
+                      <a:round/>
+                      <a:headEnd type="none" w="med" len="med"/>
+                      <a:tailEnd type="none" w="med" len="med"/>
+                    </a:lnR>
+                    <a:lnT w="9525" cap="flat" cmpd="sng" algn="ctr">
+                      <a:solidFill>
+                        <a:srgbClr val="AAAAAA"/>
+                      </a:solidFill>
+                      <a:prstDash val="solid"/>
+                      <a:round/>
+                      <a:headEnd type="none" w="med" len="med"/>
+                      <a:tailEnd type="none" w="med" len="med"/>
+                    </a:lnT>
+                    <a:lnB w="9525" cap="flat" cmpd="sng" algn="ctr">
+                      <a:solidFill>
+                        <a:srgbClr val="AAAAAA"/>
+                      </a:solidFill>
+                      <a:prstDash val="solid"/>
+                      <a:round/>
+                      <a:headEnd type="none" w="med" len="med"/>
+                      <a:tailEnd type="none" w="med" len="med"/>
+                    </a:lnB>
+                    <a:solidFill>
+                      <a:srgbClr val="F2F2F2"/>
+                    </a:solidFill>
+                  </a:tcPr>
+                </a:tc>
+                <a:tc>
+                  <a:txBody>
+                    <a:bodyPr/>
+                    <a:lstStyle/>
+                    <a:p>
+                      <a:r>
+                        <a:rPr lang="en-US" i="1" u="none" strike="noStrike">
+                          <a:effectLst/>
+                        </a:rPr>
+                        <a:t>anti</a:t>
+                      </a:r>
+                      <a:r>
+                        <a:rPr lang="en-US">
+                          <a:effectLst/>
+                        </a:rPr>
+                        <a:t> </a:t>
+                      </a:r>
+                      <a:r>
+                        <a:rPr lang="ar-AE">
+                          <a:effectLst/>
+                        </a:rPr>
+                        <a:t>أنت</a:t>
+                      </a:r>
+                    </a:p>
+                  </a:txBody>
+                  <a:tcPr anchor="ctr">
+                    <a:lnL w="9525" cap="flat" cmpd="sng" algn="ctr">
+                      <a:solidFill>
+                        <a:srgbClr val="AAAAAA"/>
+                      </a:solidFill>
+                      <a:prstDash val="solid"/>
+                      <a:round/>
+                      <a:headEnd type="none" w="med" len="med"/>
+                      <a:tailEnd type="none" w="med" len="med"/>
+                    </a:lnL>
+                    <a:lnR w="9525" cap="flat" cmpd="sng" algn="ctr">
+                      <a:solidFill>
+                        <a:srgbClr val="AAAAAA"/>
+                      </a:solidFill>
+                      <a:prstDash val="solid"/>
+                      <a:round/>
+                      <a:headEnd type="none" w="med" len="med"/>
+                      <a:tailEnd type="none" w="med" len="med"/>
+                    </a:lnR>
+                    <a:lnT w="9525" cap="flat" cmpd="sng" algn="ctr">
+                      <a:solidFill>
+                        <a:srgbClr val="AAAAAA"/>
+                      </a:solidFill>
+                      <a:prstDash val="solid"/>
+                      <a:round/>
+                      <a:headEnd type="none" w="med" len="med"/>
+                      <a:tailEnd type="none" w="med" len="med"/>
+                    </a:lnT>
+                    <a:lnB w="9525" cap="flat" cmpd="sng" algn="ctr">
+                      <a:solidFill>
+                        <a:srgbClr val="AAAAAA"/>
+                      </a:solidFill>
+                      <a:prstDash val="solid"/>
+                      <a:round/>
+                      <a:headEnd type="none" w="med" len="med"/>
+                      <a:tailEnd type="none" w="med" len="med"/>
+                    </a:lnB>
+                    <a:solidFill>
+                      <a:srgbClr val="F9F9F9"/>
+                    </a:solidFill>
+                  </a:tcPr>
+                </a:tc>
+                <a:tc vMerge="1">
+                  <a:txBody>
+                    <a:bodyPr/>
+                    <a:lstStyle/>
+                    <a:p>
+                      <a:endParaRPr lang="en-US"/>
+                    </a:p>
+                  </a:txBody>
+                  <a:tcPr/>
+                </a:tc>
+                <a:tc>
+                  <a:txBody>
+                    <a:bodyPr/>
+                    <a:lstStyle/>
+                    <a:p>
+                      <a:r>
+                        <a:rPr lang="en-US" i="1" u="none" strike="noStrike">
+                          <a:effectLst/>
+                        </a:rPr>
+                        <a:t>antunna</a:t>
+                      </a:r>
+                      <a:r>
+                        <a:rPr lang="en-US">
+                          <a:effectLst/>
+                        </a:rPr>
+                        <a:t> </a:t>
+                      </a:r>
+                      <a:r>
+                        <a:rPr lang="ar-AE">
+                          <a:effectLst/>
+                        </a:rPr>
+                        <a:t>أنتنّ</a:t>
+                      </a:r>
+                    </a:p>
+                  </a:txBody>
+                  <a:tcPr anchor="ctr">
+                    <a:lnL w="9525" cap="flat" cmpd="sng" algn="ctr">
+                      <a:solidFill>
+                        <a:srgbClr val="AAAAAA"/>
+                      </a:solidFill>
+                      <a:prstDash val="solid"/>
+                      <a:round/>
+                      <a:headEnd type="none" w="med" len="med"/>
+                      <a:tailEnd type="none" w="med" len="med"/>
+                    </a:lnL>
+                    <a:lnR w="9525" cap="flat" cmpd="sng" algn="ctr">
+                      <a:solidFill>
+                        <a:srgbClr val="AAAAAA"/>
+                      </a:solidFill>
+                      <a:prstDash val="solid"/>
+                      <a:round/>
+                      <a:headEnd type="none" w="med" len="med"/>
+                      <a:tailEnd type="none" w="med" len="med"/>
+                    </a:lnR>
+                    <a:lnT w="9525" cap="flat" cmpd="sng" algn="ctr">
+                      <a:solidFill>
+                        <a:srgbClr val="AAAAAA"/>
+                      </a:solidFill>
+                      <a:prstDash val="solid"/>
+                      <a:round/>
+                      <a:headEnd type="none" w="med" len="med"/>
+                      <a:tailEnd type="none" w="med" len="med"/>
+                    </a:lnT>
+                    <a:lnB w="9525" cap="flat" cmpd="sng" algn="ctr">
+                      <a:solidFill>
+                        <a:srgbClr val="AAAAAA"/>
+                      </a:solidFill>
+                      <a:prstDash val="solid"/>
+                      <a:round/>
+                      <a:headEnd type="none" w="med" len="med"/>
+                      <a:tailEnd type="none" w="med" len="med"/>
+                    </a:lnB>
+                    <a:solidFill>
+                      <a:srgbClr val="F9F9F9"/>
+                    </a:solidFill>
+                  </a:tcPr>
+                </a:tc>
+              </a:tr>
+              <a:tr h="0">
+                <a:tc rowSpan="2">
+                  <a:txBody>
+                    <a:bodyPr/>
+                    <a:lstStyle/>
+                    <a:p>
+                      <a:pPr algn="ctr"/>
+                      <a:r>
+                        <a:rPr lang="en-US">
+                          <a:effectLst/>
+                        </a:rPr>
+                        <a:t>3rd</a:t>
+                      </a:r>
+                    </a:p>
+                  </a:txBody>
+                  <a:tcPr anchor="ctr">
+                    <a:lnL w="9525" cap="flat" cmpd="sng" algn="ctr">
+                      <a:solidFill>
+                        <a:srgbClr val="AAAAAA"/>
+                      </a:solidFill>
+                      <a:prstDash val="solid"/>
+                      <a:round/>
+                      <a:headEnd type="none" w="med" len="med"/>
+                      <a:tailEnd type="none" w="med" len="med"/>
+                    </a:lnL>
+                    <a:lnR w="9525" cap="flat" cmpd="sng" algn="ctr">
+                      <a:solidFill>
+                        <a:srgbClr val="AAAAAA"/>
+                      </a:solidFill>
+                      <a:prstDash val="solid"/>
+                      <a:round/>
+                      <a:headEnd type="none" w="med" len="med"/>
+                      <a:tailEnd type="none" w="med" len="med"/>
+                    </a:lnR>
+                    <a:lnT w="9525" cap="flat" cmpd="sng" algn="ctr">
+                      <a:solidFill>
+                        <a:srgbClr val="AAAAAA"/>
+                      </a:solidFill>
+                      <a:prstDash val="solid"/>
+                      <a:round/>
+                      <a:headEnd type="none" w="med" len="med"/>
+                      <a:tailEnd type="none" w="med" len="med"/>
+                    </a:lnT>
+                    <a:lnB w="9525" cap="flat" cmpd="sng" algn="ctr">
+                      <a:solidFill>
+                        <a:srgbClr val="AAAAAA"/>
+                      </a:solidFill>
+                      <a:prstDash val="solid"/>
+                      <a:round/>
+                      <a:headEnd type="none" w="med" len="med"/>
+                      <a:tailEnd type="none" w="med" len="med"/>
+                    </a:lnB>
+                    <a:solidFill>
+                      <a:srgbClr val="F2F2F2"/>
+                    </a:solidFill>
+                  </a:tcPr>
+                </a:tc>
+                <a:tc>
+                  <a:txBody>
+                    <a:bodyPr/>
+                    <a:lstStyle/>
+                    <a:p>
+                      <a:pPr algn="ctr"/>
+                      <a:r>
+                        <a:rPr lang="en-US">
+                          <a:effectLst/>
+                        </a:rPr>
+                        <a:t>masculine</a:t>
+                      </a:r>
+                    </a:p>
+                  </a:txBody>
+                  <a:tcPr anchor="ctr">
+                    <a:lnL w="9525" cap="flat" cmpd="sng" algn="ctr">
+                      <a:solidFill>
+                        <a:srgbClr val="AAAAAA"/>
+                      </a:solidFill>
+                      <a:prstDash val="solid"/>
+                      <a:round/>
+                      <a:headEnd type="none" w="med" len="med"/>
+                      <a:tailEnd type="none" w="med" len="med"/>
+                    </a:lnL>
+                    <a:lnR w="9525" cap="flat" cmpd="sng" algn="ctr">
+                      <a:solidFill>
+                        <a:srgbClr val="AAAAAA"/>
+                      </a:solidFill>
+                      <a:prstDash val="solid"/>
+                      <a:round/>
+                      <a:headEnd type="none" w="med" len="med"/>
+                      <a:tailEnd type="none" w="med" len="med"/>
+                    </a:lnR>
+                    <a:lnT w="9525" cap="flat" cmpd="sng" algn="ctr">
+                      <a:solidFill>
+                        <a:srgbClr val="AAAAAA"/>
+                      </a:solidFill>
+                      <a:prstDash val="solid"/>
+                      <a:round/>
+                      <a:headEnd type="none" w="med" len="med"/>
+                      <a:tailEnd type="none" w="med" len="med"/>
+                    </a:lnT>
+                    <a:lnB w="9525" cap="flat" cmpd="sng" algn="ctr">
+                      <a:solidFill>
+                        <a:srgbClr val="AAAAAA"/>
+                      </a:solidFill>
+                      <a:prstDash val="solid"/>
+                      <a:round/>
+                      <a:headEnd type="none" w="med" len="med"/>
+                      <a:tailEnd type="none" w="med" len="med"/>
+                    </a:lnB>
+                    <a:solidFill>
+                      <a:srgbClr val="F2F2F2"/>
+                    </a:solidFill>
+                  </a:tcPr>
+                </a:tc>
+                <a:tc>
+                  <a:txBody>
+                    <a:bodyPr/>
+                    <a:lstStyle/>
+                    <a:p>
+                      <a:r>
+                        <a:rPr lang="en-US" i="1" u="none" strike="noStrike">
+                          <a:effectLst/>
+                        </a:rPr>
+                        <a:t>huwa</a:t>
+                      </a:r>
+                      <a:r>
+                        <a:rPr lang="en-US">
+                          <a:effectLst/>
+                        </a:rPr>
+                        <a:t> </a:t>
+                      </a:r>
+                      <a:r>
+                        <a:rPr lang="ar-AE">
+                          <a:effectLst/>
+                        </a:rPr>
+                        <a:t>هو</a:t>
+                      </a:r>
+                    </a:p>
+                  </a:txBody>
+                  <a:tcPr anchor="ctr">
+                    <a:lnL w="9525" cap="flat" cmpd="sng" algn="ctr">
+                      <a:solidFill>
+                        <a:srgbClr val="AAAAAA"/>
+                      </a:solidFill>
+                      <a:prstDash val="solid"/>
+                      <a:round/>
+                      <a:headEnd type="none" w="med" len="med"/>
+                      <a:tailEnd type="none" w="med" len="med"/>
+                    </a:lnL>
+                    <a:lnR w="9525" cap="flat" cmpd="sng" algn="ctr">
+                      <a:solidFill>
+                        <a:srgbClr val="AAAAAA"/>
+                      </a:solidFill>
+                      <a:prstDash val="solid"/>
+                      <a:round/>
+                      <a:headEnd type="none" w="med" len="med"/>
+                      <a:tailEnd type="none" w="med" len="med"/>
+                    </a:lnR>
+                    <a:lnT w="9525" cap="flat" cmpd="sng" algn="ctr">
+                      <a:solidFill>
+                        <a:srgbClr val="AAAAAA"/>
+                      </a:solidFill>
+                      <a:prstDash val="solid"/>
+                      <a:round/>
+                      <a:headEnd type="none" w="med" len="med"/>
+                      <a:tailEnd type="none" w="med" len="med"/>
+                    </a:lnT>
+                    <a:lnB w="9525" cap="flat" cmpd="sng" algn="ctr">
+                      <a:solidFill>
+                        <a:srgbClr val="AAAAAA"/>
+                      </a:solidFill>
+                      <a:prstDash val="solid"/>
+                      <a:round/>
+                      <a:headEnd type="none" w="med" len="med"/>
+                      <a:tailEnd type="none" w="med" len="med"/>
+                    </a:lnB>
+                    <a:solidFill>
+                      <a:srgbClr val="F9F9F9"/>
+                    </a:solidFill>
+                  </a:tcPr>
+                </a:tc>
+                <a:tc rowSpan="2">
+                  <a:txBody>
+                    <a:bodyPr/>
+                    <a:lstStyle/>
+                    <a:p>
+                      <a:r>
+                        <a:rPr lang="en-US" i="1" u="none" strike="noStrike">
+                          <a:effectLst/>
+                        </a:rPr>
+                        <a:t>humā</a:t>
+                      </a:r>
+                      <a:r>
+                        <a:rPr lang="en-US">
+                          <a:effectLst/>
+                        </a:rPr>
+                        <a:t> </a:t>
+                      </a:r>
+                      <a:r>
+                        <a:rPr lang="ar-AE">
+                          <a:effectLst/>
+                        </a:rPr>
+                        <a:t>هما</a:t>
+                      </a:r>
+                    </a:p>
+                  </a:txBody>
+                  <a:tcPr anchor="ctr">
+                    <a:lnL w="9525" cap="flat" cmpd="sng" algn="ctr">
+                      <a:solidFill>
+                        <a:srgbClr val="AAAAAA"/>
+                      </a:solidFill>
+                      <a:prstDash val="solid"/>
+                      <a:round/>
+                      <a:headEnd type="none" w="med" len="med"/>
+                      <a:tailEnd type="none" w="med" len="med"/>
+                    </a:lnL>
+                    <a:lnR w="9525" cap="flat" cmpd="sng" algn="ctr">
+                      <a:solidFill>
+                        <a:srgbClr val="AAAAAA"/>
+                      </a:solidFill>
+                      <a:prstDash val="solid"/>
+                      <a:round/>
+                      <a:headEnd type="none" w="med" len="med"/>
+                      <a:tailEnd type="none" w="med" len="med"/>
+                    </a:lnR>
+                    <a:lnT w="9525" cap="flat" cmpd="sng" algn="ctr">
+                      <a:solidFill>
+                        <a:srgbClr val="AAAAAA"/>
+                      </a:solidFill>
+                      <a:prstDash val="solid"/>
+                      <a:round/>
+                      <a:headEnd type="none" w="med" len="med"/>
+                      <a:tailEnd type="none" w="med" len="med"/>
+                    </a:lnT>
+                    <a:lnB w="9525" cap="flat" cmpd="sng" algn="ctr">
+                      <a:solidFill>
+                        <a:srgbClr val="AAAAAA"/>
+                      </a:solidFill>
+                      <a:prstDash val="solid"/>
+                      <a:round/>
+                      <a:headEnd type="none" w="med" len="med"/>
+                      <a:tailEnd type="none" w="med" len="med"/>
+                    </a:lnB>
+                    <a:solidFill>
+                      <a:srgbClr val="F9F9F9"/>
+                    </a:solidFill>
+                  </a:tcPr>
+                </a:tc>
+                <a:tc>
+                  <a:txBody>
+                    <a:bodyPr/>
+                    <a:lstStyle/>
+                    <a:p>
+                      <a:r>
+                        <a:rPr lang="en-US" i="1" u="none" strike="noStrike">
+                          <a:effectLst/>
+                        </a:rPr>
+                        <a:t>hum</a:t>
+                      </a:r>
+                      <a:r>
+                        <a:rPr lang="en-US">
+                          <a:effectLst/>
+                        </a:rPr>
+                        <a:t> </a:t>
+                      </a:r>
+                      <a:r>
+                        <a:rPr lang="ar-AE">
+                          <a:effectLst/>
+                        </a:rPr>
+                        <a:t>هم</a:t>
+                      </a:r>
+                    </a:p>
+                  </a:txBody>
+                  <a:tcPr anchor="ctr">
+                    <a:lnL w="9525" cap="flat" cmpd="sng" algn="ctr">
+                      <a:solidFill>
+                        <a:srgbClr val="AAAAAA"/>
+                      </a:solidFill>
+                      <a:prstDash val="solid"/>
+                      <a:round/>
+                      <a:headEnd type="none" w="med" len="med"/>
+                      <a:tailEnd type="none" w="med" len="med"/>
+                    </a:lnL>
+                    <a:lnR w="9525" cap="flat" cmpd="sng" algn="ctr">
+                      <a:solidFill>
+                        <a:srgbClr val="AAAAAA"/>
+                      </a:solidFill>
+                      <a:prstDash val="solid"/>
+                      <a:round/>
+                      <a:headEnd type="none" w="med" len="med"/>
+                      <a:tailEnd type="none" w="med" len="med"/>
+                    </a:lnR>
+                    <a:lnT w="9525" cap="flat" cmpd="sng" algn="ctr">
+                      <a:solidFill>
+                        <a:srgbClr val="AAAAAA"/>
+                      </a:solidFill>
+                      <a:prstDash val="solid"/>
+                      <a:round/>
+                      <a:headEnd type="none" w="med" len="med"/>
+                      <a:tailEnd type="none" w="med" len="med"/>
+                    </a:lnT>
+                    <a:lnB w="9525" cap="flat" cmpd="sng" algn="ctr">
+                      <a:solidFill>
+                        <a:srgbClr val="AAAAAA"/>
+                      </a:solidFill>
+                      <a:prstDash val="solid"/>
+                      <a:round/>
+                      <a:headEnd type="none" w="med" len="med"/>
+                      <a:tailEnd type="none" w="med" len="med"/>
+                    </a:lnB>
+                    <a:solidFill>
+                      <a:srgbClr val="F9F9F9"/>
+                    </a:solidFill>
+                  </a:tcPr>
+                </a:tc>
+              </a:tr>
+              <a:tr h="0">
+                <a:tc vMerge="1">
+                  <a:txBody>
+                    <a:bodyPr/>
+                    <a:lstStyle/>
+                    <a:p>
+                      <a:endParaRPr lang="en-US"/>
+                    </a:p>
+                  </a:txBody>
+                  <a:tcPr/>
+                </a:tc>
+                <a:tc>
+                  <a:txBody>
+                    <a:bodyPr/>
+                    <a:lstStyle/>
+                    <a:p>
+                      <a:pPr algn="ctr"/>
+                      <a:r>
+                        <a:rPr lang="en-US">
+                          <a:effectLst/>
+                        </a:rPr>
+                        <a:t>feminine</a:t>
+                      </a:r>
+                    </a:p>
+                  </a:txBody>
+                  <a:tcPr anchor="ctr">
+                    <a:lnL w="9525" cap="flat" cmpd="sng" algn="ctr">
+                      <a:solidFill>
+                        <a:srgbClr val="AAAAAA"/>
+                      </a:solidFill>
+                      <a:prstDash val="solid"/>
+                      <a:round/>
+                      <a:headEnd type="none" w="med" len="med"/>
+                      <a:tailEnd type="none" w="med" len="med"/>
+                    </a:lnL>
+                    <a:lnR w="9525" cap="flat" cmpd="sng" algn="ctr">
+                      <a:solidFill>
+                        <a:srgbClr val="AAAAAA"/>
+                      </a:solidFill>
+                      <a:prstDash val="solid"/>
+                      <a:round/>
+                      <a:headEnd type="none" w="med" len="med"/>
+                      <a:tailEnd type="none" w="med" len="med"/>
+                    </a:lnR>
+                    <a:lnT w="9525" cap="flat" cmpd="sng" algn="ctr">
+                      <a:solidFill>
+                        <a:srgbClr val="AAAAAA"/>
+                      </a:solidFill>
+                      <a:prstDash val="solid"/>
+                      <a:round/>
+                      <a:headEnd type="none" w="med" len="med"/>
+                      <a:tailEnd type="none" w="med" len="med"/>
+                    </a:lnT>
+                    <a:lnB w="9525" cap="flat" cmpd="sng" algn="ctr">
+                      <a:solidFill>
+                        <a:srgbClr val="AAAAAA"/>
+                      </a:solidFill>
+                      <a:prstDash val="solid"/>
+                      <a:round/>
+                      <a:headEnd type="none" w="med" len="med"/>
+                      <a:tailEnd type="none" w="med" len="med"/>
+                    </a:lnB>
+                    <a:solidFill>
+                      <a:srgbClr val="F2F2F2"/>
+                    </a:solidFill>
+                  </a:tcPr>
+                </a:tc>
+                <a:tc>
+                  <a:txBody>
+                    <a:bodyPr/>
+                    <a:lstStyle/>
+                    <a:p>
+                      <a:r>
+                        <a:rPr lang="en-US" i="1" u="none" strike="noStrike">
+                          <a:effectLst/>
+                        </a:rPr>
+                        <a:t>hiya</a:t>
+                      </a:r>
+                      <a:r>
+                        <a:rPr lang="en-US">
+                          <a:effectLst/>
+                        </a:rPr>
+                        <a:t> </a:t>
+                      </a:r>
+                      <a:r>
+                        <a:rPr lang="ar-AE">
+                          <a:effectLst/>
+                        </a:rPr>
+                        <a:t>هي</a:t>
+                      </a:r>
+                    </a:p>
+                  </a:txBody>
+                  <a:tcPr anchor="ctr">
+                    <a:lnL w="9525" cap="flat" cmpd="sng" algn="ctr">
+                      <a:solidFill>
+                        <a:srgbClr val="AAAAAA"/>
+                      </a:solidFill>
+                      <a:prstDash val="solid"/>
+                      <a:round/>
+                      <a:headEnd type="none" w="med" len="med"/>
+                      <a:tailEnd type="none" w="med" len="med"/>
+                    </a:lnL>
+                    <a:lnR w="9525" cap="flat" cmpd="sng" algn="ctr">
+                      <a:solidFill>
+                        <a:srgbClr val="AAAAAA"/>
+                      </a:solidFill>
+                      <a:prstDash val="solid"/>
+                      <a:round/>
+                      <a:headEnd type="none" w="med" len="med"/>
+                      <a:tailEnd type="none" w="med" len="med"/>
+                    </a:lnR>
+                    <a:lnT w="9525" cap="flat" cmpd="sng" algn="ctr">
+                      <a:solidFill>
+                        <a:srgbClr val="AAAAAA"/>
+                      </a:solidFill>
+                      <a:prstDash val="solid"/>
+                      <a:round/>
+                      <a:headEnd type="none" w="med" len="med"/>
+                      <a:tailEnd type="none" w="med" len="med"/>
+                    </a:lnT>
+                    <a:lnB w="9525" cap="flat" cmpd="sng" algn="ctr">
+                      <a:solidFill>
+                        <a:srgbClr val="AAAAAA"/>
+                      </a:solidFill>
+                      <a:prstDash val="solid"/>
+                      <a:round/>
+                      <a:headEnd type="none" w="med" len="med"/>
+                      <a:tailEnd type="none" w="med" len="med"/>
+                    </a:lnB>
+                    <a:solidFill>
+                      <a:srgbClr val="F9F9F9"/>
+                    </a:solidFill>
+                  </a:tcPr>
+                </a:tc>
+                <a:tc vMerge="1">
+                  <a:txBody>
+                    <a:bodyPr/>
+                    <a:lstStyle/>
+                    <a:p>
+                      <a:endParaRPr lang="en-US"/>
+                    </a:p>
+                  </a:txBody>
+                  <a:tcPr/>
+                </a:tc>
+                <a:tc>
+                  <a:txBody>
+                    <a:bodyPr/>
+                    <a:lstStyle/>
+                    <a:p>
+                      <a:r>
+                        <a:rPr lang="en-US" i="1" u="none" strike="noStrike" dirty="0" err="1">
+                          <a:effectLst/>
+                        </a:rPr>
+                        <a:t>hunna</a:t>
+                      </a:r>
+                      <a:r>
+                        <a:rPr lang="en-US" dirty="0">
+                          <a:effectLst/>
+                        </a:rPr>
+                        <a:t> </a:t>
+                      </a:r>
+                      <a:r>
+                        <a:rPr lang="ar-AE" dirty="0">
+                          <a:effectLst/>
+                        </a:rPr>
+                        <a:t>هنّ</a:t>
+                      </a:r>
+                    </a:p>
+                  </a:txBody>
+                  <a:tcPr anchor="ctr">
+                    <a:lnL w="9525" cap="flat" cmpd="sng" algn="ctr">
+                      <a:solidFill>
+                        <a:srgbClr val="AAAAAA"/>
+                      </a:solidFill>
+                      <a:prstDash val="solid"/>
+                      <a:round/>
+                      <a:headEnd type="none" w="med" len="med"/>
+                      <a:tailEnd type="none" w="med" len="med"/>
+                    </a:lnL>
+                    <a:lnR w="9525" cap="flat" cmpd="sng" algn="ctr">
+                      <a:solidFill>
+                        <a:srgbClr val="AAAAAA"/>
+                      </a:solidFill>
+                      <a:prstDash val="solid"/>
+                      <a:round/>
+                      <a:headEnd type="none" w="med" len="med"/>
+                      <a:tailEnd type="none" w="med" len="med"/>
+                    </a:lnR>
+                    <a:lnT w="9525" cap="flat" cmpd="sng" algn="ctr">
+                      <a:solidFill>
+                        <a:srgbClr val="AAAAAA"/>
+                      </a:solidFill>
+                      <a:prstDash val="solid"/>
+                      <a:round/>
+                      <a:headEnd type="none" w="med" len="med"/>
+                      <a:tailEnd type="none" w="med" len="med"/>
+                    </a:lnT>
+                    <a:lnB w="9525" cap="flat" cmpd="sng" algn="ctr">
+                      <a:solidFill>
+                        <a:srgbClr val="AAAAAA"/>
+                      </a:solidFill>
+                      <a:prstDash val="solid"/>
+                      <a:round/>
+                      <a:headEnd type="none" w="med" len="med"/>
+                      <a:tailEnd type="none" w="med" len="med"/>
+                    </a:lnB>
+                    <a:solidFill>
+                      <a:srgbClr val="F9F9F9"/>
+                    </a:solidFill>
+                  </a:tcPr>
+                </a:tc>
+              </a:tr>
+            </a:tbl>
+          </a:graphicData>
+        </a:graphic>
+      </p:graphicFrame>
+      <p:sp>
+        <p:nvSpPr>
+          <p:cNvPr id="6" name="Rectangle 2"/>
+          <p:cNvSpPr>
+            <a:spLocks noChangeArrowheads="1"/>
+          </p:cNvSpPr>
+          <p:nvPr/>
+        </p:nvSpPr>
+        <p:spPr bwMode="auto">
+          <a:xfrm>
+            <a:off x="838200" y="4116864"/>
+            <a:ext cx="12192000" cy="0"/>
+          </a:xfrm>
+          <a:prstGeom prst="rect">
+            <a:avLst/>
+          </a:prstGeom>
+          <a:noFill/>
+          <a:ln>
+            <a:noFill/>
+          </a:ln>
+          <a:effectLst/>
+          <a:extLst>
+            <a:ext uri="{909E8E84-426E-40DD-AFC4-6F175D3DCCD1}">
+              <a14:hiddenFill xmlns:a14="http://schemas.microsoft.com/office/drawing/2010/main">
+                <a:solidFill>
+                  <a:schemeClr val="accent1"/>
+                </a:solidFill>
+              </a14:hiddenFill>
+            </a:ext>
+            <a:ext uri="{91240B29-F687-4F45-9708-019B960494DF}">
+              <a14:hiddenLine xmlns:a14="http://schemas.microsoft.com/office/drawing/2010/main" w="9525">
+                <a:solidFill>
+                  <a:schemeClr val="tx1"/>
+                </a:solidFill>
+                <a:miter lim="800000"/>
+                <a:headEnd/>
+                <a:tailEnd/>
+              </a14:hiddenLine>
+            </a:ext>
+            <a:ext uri="{AF507438-7753-43E0-B8FC-AC1667EBCBE1}">
+              <a14:hiddenEffects xmlns:a14="http://schemas.microsoft.com/office/drawing/2010/main">
+                <a:effectLst>
+                  <a:outerShdw dist="35921" dir="2700000" algn="ctr" rotWithShape="0">
+                    <a:schemeClr val="bg2"/>
+                  </a:outerShdw>
+                </a:effectLst>
+              </a14:hiddenEffects>
+            </a:ext>
+          </a:extLst>
+        </p:spPr>
+        <p:txBody>
+          <a:bodyPr vert="horz" wrap="none" lIns="91440" tIns="45720" rIns="91440" bIns="45720" numCol="1" anchor="ctr" anchorCtr="0" compatLnSpc="1">
+            <a:prstTxWarp prst="textNoShape">
+              <a:avLst/>
+            </a:prstTxWarp>
+            <a:spAutoFit/>
+          </a:bodyPr>
+          <a:lstStyle/>
+          <a:p>
+            <a:pPr marL="0" marR="0" lvl="0" indent="0" algn="l" defTabSz="914400" rtl="0" eaLnBrk="0" fontAlgn="base" latinLnBrk="0" hangingPunct="0">
+              <a:lnSpc>
+                <a:spcPct val="100000"/>
+              </a:lnSpc>
+              <a:spcBef>
+                <a:spcPct val="0"/>
+              </a:spcBef>
+              <a:spcAft>
+                <a:spcPct val="0"/>
+              </a:spcAft>
+              <a:buClrTx/>
+              <a:buSzTx/>
+              <a:buFontTx/>
+              <a:buNone/>
+              <a:tabLst/>
+            </a:pPr>
+            <a:r>
+              <a:rPr kumimoji="0" lang="en-US" altLang="en-US" sz="1800" b="0" i="0" u="none" strike="noStrike" cap="none" normalizeH="0" baseline="0" smtClean="0">
+                <a:ln>
+                  <a:noFill/>
+                </a:ln>
+                <a:solidFill>
+                  <a:schemeClr val="tx1"/>
+                </a:solidFill>
+                <a:effectLst/>
+                <a:latin typeface="Arial" panose="020B0604020202020204" pitchFamily="34" charset="0"/>
+              </a:rPr>
+              <a:t/>
+            </a:r>
+            <a:br>
+              <a:rPr kumimoji="0" lang="en-US" altLang="en-US" sz="1800" b="0" i="0" u="none" strike="noStrike" cap="none" normalizeH="0" baseline="0" smtClean="0">
+                <a:ln>
+                  <a:noFill/>
+                </a:ln>
+                <a:solidFill>
+                  <a:schemeClr val="tx1"/>
+                </a:solidFill>
+                <a:effectLst/>
+                <a:latin typeface="Arial" panose="020B0604020202020204" pitchFamily="34" charset="0"/>
+              </a:rPr>
+            </a:br>
+            <a:endParaRPr kumimoji="0" lang="en-US" altLang="en-US" sz="1800" b="0" i="0" u="none" strike="noStrike" cap="none" normalizeH="0" baseline="0" smtClean="0">
+              <a:ln>
+                <a:noFill/>
+              </a:ln>
+              <a:solidFill>
+                <a:schemeClr val="tx1"/>
+              </a:solidFill>
+              <a:effectLst/>
+              <a:latin typeface="Arial" panose="020B0604020202020204" pitchFamily="34" charset="0"/>
+            </a:endParaRPr>
           </a:p>
         </p:txBody>
       </p:sp>
     </p:spTree>
     <p:extLst>
       <p:ext uri="{BB962C8B-B14F-4D97-AF65-F5344CB8AC3E}">
-        <p14:creationId xmlns:p14="http://schemas.microsoft.com/office/powerpoint/2010/main" val="4064311549"/>
+        <p14:creationId xmlns:p14="http://schemas.microsoft.com/office/powerpoint/2010/main" val="431686180"/>
       </p:ext>
     </p:extLst>
   </p:cSld>
